--- a/seconed_iteration.pptx
+++ b/seconed_iteration.pptx
@@ -148,6 +148,6095 @@
 </p:presentation>
 </file>
 
+<file path=ppt/diagrams/colors1.xml><?xml version="1.0" encoding="utf-8"?>
+<dgm:colorsDef xmlns:dgm="http://schemas.openxmlformats.org/drawingml/2006/diagram" xmlns:a="http://schemas.openxmlformats.org/drawingml/2006/main" uniqueId="urn:microsoft.com/office/officeart/2005/8/colors/accent2_2">
+  <dgm:title val=""/>
+  <dgm:desc val=""/>
+  <dgm:catLst>
+    <dgm:cat type="accent2" pri="11200"/>
+  </dgm:catLst>
+  <dgm:styleLbl name="node0">
+    <dgm:fillClrLst meth="repeat">
+      <a:schemeClr val="accent2"/>
+    </dgm:fillClrLst>
+    <dgm:linClrLst meth="repeat">
+      <a:schemeClr val="lt1"/>
+    </dgm:linClrLst>
+    <dgm:effectClrLst/>
+    <dgm:txLinClrLst/>
+    <dgm:txFillClrLst/>
+    <dgm:txEffectClrLst/>
+  </dgm:styleLbl>
+  <dgm:styleLbl name="node1">
+    <dgm:fillClrLst meth="repeat">
+      <a:schemeClr val="accent2"/>
+    </dgm:fillClrLst>
+    <dgm:linClrLst meth="repeat">
+      <a:schemeClr val="lt1"/>
+    </dgm:linClrLst>
+    <dgm:effectClrLst/>
+    <dgm:txLinClrLst/>
+    <dgm:txFillClrLst/>
+    <dgm:txEffectClrLst/>
+  </dgm:styleLbl>
+  <dgm:styleLbl name="alignNode1">
+    <dgm:fillClrLst meth="repeat">
+      <a:schemeClr val="accent2"/>
+    </dgm:fillClrLst>
+    <dgm:linClrLst meth="repeat">
+      <a:schemeClr val="accent2"/>
+    </dgm:linClrLst>
+    <dgm:effectClrLst/>
+    <dgm:txLinClrLst/>
+    <dgm:txFillClrLst/>
+    <dgm:txEffectClrLst/>
+  </dgm:styleLbl>
+  <dgm:styleLbl name="lnNode1">
+    <dgm:fillClrLst meth="repeat">
+      <a:schemeClr val="accent2"/>
+    </dgm:fillClrLst>
+    <dgm:linClrLst meth="repeat">
+      <a:schemeClr val="lt1"/>
+    </dgm:linClrLst>
+    <dgm:effectClrLst/>
+    <dgm:txLinClrLst/>
+    <dgm:txFillClrLst/>
+    <dgm:txEffectClrLst/>
+  </dgm:styleLbl>
+  <dgm:styleLbl name="vennNode1">
+    <dgm:fillClrLst meth="repeat">
+      <a:schemeClr val="accent2">
+        <a:alpha val="50000"/>
+      </a:schemeClr>
+    </dgm:fillClrLst>
+    <dgm:linClrLst meth="repeat">
+      <a:schemeClr val="lt1"/>
+    </dgm:linClrLst>
+    <dgm:effectClrLst/>
+    <dgm:txLinClrLst/>
+    <dgm:txFillClrLst/>
+    <dgm:txEffectClrLst/>
+  </dgm:styleLbl>
+  <dgm:styleLbl name="node2">
+    <dgm:fillClrLst meth="repeat">
+      <a:schemeClr val="accent2"/>
+    </dgm:fillClrLst>
+    <dgm:linClrLst meth="repeat">
+      <a:schemeClr val="lt1"/>
+    </dgm:linClrLst>
+    <dgm:effectClrLst/>
+    <dgm:txLinClrLst/>
+    <dgm:txFillClrLst/>
+    <dgm:txEffectClrLst/>
+  </dgm:styleLbl>
+  <dgm:styleLbl name="node3">
+    <dgm:fillClrLst meth="repeat">
+      <a:schemeClr val="accent2"/>
+    </dgm:fillClrLst>
+    <dgm:linClrLst meth="repeat">
+      <a:schemeClr val="lt1"/>
+    </dgm:linClrLst>
+    <dgm:effectClrLst/>
+    <dgm:txLinClrLst/>
+    <dgm:txFillClrLst/>
+    <dgm:txEffectClrLst/>
+  </dgm:styleLbl>
+  <dgm:styleLbl name="node4">
+    <dgm:fillClrLst meth="repeat">
+      <a:schemeClr val="accent2"/>
+    </dgm:fillClrLst>
+    <dgm:linClrLst meth="repeat">
+      <a:schemeClr val="lt1"/>
+    </dgm:linClrLst>
+    <dgm:effectClrLst/>
+    <dgm:txLinClrLst/>
+    <dgm:txFillClrLst/>
+    <dgm:txEffectClrLst/>
+  </dgm:styleLbl>
+  <dgm:styleLbl name="fgImgPlace1">
+    <dgm:fillClrLst meth="repeat">
+      <a:schemeClr val="accent2">
+        <a:tint val="50000"/>
+      </a:schemeClr>
+    </dgm:fillClrLst>
+    <dgm:linClrLst meth="repeat">
+      <a:schemeClr val="lt1"/>
+    </dgm:linClrLst>
+    <dgm:effectClrLst/>
+    <dgm:txLinClrLst/>
+    <dgm:txFillClrLst meth="repeat">
+      <a:schemeClr val="lt1"/>
+    </dgm:txFillClrLst>
+    <dgm:txEffectClrLst/>
+  </dgm:styleLbl>
+  <dgm:styleLbl name="alignImgPlace1">
+    <dgm:fillClrLst meth="repeat">
+      <a:schemeClr val="accent2">
+        <a:tint val="50000"/>
+      </a:schemeClr>
+    </dgm:fillClrLst>
+    <dgm:linClrLst meth="repeat">
+      <a:schemeClr val="lt1"/>
+    </dgm:linClrLst>
+    <dgm:effectClrLst/>
+    <dgm:txLinClrLst/>
+    <dgm:txFillClrLst meth="repeat">
+      <a:schemeClr val="lt1"/>
+    </dgm:txFillClrLst>
+    <dgm:txEffectClrLst/>
+  </dgm:styleLbl>
+  <dgm:styleLbl name="bgImgPlace1">
+    <dgm:fillClrLst meth="repeat">
+      <a:schemeClr val="accent2">
+        <a:tint val="50000"/>
+      </a:schemeClr>
+    </dgm:fillClrLst>
+    <dgm:linClrLst meth="repeat">
+      <a:schemeClr val="lt1"/>
+    </dgm:linClrLst>
+    <dgm:effectClrLst/>
+    <dgm:txLinClrLst/>
+    <dgm:txFillClrLst meth="repeat">
+      <a:schemeClr val="lt1"/>
+    </dgm:txFillClrLst>
+    <dgm:txEffectClrLst/>
+  </dgm:styleLbl>
+  <dgm:styleLbl name="sibTrans2D1">
+    <dgm:fillClrLst meth="repeat">
+      <a:schemeClr val="accent2">
+        <a:tint val="60000"/>
+      </a:schemeClr>
+    </dgm:fillClrLst>
+    <dgm:linClrLst meth="repeat">
+      <a:schemeClr val="accent2">
+        <a:tint val="60000"/>
+      </a:schemeClr>
+    </dgm:linClrLst>
+    <dgm:effectClrLst/>
+    <dgm:txLinClrLst/>
+    <dgm:txFillClrLst/>
+    <dgm:txEffectClrLst/>
+  </dgm:styleLbl>
+  <dgm:styleLbl name="fgSibTrans2D1">
+    <dgm:fillClrLst meth="repeat">
+      <a:schemeClr val="accent2">
+        <a:tint val="60000"/>
+      </a:schemeClr>
+    </dgm:fillClrLst>
+    <dgm:linClrLst meth="repeat">
+      <a:schemeClr val="accent2">
+        <a:tint val="60000"/>
+      </a:schemeClr>
+    </dgm:linClrLst>
+    <dgm:effectClrLst/>
+    <dgm:txLinClrLst/>
+    <dgm:txFillClrLst/>
+    <dgm:txEffectClrLst/>
+  </dgm:styleLbl>
+  <dgm:styleLbl name="bgSibTrans2D1">
+    <dgm:fillClrLst meth="repeat">
+      <a:schemeClr val="accent2">
+        <a:tint val="60000"/>
+      </a:schemeClr>
+    </dgm:fillClrLst>
+    <dgm:linClrLst meth="repeat">
+      <a:schemeClr val="accent2">
+        <a:tint val="60000"/>
+      </a:schemeClr>
+    </dgm:linClrLst>
+    <dgm:effectClrLst/>
+    <dgm:txLinClrLst/>
+    <dgm:txFillClrLst/>
+    <dgm:txEffectClrLst/>
+  </dgm:styleLbl>
+  <dgm:styleLbl name="sibTrans1D1">
+    <dgm:fillClrLst meth="repeat">
+      <a:schemeClr val="accent2"/>
+    </dgm:fillClrLst>
+    <dgm:linClrLst meth="repeat">
+      <a:schemeClr val="accent2"/>
+    </dgm:linClrLst>
+    <dgm:effectClrLst/>
+    <dgm:txLinClrLst/>
+    <dgm:txFillClrLst meth="repeat">
+      <a:schemeClr val="tx1"/>
+    </dgm:txFillClrLst>
+    <dgm:txEffectClrLst/>
+  </dgm:styleLbl>
+  <dgm:styleLbl name="callout">
+    <dgm:fillClrLst meth="repeat">
+      <a:schemeClr val="accent2"/>
+    </dgm:fillClrLst>
+    <dgm:linClrLst meth="repeat">
+      <a:schemeClr val="accent2">
+        <a:tint val="50000"/>
+      </a:schemeClr>
+    </dgm:linClrLst>
+    <dgm:effectClrLst/>
+    <dgm:txLinClrLst/>
+    <dgm:txFillClrLst meth="repeat">
+      <a:schemeClr val="tx1"/>
+    </dgm:txFillClrLst>
+    <dgm:txEffectClrLst/>
+  </dgm:styleLbl>
+  <dgm:styleLbl name="asst0">
+    <dgm:fillClrLst meth="repeat">
+      <a:schemeClr val="accent2"/>
+    </dgm:fillClrLst>
+    <dgm:linClrLst meth="repeat">
+      <a:schemeClr val="lt1"/>
+    </dgm:linClrLst>
+    <dgm:effectClrLst/>
+    <dgm:txLinClrLst/>
+    <dgm:txFillClrLst/>
+    <dgm:txEffectClrLst/>
+  </dgm:styleLbl>
+  <dgm:styleLbl name="asst1">
+    <dgm:fillClrLst meth="repeat">
+      <a:schemeClr val="accent2"/>
+    </dgm:fillClrLst>
+    <dgm:linClrLst meth="repeat">
+      <a:schemeClr val="lt1"/>
+    </dgm:linClrLst>
+    <dgm:effectClrLst/>
+    <dgm:txLinClrLst/>
+    <dgm:txFillClrLst/>
+    <dgm:txEffectClrLst/>
+  </dgm:styleLbl>
+  <dgm:styleLbl name="asst2">
+    <dgm:fillClrLst meth="repeat">
+      <a:schemeClr val="accent2"/>
+    </dgm:fillClrLst>
+    <dgm:linClrLst meth="repeat">
+      <a:schemeClr val="lt1"/>
+    </dgm:linClrLst>
+    <dgm:effectClrLst/>
+    <dgm:txLinClrLst/>
+    <dgm:txFillClrLst/>
+    <dgm:txEffectClrLst/>
+  </dgm:styleLbl>
+  <dgm:styleLbl name="asst3">
+    <dgm:fillClrLst meth="repeat">
+      <a:schemeClr val="accent2"/>
+    </dgm:fillClrLst>
+    <dgm:linClrLst meth="repeat">
+      <a:schemeClr val="lt1"/>
+    </dgm:linClrLst>
+    <dgm:effectClrLst/>
+    <dgm:txLinClrLst/>
+    <dgm:txFillClrLst/>
+    <dgm:txEffectClrLst/>
+  </dgm:styleLbl>
+  <dgm:styleLbl name="asst4">
+    <dgm:fillClrLst meth="repeat">
+      <a:schemeClr val="accent2"/>
+    </dgm:fillClrLst>
+    <dgm:linClrLst meth="repeat">
+      <a:schemeClr val="lt1"/>
+    </dgm:linClrLst>
+    <dgm:effectClrLst/>
+    <dgm:txLinClrLst/>
+    <dgm:txFillClrLst/>
+    <dgm:txEffectClrLst/>
+  </dgm:styleLbl>
+  <dgm:styleLbl name="parChTrans2D1">
+    <dgm:fillClrLst meth="repeat">
+      <a:schemeClr val="accent2">
+        <a:tint val="60000"/>
+      </a:schemeClr>
+    </dgm:fillClrLst>
+    <dgm:linClrLst meth="repeat">
+      <a:schemeClr val="accent2">
+        <a:tint val="60000"/>
+      </a:schemeClr>
+    </dgm:linClrLst>
+    <dgm:effectClrLst/>
+    <dgm:txLinClrLst/>
+    <dgm:txFillClrLst meth="repeat">
+      <a:schemeClr val="lt1"/>
+    </dgm:txFillClrLst>
+    <dgm:txEffectClrLst/>
+  </dgm:styleLbl>
+  <dgm:styleLbl name="parChTrans2D2">
+    <dgm:fillClrLst meth="repeat">
+      <a:schemeClr val="accent2"/>
+    </dgm:fillClrLst>
+    <dgm:linClrLst meth="repeat">
+      <a:schemeClr val="accent2"/>
+    </dgm:linClrLst>
+    <dgm:effectClrLst/>
+    <dgm:txLinClrLst/>
+    <dgm:txFillClrLst meth="repeat">
+      <a:schemeClr val="lt1"/>
+    </dgm:txFillClrLst>
+    <dgm:txEffectClrLst/>
+  </dgm:styleLbl>
+  <dgm:styleLbl name="parChTrans2D3">
+    <dgm:fillClrLst meth="repeat">
+      <a:schemeClr val="accent2"/>
+    </dgm:fillClrLst>
+    <dgm:linClrLst meth="repeat">
+      <a:schemeClr val="accent2"/>
+    </dgm:linClrLst>
+    <dgm:effectClrLst/>
+    <dgm:txLinClrLst/>
+    <dgm:txFillClrLst meth="repeat">
+      <a:schemeClr val="lt1"/>
+    </dgm:txFillClrLst>
+    <dgm:txEffectClrLst/>
+  </dgm:styleLbl>
+  <dgm:styleLbl name="parChTrans2D4">
+    <dgm:fillClrLst meth="repeat">
+      <a:schemeClr val="accent2"/>
+    </dgm:fillClrLst>
+    <dgm:linClrLst meth="repeat">
+      <a:schemeClr val="accent2"/>
+    </dgm:linClrLst>
+    <dgm:effectClrLst/>
+    <dgm:txLinClrLst/>
+    <dgm:txFillClrLst meth="repeat">
+      <a:schemeClr val="lt1"/>
+    </dgm:txFillClrLst>
+    <dgm:txEffectClrLst/>
+  </dgm:styleLbl>
+  <dgm:styleLbl name="parChTrans1D1">
+    <dgm:fillClrLst meth="repeat">
+      <a:schemeClr val="accent2"/>
+    </dgm:fillClrLst>
+    <dgm:linClrLst meth="repeat">
+      <a:schemeClr val="accent2">
+        <a:shade val="60000"/>
+      </a:schemeClr>
+    </dgm:linClrLst>
+    <dgm:effectClrLst/>
+    <dgm:txLinClrLst/>
+    <dgm:txFillClrLst meth="repeat">
+      <a:schemeClr val="tx1"/>
+    </dgm:txFillClrLst>
+    <dgm:txEffectClrLst/>
+  </dgm:styleLbl>
+  <dgm:styleLbl name="parChTrans1D2">
+    <dgm:fillClrLst meth="repeat">
+      <a:schemeClr val="accent2"/>
+    </dgm:fillClrLst>
+    <dgm:linClrLst meth="repeat">
+      <a:schemeClr val="accent2">
+        <a:shade val="60000"/>
+      </a:schemeClr>
+    </dgm:linClrLst>
+    <dgm:effectClrLst/>
+    <dgm:txLinClrLst/>
+    <dgm:txFillClrLst meth="repeat">
+      <a:schemeClr val="tx1"/>
+    </dgm:txFillClrLst>
+    <dgm:txEffectClrLst/>
+  </dgm:styleLbl>
+  <dgm:styleLbl name="parChTrans1D3">
+    <dgm:fillClrLst meth="repeat">
+      <a:schemeClr val="accent2"/>
+    </dgm:fillClrLst>
+    <dgm:linClrLst meth="repeat">
+      <a:schemeClr val="accent2">
+        <a:shade val="80000"/>
+      </a:schemeClr>
+    </dgm:linClrLst>
+    <dgm:effectClrLst/>
+    <dgm:txLinClrLst/>
+    <dgm:txFillClrLst meth="repeat">
+      <a:schemeClr val="tx1"/>
+    </dgm:txFillClrLst>
+    <dgm:txEffectClrLst/>
+  </dgm:styleLbl>
+  <dgm:styleLbl name="parChTrans1D4">
+    <dgm:fillClrLst meth="repeat">
+      <a:schemeClr val="accent2"/>
+    </dgm:fillClrLst>
+    <dgm:linClrLst meth="repeat">
+      <a:schemeClr val="accent2">
+        <a:shade val="80000"/>
+      </a:schemeClr>
+    </dgm:linClrLst>
+    <dgm:effectClrLst/>
+    <dgm:txLinClrLst/>
+    <dgm:txFillClrLst meth="repeat">
+      <a:schemeClr val="tx1"/>
+    </dgm:txFillClrLst>
+    <dgm:txEffectClrLst/>
+  </dgm:styleLbl>
+  <dgm:styleLbl name="fgAcc1">
+    <dgm:fillClrLst meth="repeat">
+      <a:schemeClr val="lt1">
+        <a:alpha val="90000"/>
+      </a:schemeClr>
+    </dgm:fillClrLst>
+    <dgm:linClrLst meth="repeat">
+      <a:schemeClr val="accent2"/>
+    </dgm:linClrLst>
+    <dgm:effectClrLst/>
+    <dgm:txLinClrLst/>
+    <dgm:txFillClrLst meth="repeat">
+      <a:schemeClr val="dk1"/>
+    </dgm:txFillClrLst>
+    <dgm:txEffectClrLst/>
+  </dgm:styleLbl>
+  <dgm:styleLbl name="conFgAcc1">
+    <dgm:fillClrLst meth="repeat">
+      <a:schemeClr val="lt1">
+        <a:alpha val="90000"/>
+      </a:schemeClr>
+    </dgm:fillClrLst>
+    <dgm:linClrLst meth="repeat">
+      <a:schemeClr val="accent2"/>
+    </dgm:linClrLst>
+    <dgm:effectClrLst/>
+    <dgm:txLinClrLst/>
+    <dgm:txFillClrLst meth="repeat">
+      <a:schemeClr val="dk1"/>
+    </dgm:txFillClrLst>
+    <dgm:txEffectClrLst/>
+  </dgm:styleLbl>
+  <dgm:styleLbl name="alignAcc1">
+    <dgm:fillClrLst meth="repeat">
+      <a:schemeClr val="lt1">
+        <a:alpha val="90000"/>
+      </a:schemeClr>
+    </dgm:fillClrLst>
+    <dgm:linClrLst meth="repeat">
+      <a:schemeClr val="accent2"/>
+    </dgm:linClrLst>
+    <dgm:effectClrLst/>
+    <dgm:txLinClrLst/>
+    <dgm:txFillClrLst meth="repeat">
+      <a:schemeClr val="dk1"/>
+    </dgm:txFillClrLst>
+    <dgm:txEffectClrLst/>
+  </dgm:styleLbl>
+  <dgm:styleLbl name="trAlignAcc1">
+    <dgm:fillClrLst meth="repeat">
+      <a:schemeClr val="lt1">
+        <a:alpha val="40000"/>
+      </a:schemeClr>
+    </dgm:fillClrLst>
+    <dgm:linClrLst meth="repeat">
+      <a:schemeClr val="accent2"/>
+    </dgm:linClrLst>
+    <dgm:effectClrLst/>
+    <dgm:txLinClrLst/>
+    <dgm:txFillClrLst meth="repeat">
+      <a:schemeClr val="dk1"/>
+    </dgm:txFillClrLst>
+    <dgm:txEffectClrLst/>
+  </dgm:styleLbl>
+  <dgm:styleLbl name="bgAcc1">
+    <dgm:fillClrLst meth="repeat">
+      <a:schemeClr val="lt1">
+        <a:alpha val="90000"/>
+      </a:schemeClr>
+    </dgm:fillClrLst>
+    <dgm:linClrLst meth="repeat">
+      <a:schemeClr val="accent2"/>
+    </dgm:linClrLst>
+    <dgm:effectClrLst/>
+    <dgm:txLinClrLst/>
+    <dgm:txFillClrLst meth="repeat">
+      <a:schemeClr val="dk1"/>
+    </dgm:txFillClrLst>
+    <dgm:txEffectClrLst/>
+  </dgm:styleLbl>
+  <dgm:styleLbl name="solidFgAcc1">
+    <dgm:fillClrLst meth="repeat">
+      <a:schemeClr val="lt1"/>
+    </dgm:fillClrLst>
+    <dgm:linClrLst meth="repeat">
+      <a:schemeClr val="accent2"/>
+    </dgm:linClrLst>
+    <dgm:effectClrLst/>
+    <dgm:txLinClrLst/>
+    <dgm:txFillClrLst meth="repeat">
+      <a:schemeClr val="dk1"/>
+    </dgm:txFillClrLst>
+    <dgm:txEffectClrLst/>
+  </dgm:styleLbl>
+  <dgm:styleLbl name="solidAlignAcc1">
+    <dgm:fillClrLst meth="repeat">
+      <a:schemeClr val="lt1"/>
+    </dgm:fillClrLst>
+    <dgm:linClrLst meth="repeat">
+      <a:schemeClr val="accent2"/>
+    </dgm:linClrLst>
+    <dgm:effectClrLst/>
+    <dgm:txLinClrLst/>
+    <dgm:txFillClrLst meth="repeat">
+      <a:schemeClr val="dk1"/>
+    </dgm:txFillClrLst>
+    <dgm:txEffectClrLst/>
+  </dgm:styleLbl>
+  <dgm:styleLbl name="solidBgAcc1">
+    <dgm:fillClrLst meth="repeat">
+      <a:schemeClr val="lt1"/>
+    </dgm:fillClrLst>
+    <dgm:linClrLst meth="repeat">
+      <a:schemeClr val="accent2"/>
+    </dgm:linClrLst>
+    <dgm:effectClrLst/>
+    <dgm:txLinClrLst/>
+    <dgm:txFillClrLst meth="repeat">
+      <a:schemeClr val="dk1"/>
+    </dgm:txFillClrLst>
+    <dgm:txEffectClrLst/>
+  </dgm:styleLbl>
+  <dgm:styleLbl name="fgAccFollowNode1">
+    <dgm:fillClrLst meth="repeat">
+      <a:schemeClr val="accent2">
+        <a:alpha val="90000"/>
+        <a:tint val="40000"/>
+      </a:schemeClr>
+    </dgm:fillClrLst>
+    <dgm:linClrLst meth="repeat">
+      <a:schemeClr val="accent2">
+        <a:alpha val="90000"/>
+        <a:tint val="40000"/>
+      </a:schemeClr>
+    </dgm:linClrLst>
+    <dgm:effectClrLst/>
+    <dgm:txLinClrLst/>
+    <dgm:txFillClrLst meth="repeat">
+      <a:schemeClr val="dk1"/>
+    </dgm:txFillClrLst>
+    <dgm:txEffectClrLst/>
+  </dgm:styleLbl>
+  <dgm:styleLbl name="alignAccFollowNode1">
+    <dgm:fillClrLst meth="repeat">
+      <a:schemeClr val="accent2">
+        <a:alpha val="90000"/>
+        <a:tint val="40000"/>
+      </a:schemeClr>
+    </dgm:fillClrLst>
+    <dgm:linClrLst meth="repeat">
+      <a:schemeClr val="accent2">
+        <a:alpha val="90000"/>
+        <a:tint val="40000"/>
+      </a:schemeClr>
+    </dgm:linClrLst>
+    <dgm:effectClrLst/>
+    <dgm:txLinClrLst/>
+    <dgm:txFillClrLst meth="repeat">
+      <a:schemeClr val="dk1"/>
+    </dgm:txFillClrLst>
+    <dgm:txEffectClrLst/>
+  </dgm:styleLbl>
+  <dgm:styleLbl name="bgAccFollowNode1">
+    <dgm:fillClrLst meth="repeat">
+      <a:schemeClr val="accent2">
+        <a:alpha val="90000"/>
+        <a:tint val="40000"/>
+      </a:schemeClr>
+    </dgm:fillClrLst>
+    <dgm:linClrLst meth="repeat">
+      <a:schemeClr val="accent2">
+        <a:alpha val="90000"/>
+        <a:tint val="40000"/>
+      </a:schemeClr>
+    </dgm:linClrLst>
+    <dgm:effectClrLst/>
+    <dgm:txLinClrLst/>
+    <dgm:txFillClrLst meth="repeat">
+      <a:schemeClr val="dk1"/>
+    </dgm:txFillClrLst>
+    <dgm:txEffectClrLst/>
+  </dgm:styleLbl>
+  <dgm:styleLbl name="fgAcc0">
+    <dgm:fillClrLst meth="repeat">
+      <a:schemeClr val="lt1">
+        <a:alpha val="90000"/>
+      </a:schemeClr>
+    </dgm:fillClrLst>
+    <dgm:linClrLst meth="repeat">
+      <a:schemeClr val="accent2"/>
+    </dgm:linClrLst>
+    <dgm:effectClrLst/>
+    <dgm:txLinClrLst/>
+    <dgm:txFillClrLst meth="repeat">
+      <a:schemeClr val="dk1"/>
+    </dgm:txFillClrLst>
+    <dgm:txEffectClrLst/>
+  </dgm:styleLbl>
+  <dgm:styleLbl name="fgAcc2">
+    <dgm:fillClrLst meth="repeat">
+      <a:schemeClr val="lt1">
+        <a:alpha val="90000"/>
+      </a:schemeClr>
+    </dgm:fillClrLst>
+    <dgm:linClrLst meth="repeat">
+      <a:schemeClr val="accent2"/>
+    </dgm:linClrLst>
+    <dgm:effectClrLst/>
+    <dgm:txLinClrLst/>
+    <dgm:txFillClrLst meth="repeat">
+      <a:schemeClr val="dk1"/>
+    </dgm:txFillClrLst>
+    <dgm:txEffectClrLst/>
+  </dgm:styleLbl>
+  <dgm:styleLbl name="fgAcc3">
+    <dgm:fillClrLst meth="repeat">
+      <a:schemeClr val="lt1">
+        <a:alpha val="90000"/>
+      </a:schemeClr>
+    </dgm:fillClrLst>
+    <dgm:linClrLst meth="repeat">
+      <a:schemeClr val="accent2"/>
+    </dgm:linClrLst>
+    <dgm:effectClrLst/>
+    <dgm:txLinClrLst/>
+    <dgm:txFillClrLst meth="repeat">
+      <a:schemeClr val="dk1"/>
+    </dgm:txFillClrLst>
+    <dgm:txEffectClrLst/>
+  </dgm:styleLbl>
+  <dgm:styleLbl name="fgAcc4">
+    <dgm:fillClrLst meth="repeat">
+      <a:schemeClr val="lt1">
+        <a:alpha val="90000"/>
+      </a:schemeClr>
+    </dgm:fillClrLst>
+    <dgm:linClrLst meth="repeat">
+      <a:schemeClr val="accent2"/>
+    </dgm:linClrLst>
+    <dgm:effectClrLst/>
+    <dgm:txLinClrLst/>
+    <dgm:txFillClrLst meth="repeat">
+      <a:schemeClr val="dk1"/>
+    </dgm:txFillClrLst>
+    <dgm:txEffectClrLst/>
+  </dgm:styleLbl>
+  <dgm:styleLbl name="bgShp">
+    <dgm:fillClrLst meth="repeat">
+      <a:schemeClr val="accent2">
+        <a:tint val="40000"/>
+      </a:schemeClr>
+    </dgm:fillClrLst>
+    <dgm:linClrLst meth="repeat">
+      <a:schemeClr val="accent2"/>
+    </dgm:linClrLst>
+    <dgm:effectClrLst/>
+    <dgm:txLinClrLst/>
+    <dgm:txFillClrLst meth="repeat">
+      <a:schemeClr val="dk1"/>
+    </dgm:txFillClrLst>
+    <dgm:txEffectClrLst/>
+  </dgm:styleLbl>
+  <dgm:styleLbl name="dkBgShp">
+    <dgm:fillClrLst meth="repeat">
+      <a:schemeClr val="accent2">
+        <a:shade val="80000"/>
+      </a:schemeClr>
+    </dgm:fillClrLst>
+    <dgm:linClrLst meth="repeat">
+      <a:schemeClr val="accent2"/>
+    </dgm:linClrLst>
+    <dgm:effectClrLst/>
+    <dgm:txLinClrLst/>
+    <dgm:txFillClrLst meth="repeat">
+      <a:schemeClr val="lt1"/>
+    </dgm:txFillClrLst>
+    <dgm:txEffectClrLst/>
+  </dgm:styleLbl>
+  <dgm:styleLbl name="trBgShp">
+    <dgm:fillClrLst meth="repeat">
+      <a:schemeClr val="accent2">
+        <a:tint val="50000"/>
+        <a:alpha val="40000"/>
+      </a:schemeClr>
+    </dgm:fillClrLst>
+    <dgm:linClrLst meth="repeat">
+      <a:schemeClr val="accent2"/>
+    </dgm:linClrLst>
+    <dgm:effectClrLst/>
+    <dgm:txLinClrLst/>
+    <dgm:txFillClrLst meth="repeat">
+      <a:schemeClr val="lt1"/>
+    </dgm:txFillClrLst>
+    <dgm:txEffectClrLst/>
+  </dgm:styleLbl>
+  <dgm:styleLbl name="fgShp">
+    <dgm:fillClrLst meth="repeat">
+      <a:schemeClr val="accent2">
+        <a:tint val="60000"/>
+      </a:schemeClr>
+    </dgm:fillClrLst>
+    <dgm:linClrLst meth="repeat">
+      <a:schemeClr val="lt1"/>
+    </dgm:linClrLst>
+    <dgm:effectClrLst/>
+    <dgm:txLinClrLst/>
+    <dgm:txFillClrLst meth="repeat">
+      <a:schemeClr val="dk1"/>
+    </dgm:txFillClrLst>
+    <dgm:txEffectClrLst/>
+  </dgm:styleLbl>
+  <dgm:styleLbl name="revTx">
+    <dgm:fillClrLst meth="repeat">
+      <a:schemeClr val="lt1">
+        <a:alpha val="0"/>
+      </a:schemeClr>
+    </dgm:fillClrLst>
+    <dgm:linClrLst meth="repeat">
+      <a:schemeClr val="dk1">
+        <a:alpha val="0"/>
+      </a:schemeClr>
+    </dgm:linClrLst>
+    <dgm:effectClrLst/>
+    <dgm:txLinClrLst/>
+    <dgm:txFillClrLst meth="repeat">
+      <a:schemeClr val="tx1"/>
+    </dgm:txFillClrLst>
+    <dgm:txEffectClrLst/>
+  </dgm:styleLbl>
+</dgm:colorsDef>
+</file>
+
+<file path=ppt/diagrams/colors2.xml><?xml version="1.0" encoding="utf-8"?>
+<dgm:colorsDef xmlns:dgm="http://schemas.openxmlformats.org/drawingml/2006/diagram" xmlns:a="http://schemas.openxmlformats.org/drawingml/2006/main" uniqueId="urn:microsoft.com/office/officeart/2005/8/colors/accent3_2">
+  <dgm:title val=""/>
+  <dgm:desc val=""/>
+  <dgm:catLst>
+    <dgm:cat type="accent3" pri="11200"/>
+  </dgm:catLst>
+  <dgm:styleLbl name="node0">
+    <dgm:fillClrLst meth="repeat">
+      <a:schemeClr val="accent3"/>
+    </dgm:fillClrLst>
+    <dgm:linClrLst meth="repeat">
+      <a:schemeClr val="lt1"/>
+    </dgm:linClrLst>
+    <dgm:effectClrLst/>
+    <dgm:txLinClrLst/>
+    <dgm:txFillClrLst/>
+    <dgm:txEffectClrLst/>
+  </dgm:styleLbl>
+  <dgm:styleLbl name="node1">
+    <dgm:fillClrLst meth="repeat">
+      <a:schemeClr val="accent3"/>
+    </dgm:fillClrLst>
+    <dgm:linClrLst meth="repeat">
+      <a:schemeClr val="lt1"/>
+    </dgm:linClrLst>
+    <dgm:effectClrLst/>
+    <dgm:txLinClrLst/>
+    <dgm:txFillClrLst/>
+    <dgm:txEffectClrLst/>
+  </dgm:styleLbl>
+  <dgm:styleLbl name="alignNode1">
+    <dgm:fillClrLst meth="repeat">
+      <a:schemeClr val="accent3"/>
+    </dgm:fillClrLst>
+    <dgm:linClrLst meth="repeat">
+      <a:schemeClr val="accent3"/>
+    </dgm:linClrLst>
+    <dgm:effectClrLst/>
+    <dgm:txLinClrLst/>
+    <dgm:txFillClrLst/>
+    <dgm:txEffectClrLst/>
+  </dgm:styleLbl>
+  <dgm:styleLbl name="lnNode1">
+    <dgm:fillClrLst meth="repeat">
+      <a:schemeClr val="accent3"/>
+    </dgm:fillClrLst>
+    <dgm:linClrLst meth="repeat">
+      <a:schemeClr val="lt1"/>
+    </dgm:linClrLst>
+    <dgm:effectClrLst/>
+    <dgm:txLinClrLst/>
+    <dgm:txFillClrLst/>
+    <dgm:txEffectClrLst/>
+  </dgm:styleLbl>
+  <dgm:styleLbl name="vennNode1">
+    <dgm:fillClrLst meth="repeat">
+      <a:schemeClr val="accent3">
+        <a:alpha val="50000"/>
+      </a:schemeClr>
+    </dgm:fillClrLst>
+    <dgm:linClrLst meth="repeat">
+      <a:schemeClr val="lt1"/>
+    </dgm:linClrLst>
+    <dgm:effectClrLst/>
+    <dgm:txLinClrLst/>
+    <dgm:txFillClrLst/>
+    <dgm:txEffectClrLst/>
+  </dgm:styleLbl>
+  <dgm:styleLbl name="node2">
+    <dgm:fillClrLst meth="repeat">
+      <a:schemeClr val="accent3"/>
+    </dgm:fillClrLst>
+    <dgm:linClrLst meth="repeat">
+      <a:schemeClr val="lt1"/>
+    </dgm:linClrLst>
+    <dgm:effectClrLst/>
+    <dgm:txLinClrLst/>
+    <dgm:txFillClrLst/>
+    <dgm:txEffectClrLst/>
+  </dgm:styleLbl>
+  <dgm:styleLbl name="node3">
+    <dgm:fillClrLst meth="repeat">
+      <a:schemeClr val="accent3"/>
+    </dgm:fillClrLst>
+    <dgm:linClrLst meth="repeat">
+      <a:schemeClr val="lt1"/>
+    </dgm:linClrLst>
+    <dgm:effectClrLst/>
+    <dgm:txLinClrLst/>
+    <dgm:txFillClrLst/>
+    <dgm:txEffectClrLst/>
+  </dgm:styleLbl>
+  <dgm:styleLbl name="node4">
+    <dgm:fillClrLst meth="repeat">
+      <a:schemeClr val="accent3"/>
+    </dgm:fillClrLst>
+    <dgm:linClrLst meth="repeat">
+      <a:schemeClr val="lt1"/>
+    </dgm:linClrLst>
+    <dgm:effectClrLst/>
+    <dgm:txLinClrLst/>
+    <dgm:txFillClrLst/>
+    <dgm:txEffectClrLst/>
+  </dgm:styleLbl>
+  <dgm:styleLbl name="fgImgPlace1">
+    <dgm:fillClrLst meth="repeat">
+      <a:schemeClr val="accent3">
+        <a:tint val="50000"/>
+      </a:schemeClr>
+    </dgm:fillClrLst>
+    <dgm:linClrLst meth="repeat">
+      <a:schemeClr val="lt1"/>
+    </dgm:linClrLst>
+    <dgm:effectClrLst/>
+    <dgm:txLinClrLst/>
+    <dgm:txFillClrLst meth="repeat">
+      <a:schemeClr val="lt1"/>
+    </dgm:txFillClrLst>
+    <dgm:txEffectClrLst/>
+  </dgm:styleLbl>
+  <dgm:styleLbl name="alignImgPlace1">
+    <dgm:fillClrLst meth="repeat">
+      <a:schemeClr val="accent3">
+        <a:tint val="50000"/>
+      </a:schemeClr>
+    </dgm:fillClrLst>
+    <dgm:linClrLst meth="repeat">
+      <a:schemeClr val="lt1"/>
+    </dgm:linClrLst>
+    <dgm:effectClrLst/>
+    <dgm:txLinClrLst/>
+    <dgm:txFillClrLst meth="repeat">
+      <a:schemeClr val="lt1"/>
+    </dgm:txFillClrLst>
+    <dgm:txEffectClrLst/>
+  </dgm:styleLbl>
+  <dgm:styleLbl name="bgImgPlace1">
+    <dgm:fillClrLst meth="repeat">
+      <a:schemeClr val="accent3">
+        <a:tint val="50000"/>
+      </a:schemeClr>
+    </dgm:fillClrLst>
+    <dgm:linClrLst meth="repeat">
+      <a:schemeClr val="lt1"/>
+    </dgm:linClrLst>
+    <dgm:effectClrLst/>
+    <dgm:txLinClrLst/>
+    <dgm:txFillClrLst meth="repeat">
+      <a:schemeClr val="lt1"/>
+    </dgm:txFillClrLst>
+    <dgm:txEffectClrLst/>
+  </dgm:styleLbl>
+  <dgm:styleLbl name="sibTrans2D1">
+    <dgm:fillClrLst meth="repeat">
+      <a:schemeClr val="accent3">
+        <a:tint val="60000"/>
+      </a:schemeClr>
+    </dgm:fillClrLst>
+    <dgm:linClrLst meth="repeat">
+      <a:schemeClr val="accent3">
+        <a:tint val="60000"/>
+      </a:schemeClr>
+    </dgm:linClrLst>
+    <dgm:effectClrLst/>
+    <dgm:txLinClrLst/>
+    <dgm:txFillClrLst/>
+    <dgm:txEffectClrLst/>
+  </dgm:styleLbl>
+  <dgm:styleLbl name="fgSibTrans2D1">
+    <dgm:fillClrLst meth="repeat">
+      <a:schemeClr val="accent3">
+        <a:tint val="60000"/>
+      </a:schemeClr>
+    </dgm:fillClrLst>
+    <dgm:linClrLst meth="repeat">
+      <a:schemeClr val="accent3">
+        <a:tint val="60000"/>
+      </a:schemeClr>
+    </dgm:linClrLst>
+    <dgm:effectClrLst/>
+    <dgm:txLinClrLst/>
+    <dgm:txFillClrLst/>
+    <dgm:txEffectClrLst/>
+  </dgm:styleLbl>
+  <dgm:styleLbl name="bgSibTrans2D1">
+    <dgm:fillClrLst meth="repeat">
+      <a:schemeClr val="accent3">
+        <a:tint val="60000"/>
+      </a:schemeClr>
+    </dgm:fillClrLst>
+    <dgm:linClrLst meth="repeat">
+      <a:schemeClr val="accent3">
+        <a:tint val="60000"/>
+      </a:schemeClr>
+    </dgm:linClrLst>
+    <dgm:effectClrLst/>
+    <dgm:txLinClrLst/>
+    <dgm:txFillClrLst/>
+    <dgm:txEffectClrLst/>
+  </dgm:styleLbl>
+  <dgm:styleLbl name="sibTrans1D1">
+    <dgm:fillClrLst meth="repeat">
+      <a:schemeClr val="accent3"/>
+    </dgm:fillClrLst>
+    <dgm:linClrLst meth="repeat">
+      <a:schemeClr val="accent3"/>
+    </dgm:linClrLst>
+    <dgm:effectClrLst/>
+    <dgm:txLinClrLst/>
+    <dgm:txFillClrLst meth="repeat">
+      <a:schemeClr val="tx1"/>
+    </dgm:txFillClrLst>
+    <dgm:txEffectClrLst/>
+  </dgm:styleLbl>
+  <dgm:styleLbl name="callout">
+    <dgm:fillClrLst meth="repeat">
+      <a:schemeClr val="accent3"/>
+    </dgm:fillClrLst>
+    <dgm:linClrLst meth="repeat">
+      <a:schemeClr val="accent3">
+        <a:tint val="50000"/>
+      </a:schemeClr>
+    </dgm:linClrLst>
+    <dgm:effectClrLst/>
+    <dgm:txLinClrLst/>
+    <dgm:txFillClrLst meth="repeat">
+      <a:schemeClr val="tx1"/>
+    </dgm:txFillClrLst>
+    <dgm:txEffectClrLst/>
+  </dgm:styleLbl>
+  <dgm:styleLbl name="asst0">
+    <dgm:fillClrLst meth="repeat">
+      <a:schemeClr val="accent3"/>
+    </dgm:fillClrLst>
+    <dgm:linClrLst meth="repeat">
+      <a:schemeClr val="lt1"/>
+    </dgm:linClrLst>
+    <dgm:effectClrLst/>
+    <dgm:txLinClrLst/>
+    <dgm:txFillClrLst/>
+    <dgm:txEffectClrLst/>
+  </dgm:styleLbl>
+  <dgm:styleLbl name="asst1">
+    <dgm:fillClrLst meth="repeat">
+      <a:schemeClr val="accent3"/>
+    </dgm:fillClrLst>
+    <dgm:linClrLst meth="repeat">
+      <a:schemeClr val="lt1"/>
+    </dgm:linClrLst>
+    <dgm:effectClrLst/>
+    <dgm:txLinClrLst/>
+    <dgm:txFillClrLst/>
+    <dgm:txEffectClrLst/>
+  </dgm:styleLbl>
+  <dgm:styleLbl name="asst2">
+    <dgm:fillClrLst meth="repeat">
+      <a:schemeClr val="accent3"/>
+    </dgm:fillClrLst>
+    <dgm:linClrLst meth="repeat">
+      <a:schemeClr val="lt1"/>
+    </dgm:linClrLst>
+    <dgm:effectClrLst/>
+    <dgm:txLinClrLst/>
+    <dgm:txFillClrLst/>
+    <dgm:txEffectClrLst/>
+  </dgm:styleLbl>
+  <dgm:styleLbl name="asst3">
+    <dgm:fillClrLst meth="repeat">
+      <a:schemeClr val="accent3"/>
+    </dgm:fillClrLst>
+    <dgm:linClrLst meth="repeat">
+      <a:schemeClr val="lt1"/>
+    </dgm:linClrLst>
+    <dgm:effectClrLst/>
+    <dgm:txLinClrLst/>
+    <dgm:txFillClrLst/>
+    <dgm:txEffectClrLst/>
+  </dgm:styleLbl>
+  <dgm:styleLbl name="asst4">
+    <dgm:fillClrLst meth="repeat">
+      <a:schemeClr val="accent3"/>
+    </dgm:fillClrLst>
+    <dgm:linClrLst meth="repeat">
+      <a:schemeClr val="lt1"/>
+    </dgm:linClrLst>
+    <dgm:effectClrLst/>
+    <dgm:txLinClrLst/>
+    <dgm:txFillClrLst/>
+    <dgm:txEffectClrLst/>
+  </dgm:styleLbl>
+  <dgm:styleLbl name="parChTrans2D1">
+    <dgm:fillClrLst meth="repeat">
+      <a:schemeClr val="accent3">
+        <a:tint val="60000"/>
+      </a:schemeClr>
+    </dgm:fillClrLst>
+    <dgm:linClrLst meth="repeat">
+      <a:schemeClr val="accent3">
+        <a:tint val="60000"/>
+      </a:schemeClr>
+    </dgm:linClrLst>
+    <dgm:effectClrLst/>
+    <dgm:txLinClrLst/>
+    <dgm:txFillClrLst meth="repeat">
+      <a:schemeClr val="lt1"/>
+    </dgm:txFillClrLst>
+    <dgm:txEffectClrLst/>
+  </dgm:styleLbl>
+  <dgm:styleLbl name="parChTrans2D2">
+    <dgm:fillClrLst meth="repeat">
+      <a:schemeClr val="accent3"/>
+    </dgm:fillClrLst>
+    <dgm:linClrLst meth="repeat">
+      <a:schemeClr val="accent3"/>
+    </dgm:linClrLst>
+    <dgm:effectClrLst/>
+    <dgm:txLinClrLst/>
+    <dgm:txFillClrLst meth="repeat">
+      <a:schemeClr val="lt1"/>
+    </dgm:txFillClrLst>
+    <dgm:txEffectClrLst/>
+  </dgm:styleLbl>
+  <dgm:styleLbl name="parChTrans2D3">
+    <dgm:fillClrLst meth="repeat">
+      <a:schemeClr val="accent3"/>
+    </dgm:fillClrLst>
+    <dgm:linClrLst meth="repeat">
+      <a:schemeClr val="accent3"/>
+    </dgm:linClrLst>
+    <dgm:effectClrLst/>
+    <dgm:txLinClrLst/>
+    <dgm:txFillClrLst meth="repeat">
+      <a:schemeClr val="lt1"/>
+    </dgm:txFillClrLst>
+    <dgm:txEffectClrLst/>
+  </dgm:styleLbl>
+  <dgm:styleLbl name="parChTrans2D4">
+    <dgm:fillClrLst meth="repeat">
+      <a:schemeClr val="accent3"/>
+    </dgm:fillClrLst>
+    <dgm:linClrLst meth="repeat">
+      <a:schemeClr val="accent3"/>
+    </dgm:linClrLst>
+    <dgm:effectClrLst/>
+    <dgm:txLinClrLst/>
+    <dgm:txFillClrLst meth="repeat">
+      <a:schemeClr val="lt1"/>
+    </dgm:txFillClrLst>
+    <dgm:txEffectClrLst/>
+  </dgm:styleLbl>
+  <dgm:styleLbl name="parChTrans1D1">
+    <dgm:fillClrLst meth="repeat">
+      <a:schemeClr val="accent3"/>
+    </dgm:fillClrLst>
+    <dgm:linClrLst meth="repeat">
+      <a:schemeClr val="accent3">
+        <a:shade val="60000"/>
+      </a:schemeClr>
+    </dgm:linClrLst>
+    <dgm:effectClrLst/>
+    <dgm:txLinClrLst/>
+    <dgm:txFillClrLst meth="repeat">
+      <a:schemeClr val="tx1"/>
+    </dgm:txFillClrLst>
+    <dgm:txEffectClrLst/>
+  </dgm:styleLbl>
+  <dgm:styleLbl name="parChTrans1D2">
+    <dgm:fillClrLst meth="repeat">
+      <a:schemeClr val="accent3"/>
+    </dgm:fillClrLst>
+    <dgm:linClrLst meth="repeat">
+      <a:schemeClr val="accent3">
+        <a:shade val="60000"/>
+      </a:schemeClr>
+    </dgm:linClrLst>
+    <dgm:effectClrLst/>
+    <dgm:txLinClrLst/>
+    <dgm:txFillClrLst meth="repeat">
+      <a:schemeClr val="tx1"/>
+    </dgm:txFillClrLst>
+    <dgm:txEffectClrLst/>
+  </dgm:styleLbl>
+  <dgm:styleLbl name="parChTrans1D3">
+    <dgm:fillClrLst meth="repeat">
+      <a:schemeClr val="accent3"/>
+    </dgm:fillClrLst>
+    <dgm:linClrLst meth="repeat">
+      <a:schemeClr val="accent3">
+        <a:shade val="80000"/>
+      </a:schemeClr>
+    </dgm:linClrLst>
+    <dgm:effectClrLst/>
+    <dgm:txLinClrLst/>
+    <dgm:txFillClrLst meth="repeat">
+      <a:schemeClr val="tx1"/>
+    </dgm:txFillClrLst>
+    <dgm:txEffectClrLst/>
+  </dgm:styleLbl>
+  <dgm:styleLbl name="parChTrans1D4">
+    <dgm:fillClrLst meth="repeat">
+      <a:schemeClr val="accent3"/>
+    </dgm:fillClrLst>
+    <dgm:linClrLst meth="repeat">
+      <a:schemeClr val="accent3">
+        <a:shade val="80000"/>
+      </a:schemeClr>
+    </dgm:linClrLst>
+    <dgm:effectClrLst/>
+    <dgm:txLinClrLst/>
+    <dgm:txFillClrLst meth="repeat">
+      <a:schemeClr val="tx1"/>
+    </dgm:txFillClrLst>
+    <dgm:txEffectClrLst/>
+  </dgm:styleLbl>
+  <dgm:styleLbl name="fgAcc1">
+    <dgm:fillClrLst meth="repeat">
+      <a:schemeClr val="lt1">
+        <a:alpha val="90000"/>
+      </a:schemeClr>
+    </dgm:fillClrLst>
+    <dgm:linClrLst meth="repeat">
+      <a:schemeClr val="accent3"/>
+    </dgm:linClrLst>
+    <dgm:effectClrLst/>
+    <dgm:txLinClrLst/>
+    <dgm:txFillClrLst meth="repeat">
+      <a:schemeClr val="dk1"/>
+    </dgm:txFillClrLst>
+    <dgm:txEffectClrLst/>
+  </dgm:styleLbl>
+  <dgm:styleLbl name="conFgAcc1">
+    <dgm:fillClrLst meth="repeat">
+      <a:schemeClr val="lt1">
+        <a:alpha val="90000"/>
+      </a:schemeClr>
+    </dgm:fillClrLst>
+    <dgm:linClrLst meth="repeat">
+      <a:schemeClr val="accent3"/>
+    </dgm:linClrLst>
+    <dgm:effectClrLst/>
+    <dgm:txLinClrLst/>
+    <dgm:txFillClrLst meth="repeat">
+      <a:schemeClr val="dk1"/>
+    </dgm:txFillClrLst>
+    <dgm:txEffectClrLst/>
+  </dgm:styleLbl>
+  <dgm:styleLbl name="alignAcc1">
+    <dgm:fillClrLst meth="repeat">
+      <a:schemeClr val="lt1">
+        <a:alpha val="90000"/>
+      </a:schemeClr>
+    </dgm:fillClrLst>
+    <dgm:linClrLst meth="repeat">
+      <a:schemeClr val="accent3"/>
+    </dgm:linClrLst>
+    <dgm:effectClrLst/>
+    <dgm:txLinClrLst/>
+    <dgm:txFillClrLst meth="repeat">
+      <a:schemeClr val="dk1"/>
+    </dgm:txFillClrLst>
+    <dgm:txEffectClrLst/>
+  </dgm:styleLbl>
+  <dgm:styleLbl name="trAlignAcc1">
+    <dgm:fillClrLst meth="repeat">
+      <a:schemeClr val="lt1">
+        <a:alpha val="40000"/>
+      </a:schemeClr>
+    </dgm:fillClrLst>
+    <dgm:linClrLst meth="repeat">
+      <a:schemeClr val="accent3"/>
+    </dgm:linClrLst>
+    <dgm:effectClrLst/>
+    <dgm:txLinClrLst/>
+    <dgm:txFillClrLst meth="repeat">
+      <a:schemeClr val="dk1"/>
+    </dgm:txFillClrLst>
+    <dgm:txEffectClrLst/>
+  </dgm:styleLbl>
+  <dgm:styleLbl name="bgAcc1">
+    <dgm:fillClrLst meth="repeat">
+      <a:schemeClr val="lt1">
+        <a:alpha val="90000"/>
+      </a:schemeClr>
+    </dgm:fillClrLst>
+    <dgm:linClrLst meth="repeat">
+      <a:schemeClr val="accent3"/>
+    </dgm:linClrLst>
+    <dgm:effectClrLst/>
+    <dgm:txLinClrLst/>
+    <dgm:txFillClrLst meth="repeat">
+      <a:schemeClr val="dk1"/>
+    </dgm:txFillClrLst>
+    <dgm:txEffectClrLst/>
+  </dgm:styleLbl>
+  <dgm:styleLbl name="solidFgAcc1">
+    <dgm:fillClrLst meth="repeat">
+      <a:schemeClr val="lt1"/>
+    </dgm:fillClrLst>
+    <dgm:linClrLst meth="repeat">
+      <a:schemeClr val="accent3"/>
+    </dgm:linClrLst>
+    <dgm:effectClrLst/>
+    <dgm:txLinClrLst/>
+    <dgm:txFillClrLst meth="repeat">
+      <a:schemeClr val="dk1"/>
+    </dgm:txFillClrLst>
+    <dgm:txEffectClrLst/>
+  </dgm:styleLbl>
+  <dgm:styleLbl name="solidAlignAcc1">
+    <dgm:fillClrLst meth="repeat">
+      <a:schemeClr val="lt1"/>
+    </dgm:fillClrLst>
+    <dgm:linClrLst meth="repeat">
+      <a:schemeClr val="accent3"/>
+    </dgm:linClrLst>
+    <dgm:effectClrLst/>
+    <dgm:txLinClrLst/>
+    <dgm:txFillClrLst meth="repeat">
+      <a:schemeClr val="dk1"/>
+    </dgm:txFillClrLst>
+    <dgm:txEffectClrLst/>
+  </dgm:styleLbl>
+  <dgm:styleLbl name="solidBgAcc1">
+    <dgm:fillClrLst meth="repeat">
+      <a:schemeClr val="lt1"/>
+    </dgm:fillClrLst>
+    <dgm:linClrLst meth="repeat">
+      <a:schemeClr val="accent3"/>
+    </dgm:linClrLst>
+    <dgm:effectClrLst/>
+    <dgm:txLinClrLst/>
+    <dgm:txFillClrLst meth="repeat">
+      <a:schemeClr val="dk1"/>
+    </dgm:txFillClrLst>
+    <dgm:txEffectClrLst/>
+  </dgm:styleLbl>
+  <dgm:styleLbl name="fgAccFollowNode1">
+    <dgm:fillClrLst meth="repeat">
+      <a:schemeClr val="accent3">
+        <a:alpha val="90000"/>
+        <a:tint val="40000"/>
+      </a:schemeClr>
+    </dgm:fillClrLst>
+    <dgm:linClrLst meth="repeat">
+      <a:schemeClr val="accent3">
+        <a:alpha val="90000"/>
+        <a:tint val="40000"/>
+      </a:schemeClr>
+    </dgm:linClrLst>
+    <dgm:effectClrLst/>
+    <dgm:txLinClrLst/>
+    <dgm:txFillClrLst meth="repeat">
+      <a:schemeClr val="dk1"/>
+    </dgm:txFillClrLst>
+    <dgm:txEffectClrLst/>
+  </dgm:styleLbl>
+  <dgm:styleLbl name="alignAccFollowNode1">
+    <dgm:fillClrLst meth="repeat">
+      <a:schemeClr val="accent3">
+        <a:alpha val="90000"/>
+        <a:tint val="40000"/>
+      </a:schemeClr>
+    </dgm:fillClrLst>
+    <dgm:linClrLst meth="repeat">
+      <a:schemeClr val="accent3">
+        <a:alpha val="90000"/>
+        <a:tint val="40000"/>
+      </a:schemeClr>
+    </dgm:linClrLst>
+    <dgm:effectClrLst/>
+    <dgm:txLinClrLst/>
+    <dgm:txFillClrLst meth="repeat">
+      <a:schemeClr val="dk1"/>
+    </dgm:txFillClrLst>
+    <dgm:txEffectClrLst/>
+  </dgm:styleLbl>
+  <dgm:styleLbl name="bgAccFollowNode1">
+    <dgm:fillClrLst meth="repeat">
+      <a:schemeClr val="accent3">
+        <a:alpha val="90000"/>
+        <a:tint val="40000"/>
+      </a:schemeClr>
+    </dgm:fillClrLst>
+    <dgm:linClrLst meth="repeat">
+      <a:schemeClr val="accent3">
+        <a:alpha val="90000"/>
+        <a:tint val="40000"/>
+      </a:schemeClr>
+    </dgm:linClrLst>
+    <dgm:effectClrLst/>
+    <dgm:txLinClrLst/>
+    <dgm:txFillClrLst meth="repeat">
+      <a:schemeClr val="dk1"/>
+    </dgm:txFillClrLst>
+    <dgm:txEffectClrLst/>
+  </dgm:styleLbl>
+  <dgm:styleLbl name="fgAcc0">
+    <dgm:fillClrLst meth="repeat">
+      <a:schemeClr val="lt1">
+        <a:alpha val="90000"/>
+      </a:schemeClr>
+    </dgm:fillClrLst>
+    <dgm:linClrLst meth="repeat">
+      <a:schemeClr val="accent3"/>
+    </dgm:linClrLst>
+    <dgm:effectClrLst/>
+    <dgm:txLinClrLst/>
+    <dgm:txFillClrLst meth="repeat">
+      <a:schemeClr val="dk1"/>
+    </dgm:txFillClrLst>
+    <dgm:txEffectClrLst/>
+  </dgm:styleLbl>
+  <dgm:styleLbl name="fgAcc2">
+    <dgm:fillClrLst meth="repeat">
+      <a:schemeClr val="lt1">
+        <a:alpha val="90000"/>
+      </a:schemeClr>
+    </dgm:fillClrLst>
+    <dgm:linClrLst meth="repeat">
+      <a:schemeClr val="accent3"/>
+    </dgm:linClrLst>
+    <dgm:effectClrLst/>
+    <dgm:txLinClrLst/>
+    <dgm:txFillClrLst meth="repeat">
+      <a:schemeClr val="dk1"/>
+    </dgm:txFillClrLst>
+    <dgm:txEffectClrLst/>
+  </dgm:styleLbl>
+  <dgm:styleLbl name="fgAcc3">
+    <dgm:fillClrLst meth="repeat">
+      <a:schemeClr val="lt1">
+        <a:alpha val="90000"/>
+      </a:schemeClr>
+    </dgm:fillClrLst>
+    <dgm:linClrLst meth="repeat">
+      <a:schemeClr val="accent3"/>
+    </dgm:linClrLst>
+    <dgm:effectClrLst/>
+    <dgm:txLinClrLst/>
+    <dgm:txFillClrLst meth="repeat">
+      <a:schemeClr val="dk1"/>
+    </dgm:txFillClrLst>
+    <dgm:txEffectClrLst/>
+  </dgm:styleLbl>
+  <dgm:styleLbl name="fgAcc4">
+    <dgm:fillClrLst meth="repeat">
+      <a:schemeClr val="lt1">
+        <a:alpha val="90000"/>
+      </a:schemeClr>
+    </dgm:fillClrLst>
+    <dgm:linClrLst meth="repeat">
+      <a:schemeClr val="accent3"/>
+    </dgm:linClrLst>
+    <dgm:effectClrLst/>
+    <dgm:txLinClrLst/>
+    <dgm:txFillClrLst meth="repeat">
+      <a:schemeClr val="dk1"/>
+    </dgm:txFillClrLst>
+    <dgm:txEffectClrLst/>
+  </dgm:styleLbl>
+  <dgm:styleLbl name="bgShp">
+    <dgm:fillClrLst meth="repeat">
+      <a:schemeClr val="accent3">
+        <a:tint val="40000"/>
+      </a:schemeClr>
+    </dgm:fillClrLst>
+    <dgm:linClrLst meth="repeat">
+      <a:schemeClr val="accent3"/>
+    </dgm:linClrLst>
+    <dgm:effectClrLst/>
+    <dgm:txLinClrLst/>
+    <dgm:txFillClrLst meth="repeat">
+      <a:schemeClr val="dk1"/>
+    </dgm:txFillClrLst>
+    <dgm:txEffectClrLst/>
+  </dgm:styleLbl>
+  <dgm:styleLbl name="dkBgShp">
+    <dgm:fillClrLst meth="repeat">
+      <a:schemeClr val="accent3">
+        <a:shade val="80000"/>
+      </a:schemeClr>
+    </dgm:fillClrLst>
+    <dgm:linClrLst meth="repeat">
+      <a:schemeClr val="accent3"/>
+    </dgm:linClrLst>
+    <dgm:effectClrLst/>
+    <dgm:txLinClrLst/>
+    <dgm:txFillClrLst meth="repeat">
+      <a:schemeClr val="lt1"/>
+    </dgm:txFillClrLst>
+    <dgm:txEffectClrLst/>
+  </dgm:styleLbl>
+  <dgm:styleLbl name="trBgShp">
+    <dgm:fillClrLst meth="repeat">
+      <a:schemeClr val="accent3">
+        <a:tint val="50000"/>
+        <a:alpha val="40000"/>
+      </a:schemeClr>
+    </dgm:fillClrLst>
+    <dgm:linClrLst meth="repeat">
+      <a:schemeClr val="accent3"/>
+    </dgm:linClrLst>
+    <dgm:effectClrLst/>
+    <dgm:txLinClrLst/>
+    <dgm:txFillClrLst meth="repeat">
+      <a:schemeClr val="lt1"/>
+    </dgm:txFillClrLst>
+    <dgm:txEffectClrLst/>
+  </dgm:styleLbl>
+  <dgm:styleLbl name="fgShp">
+    <dgm:fillClrLst meth="repeat">
+      <a:schemeClr val="accent3">
+        <a:tint val="60000"/>
+      </a:schemeClr>
+    </dgm:fillClrLst>
+    <dgm:linClrLst meth="repeat">
+      <a:schemeClr val="lt1"/>
+    </dgm:linClrLst>
+    <dgm:effectClrLst/>
+    <dgm:txLinClrLst/>
+    <dgm:txFillClrLst meth="repeat">
+      <a:schemeClr val="dk1"/>
+    </dgm:txFillClrLst>
+    <dgm:txEffectClrLst/>
+  </dgm:styleLbl>
+  <dgm:styleLbl name="revTx">
+    <dgm:fillClrLst meth="repeat">
+      <a:schemeClr val="lt1">
+        <a:alpha val="0"/>
+      </a:schemeClr>
+    </dgm:fillClrLst>
+    <dgm:linClrLst meth="repeat">
+      <a:schemeClr val="dk1">
+        <a:alpha val="0"/>
+      </a:schemeClr>
+    </dgm:linClrLst>
+    <dgm:effectClrLst/>
+    <dgm:txLinClrLst/>
+    <dgm:txFillClrLst meth="repeat">
+      <a:schemeClr val="tx1"/>
+    </dgm:txFillClrLst>
+    <dgm:txEffectClrLst/>
+  </dgm:styleLbl>
+</dgm:colorsDef>
+</file>
+
+<file path=ppt/diagrams/data1.xml><?xml version="1.0" encoding="utf-8"?>
+<dgm:dataModel xmlns:dgm="http://schemas.openxmlformats.org/drawingml/2006/diagram" xmlns:a="http://schemas.openxmlformats.org/drawingml/2006/main">
+  <dgm:ptLst>
+    <dgm:pt modelId="{1C9E2D6B-C257-4F14-96AC-2A9A7190B944}" type="doc">
+      <dgm:prSet loTypeId="urn:microsoft.com/office/officeart/2018/2/layout/IconVerticalSolidList" loCatId="icon" qsTypeId="urn:microsoft.com/office/officeart/2005/8/quickstyle/simple1" qsCatId="simple" csTypeId="urn:microsoft.com/office/officeart/2005/8/colors/accent2_2" csCatId="accent2" phldr="1"/>
+      <dgm:spPr/>
+      <dgm:t>
+        <a:bodyPr/>
+        <a:lstStyle/>
+        <a:p>
+          <a:endParaRPr lang="en-US"/>
+        </a:p>
+      </dgm:t>
+    </dgm:pt>
+    <dgm:pt modelId="{D6B0D98C-1C93-4702-AE58-573AF6193495}">
+      <dgm:prSet/>
+      <dgm:spPr/>
+      <dgm:t>
+        <a:bodyPr/>
+        <a:lstStyle/>
+        <a:p>
+          <a:r>
+            <a:rPr lang="he-IL" b="1" u="sng"/>
+            <a:t>אבטחה</a:t>
+          </a:r>
+          <a:endParaRPr lang="en-US"/>
+        </a:p>
+      </dgm:t>
+    </dgm:pt>
+    <dgm:pt modelId="{3D159A39-4361-4119-8150-0E56B31B5C65}" type="parTrans" cxnId="{7150393A-0E4A-4D1D-885F-D39A716115F0}">
+      <dgm:prSet/>
+      <dgm:spPr/>
+      <dgm:t>
+        <a:bodyPr/>
+        <a:lstStyle/>
+        <a:p>
+          <a:endParaRPr lang="en-US"/>
+        </a:p>
+      </dgm:t>
+    </dgm:pt>
+    <dgm:pt modelId="{C7C09C9B-CB5F-408D-9847-9446AE6E3016}" type="sibTrans" cxnId="{7150393A-0E4A-4D1D-885F-D39A716115F0}">
+      <dgm:prSet/>
+      <dgm:spPr/>
+      <dgm:t>
+        <a:bodyPr/>
+        <a:lstStyle/>
+        <a:p>
+          <a:endParaRPr lang="en-US"/>
+        </a:p>
+      </dgm:t>
+    </dgm:pt>
+    <dgm:pt modelId="{459DF68F-11A1-4E53-B6CF-C45DE6716ED5}">
+      <dgm:prSet/>
+      <dgm:spPr/>
+      <dgm:t>
+        <a:bodyPr/>
+        <a:lstStyle/>
+        <a:p>
+          <a:r>
+            <a:rPr lang="he-IL"/>
+            <a:t>הוספת ספרית </a:t>
+          </a:r>
+          <a:r>
+            <a:rPr lang="en-US"/>
+            <a:t>RSA</a:t>
+          </a:r>
+          <a:r>
+            <a:rPr lang="he-IL"/>
+            <a:t>2048 - הכוללת יצירת מפתחות</a:t>
+          </a:r>
+          <a:r>
+            <a:rPr lang="en-US"/>
+            <a:t>,</a:t>
+          </a:r>
+          <a:r>
+            <a:rPr lang="he-IL"/>
+            <a:t> הצפנה ופיענוח </a:t>
+          </a:r>
+          <a:endParaRPr lang="en-US"/>
+        </a:p>
+      </dgm:t>
+    </dgm:pt>
+    <dgm:pt modelId="{91703648-333D-4551-82F3-40C61D49EF81}" type="parTrans" cxnId="{847A3444-7C09-49EA-B997-CC97E1A7161E}">
+      <dgm:prSet/>
+      <dgm:spPr/>
+      <dgm:t>
+        <a:bodyPr/>
+        <a:lstStyle/>
+        <a:p>
+          <a:endParaRPr lang="en-US"/>
+        </a:p>
+      </dgm:t>
+    </dgm:pt>
+    <dgm:pt modelId="{9BD0DD96-9A56-44A7-89D9-FF2D3B2EFE4E}" type="sibTrans" cxnId="{847A3444-7C09-49EA-B997-CC97E1A7161E}">
+      <dgm:prSet/>
+      <dgm:spPr/>
+      <dgm:t>
+        <a:bodyPr/>
+        <a:lstStyle/>
+        <a:p>
+          <a:endParaRPr lang="en-US"/>
+        </a:p>
+      </dgm:t>
+    </dgm:pt>
+    <dgm:pt modelId="{C260B6E9-1A47-490C-BED5-EAE00BC1E335}">
+      <dgm:prSet/>
+      <dgm:spPr/>
+      <dgm:t>
+        <a:bodyPr/>
+        <a:lstStyle/>
+        <a:p>
+          <a:r>
+            <a:rPr lang="he-IL"/>
+            <a:t>שילוב ספריה זאת בקוד הקיים – בחילוף מפתחות הצפנה </a:t>
+          </a:r>
+          <a:endParaRPr lang="en-US"/>
+        </a:p>
+      </dgm:t>
+    </dgm:pt>
+    <dgm:pt modelId="{94282513-7049-4DFF-84E7-6C16DD78A6CC}" type="parTrans" cxnId="{079D24D1-9241-47FB-87B4-819B63816BF1}">
+      <dgm:prSet/>
+      <dgm:spPr/>
+      <dgm:t>
+        <a:bodyPr/>
+        <a:lstStyle/>
+        <a:p>
+          <a:endParaRPr lang="en-US"/>
+        </a:p>
+      </dgm:t>
+    </dgm:pt>
+    <dgm:pt modelId="{2471C38E-D04D-450A-A49E-803E1FBC18AE}" type="sibTrans" cxnId="{079D24D1-9241-47FB-87B4-819B63816BF1}">
+      <dgm:prSet/>
+      <dgm:spPr/>
+      <dgm:t>
+        <a:bodyPr/>
+        <a:lstStyle/>
+        <a:p>
+          <a:endParaRPr lang="en-US"/>
+        </a:p>
+      </dgm:t>
+    </dgm:pt>
+    <dgm:pt modelId="{B69099DF-9081-4FB4-B981-1A0CFDB98021}">
+      <dgm:prSet/>
+      <dgm:spPr/>
+      <dgm:t>
+        <a:bodyPr/>
+        <a:lstStyle/>
+        <a:p>
+          <a:r>
+            <a:rPr lang="he-IL"/>
+            <a:t>סיום השלד – פיקוח על מצב של קריסה וטיפול מתאים </a:t>
+          </a:r>
+          <a:endParaRPr lang="en-US"/>
+        </a:p>
+      </dgm:t>
+    </dgm:pt>
+    <dgm:pt modelId="{4F3D5C95-5FF9-4218-9A57-13751C5406DA}" type="parTrans" cxnId="{00C94636-CB19-458B-8875-B6E6F472FDB6}">
+      <dgm:prSet/>
+      <dgm:spPr/>
+      <dgm:t>
+        <a:bodyPr/>
+        <a:lstStyle/>
+        <a:p>
+          <a:endParaRPr lang="en-US"/>
+        </a:p>
+      </dgm:t>
+    </dgm:pt>
+    <dgm:pt modelId="{20343139-BDA6-4BED-8E56-B46AA5670960}" type="sibTrans" cxnId="{00C94636-CB19-458B-8875-B6E6F472FDB6}">
+      <dgm:prSet/>
+      <dgm:spPr/>
+      <dgm:t>
+        <a:bodyPr/>
+        <a:lstStyle/>
+        <a:p>
+          <a:endParaRPr lang="en-US"/>
+        </a:p>
+      </dgm:t>
+    </dgm:pt>
+    <dgm:pt modelId="{64FEA91E-C6AD-4174-9A45-9838AA703B29}" type="pres">
+      <dgm:prSet presAssocID="{1C9E2D6B-C257-4F14-96AC-2A9A7190B944}" presName="root" presStyleCnt="0">
+        <dgm:presLayoutVars>
+          <dgm:dir/>
+          <dgm:resizeHandles val="exact"/>
+        </dgm:presLayoutVars>
+      </dgm:prSet>
+      <dgm:spPr/>
+    </dgm:pt>
+    <dgm:pt modelId="{1E68220A-C9A3-47E2-A471-671AD6384B1C}" type="pres">
+      <dgm:prSet presAssocID="{D6B0D98C-1C93-4702-AE58-573AF6193495}" presName="compNode" presStyleCnt="0"/>
+      <dgm:spPr/>
+    </dgm:pt>
+    <dgm:pt modelId="{4C83BBAD-402D-42B9-A87D-9AEDE9FA4B67}" type="pres">
+      <dgm:prSet presAssocID="{D6B0D98C-1C93-4702-AE58-573AF6193495}" presName="bgRect" presStyleLbl="bgShp" presStyleIdx="0" presStyleCnt="4" custLinFactNeighborX="3927" custLinFactNeighborY="-51759"/>
+      <dgm:spPr/>
+    </dgm:pt>
+    <dgm:pt modelId="{6AD6B27E-175E-4500-A368-F7A80AC3F18B}" type="pres">
+      <dgm:prSet presAssocID="{D6B0D98C-1C93-4702-AE58-573AF6193495}" presName="iconRect" presStyleLbl="node1" presStyleIdx="0" presStyleCnt="4"/>
+      <dgm:spPr>
+        <a:blipFill>
+          <a:blip xmlns:r="http://schemas.openxmlformats.org/officeDocument/2006/relationships" r:embed="rId1">
+            <a:extLst>
+              <a:ext uri="{28A0092B-C50C-407E-A947-70E740481C1C}">
+                <a14:useLocalDpi xmlns:a14="http://schemas.microsoft.com/office/drawing/2010/main" val="0"/>
+              </a:ext>
+              <a:ext uri="{96DAC541-7B7A-43D3-8B79-37D633B846F1}">
+                <asvg:svgBlip xmlns:asvg="http://schemas.microsoft.com/office/drawing/2016/SVG/main" r:embed="rId2"/>
+              </a:ext>
+            </a:extLst>
+          </a:blip>
+          <a:stretch>
+            <a:fillRect/>
+          </a:stretch>
+        </a:blipFill>
+        <a:ln>
+          <a:noFill/>
+        </a:ln>
+      </dgm:spPr>
+      <dgm:extLst>
+        <a:ext uri="{E40237B7-FDA0-4F09-8148-C483321AD2D9}">
+          <dgm14:cNvPr xmlns:dgm14="http://schemas.microsoft.com/office/drawing/2010/diagram" id="0" name="" descr="Security Camera"/>
+        </a:ext>
+      </dgm:extLst>
+    </dgm:pt>
+    <dgm:pt modelId="{AA0A0AF6-6EB3-4BD6-BEE9-B7413805B0BE}" type="pres">
+      <dgm:prSet presAssocID="{D6B0D98C-1C93-4702-AE58-573AF6193495}" presName="spaceRect" presStyleCnt="0"/>
+      <dgm:spPr/>
+    </dgm:pt>
+    <dgm:pt modelId="{25917953-B17D-443A-AEF5-95443822C6F4}" type="pres">
+      <dgm:prSet presAssocID="{D6B0D98C-1C93-4702-AE58-573AF6193495}" presName="parTx" presStyleLbl="revTx" presStyleIdx="0" presStyleCnt="4">
+        <dgm:presLayoutVars>
+          <dgm:chMax val="0"/>
+          <dgm:chPref val="0"/>
+        </dgm:presLayoutVars>
+      </dgm:prSet>
+      <dgm:spPr/>
+    </dgm:pt>
+    <dgm:pt modelId="{5AF8AF7B-E152-45B4-AA4D-05D440279C1D}" type="pres">
+      <dgm:prSet presAssocID="{C7C09C9B-CB5F-408D-9847-9446AE6E3016}" presName="sibTrans" presStyleCnt="0"/>
+      <dgm:spPr/>
+    </dgm:pt>
+    <dgm:pt modelId="{57E265C9-F3A2-4351-B930-028014AED73F}" type="pres">
+      <dgm:prSet presAssocID="{459DF68F-11A1-4E53-B6CF-C45DE6716ED5}" presName="compNode" presStyleCnt="0"/>
+      <dgm:spPr/>
+    </dgm:pt>
+    <dgm:pt modelId="{86D9ADF9-64D3-48E3-B73F-6D314A6DFE95}" type="pres">
+      <dgm:prSet presAssocID="{459DF68F-11A1-4E53-B6CF-C45DE6716ED5}" presName="bgRect" presStyleLbl="bgShp" presStyleIdx="1" presStyleCnt="4"/>
+      <dgm:spPr/>
+    </dgm:pt>
+    <dgm:pt modelId="{8F71E4A0-A361-4B7C-BF9F-0818BBB9EBC7}" type="pres">
+      <dgm:prSet presAssocID="{459DF68F-11A1-4E53-B6CF-C45DE6716ED5}" presName="iconRect" presStyleLbl="node1" presStyleIdx="1" presStyleCnt="4"/>
+      <dgm:spPr>
+        <a:blipFill>
+          <a:blip xmlns:r="http://schemas.openxmlformats.org/officeDocument/2006/relationships" r:embed="rId3">
+            <a:extLst>
+              <a:ext uri="{28A0092B-C50C-407E-A947-70E740481C1C}">
+                <a14:useLocalDpi xmlns:a14="http://schemas.microsoft.com/office/drawing/2010/main" val="0"/>
+              </a:ext>
+              <a:ext uri="{96DAC541-7B7A-43D3-8B79-37D633B846F1}">
+                <asvg:svgBlip xmlns:asvg="http://schemas.microsoft.com/office/drawing/2016/SVG/main" r:embed="rId4"/>
+              </a:ext>
+            </a:extLst>
+          </a:blip>
+          <a:stretch>
+            <a:fillRect/>
+          </a:stretch>
+        </a:blipFill>
+        <a:ln>
+          <a:noFill/>
+        </a:ln>
+      </dgm:spPr>
+      <dgm:extLst>
+        <a:ext uri="{E40237B7-FDA0-4F09-8148-C483321AD2D9}">
+          <dgm14:cNvPr xmlns:dgm14="http://schemas.microsoft.com/office/drawing/2010/diagram" id="0" name="" descr="מסרק"/>
+        </a:ext>
+      </dgm:extLst>
+    </dgm:pt>
+    <dgm:pt modelId="{FDFF670F-2CE3-4D71-8155-02AB7F6FAD88}" type="pres">
+      <dgm:prSet presAssocID="{459DF68F-11A1-4E53-B6CF-C45DE6716ED5}" presName="spaceRect" presStyleCnt="0"/>
+      <dgm:spPr/>
+    </dgm:pt>
+    <dgm:pt modelId="{BF33BC19-2FAB-4B66-B7E2-D029A0427012}" type="pres">
+      <dgm:prSet presAssocID="{459DF68F-11A1-4E53-B6CF-C45DE6716ED5}" presName="parTx" presStyleLbl="revTx" presStyleIdx="1" presStyleCnt="4">
+        <dgm:presLayoutVars>
+          <dgm:chMax val="0"/>
+          <dgm:chPref val="0"/>
+        </dgm:presLayoutVars>
+      </dgm:prSet>
+      <dgm:spPr/>
+    </dgm:pt>
+    <dgm:pt modelId="{80A3657B-B426-48E4-B93B-C09842BB6561}" type="pres">
+      <dgm:prSet presAssocID="{9BD0DD96-9A56-44A7-89D9-FF2D3B2EFE4E}" presName="sibTrans" presStyleCnt="0"/>
+      <dgm:spPr/>
+    </dgm:pt>
+    <dgm:pt modelId="{53E9A7F9-F2F7-4B70-8F3A-BE9DFB59E4BA}" type="pres">
+      <dgm:prSet presAssocID="{C260B6E9-1A47-490C-BED5-EAE00BC1E335}" presName="compNode" presStyleCnt="0"/>
+      <dgm:spPr/>
+    </dgm:pt>
+    <dgm:pt modelId="{D6FDE333-0C75-4040-8079-490674E8B959}" type="pres">
+      <dgm:prSet presAssocID="{C260B6E9-1A47-490C-BED5-EAE00BC1E335}" presName="bgRect" presStyleLbl="bgShp" presStyleIdx="2" presStyleCnt="4"/>
+      <dgm:spPr/>
+    </dgm:pt>
+    <dgm:pt modelId="{123D2AFD-DDD2-4DE4-B42D-D1164E7E15EE}" type="pres">
+      <dgm:prSet presAssocID="{C260B6E9-1A47-490C-BED5-EAE00BC1E335}" presName="iconRect" presStyleLbl="node1" presStyleIdx="2" presStyleCnt="4"/>
+      <dgm:spPr>
+        <a:blipFill>
+          <a:blip xmlns:r="http://schemas.openxmlformats.org/officeDocument/2006/relationships" r:embed="rId5">
+            <a:extLst>
+              <a:ext uri="{28A0092B-C50C-407E-A947-70E740481C1C}">
+                <a14:useLocalDpi xmlns:a14="http://schemas.microsoft.com/office/drawing/2010/main" val="0"/>
+              </a:ext>
+              <a:ext uri="{96DAC541-7B7A-43D3-8B79-37D633B846F1}">
+                <asvg:svgBlip xmlns:asvg="http://schemas.microsoft.com/office/drawing/2016/SVG/main" r:embed="rId6"/>
+              </a:ext>
+            </a:extLst>
+          </a:blip>
+          <a:stretch>
+            <a:fillRect/>
+          </a:stretch>
+        </a:blipFill>
+        <a:ln>
+          <a:noFill/>
+        </a:ln>
+      </dgm:spPr>
+      <dgm:extLst>
+        <a:ext uri="{E40237B7-FDA0-4F09-8148-C483321AD2D9}">
+          <dgm14:cNvPr xmlns:dgm14="http://schemas.microsoft.com/office/drawing/2010/diagram" id="0" name="" descr="מפתח"/>
+        </a:ext>
+      </dgm:extLst>
+    </dgm:pt>
+    <dgm:pt modelId="{844F1CC0-8C57-4607-A446-C31E0853CB72}" type="pres">
+      <dgm:prSet presAssocID="{C260B6E9-1A47-490C-BED5-EAE00BC1E335}" presName="spaceRect" presStyleCnt="0"/>
+      <dgm:spPr/>
+    </dgm:pt>
+    <dgm:pt modelId="{6A34F60D-6A85-402A-8CDE-652DBAB8F15F}" type="pres">
+      <dgm:prSet presAssocID="{C260B6E9-1A47-490C-BED5-EAE00BC1E335}" presName="parTx" presStyleLbl="revTx" presStyleIdx="2" presStyleCnt="4">
+        <dgm:presLayoutVars>
+          <dgm:chMax val="0"/>
+          <dgm:chPref val="0"/>
+        </dgm:presLayoutVars>
+      </dgm:prSet>
+      <dgm:spPr/>
+    </dgm:pt>
+    <dgm:pt modelId="{D790A507-9FB3-4C13-8CE3-5BCC02EC4C09}" type="pres">
+      <dgm:prSet presAssocID="{2471C38E-D04D-450A-A49E-803E1FBC18AE}" presName="sibTrans" presStyleCnt="0"/>
+      <dgm:spPr/>
+    </dgm:pt>
+    <dgm:pt modelId="{64759849-8FB0-48D6-B846-9906059F5113}" type="pres">
+      <dgm:prSet presAssocID="{B69099DF-9081-4FB4-B981-1A0CFDB98021}" presName="compNode" presStyleCnt="0"/>
+      <dgm:spPr/>
+    </dgm:pt>
+    <dgm:pt modelId="{B147F9D1-B337-467B-B7B0-C3D7D66283EB}" type="pres">
+      <dgm:prSet presAssocID="{B69099DF-9081-4FB4-B981-1A0CFDB98021}" presName="bgRect" presStyleLbl="bgShp" presStyleIdx="3" presStyleCnt="4"/>
+      <dgm:spPr/>
+    </dgm:pt>
+    <dgm:pt modelId="{82F7D6FE-9ED9-4C99-9989-38A507AD50B7}" type="pres">
+      <dgm:prSet presAssocID="{B69099DF-9081-4FB4-B981-1A0CFDB98021}" presName="iconRect" presStyleLbl="node1" presStyleIdx="3" presStyleCnt="4"/>
+      <dgm:spPr>
+        <a:blipFill>
+          <a:blip xmlns:r="http://schemas.openxmlformats.org/officeDocument/2006/relationships" r:embed="rId7">
+            <a:extLst>
+              <a:ext uri="{28A0092B-C50C-407E-A947-70E740481C1C}">
+                <a14:useLocalDpi xmlns:a14="http://schemas.microsoft.com/office/drawing/2010/main" val="0"/>
+              </a:ext>
+              <a:ext uri="{96DAC541-7B7A-43D3-8B79-37D633B846F1}">
+                <asvg:svgBlip xmlns:asvg="http://schemas.microsoft.com/office/drawing/2016/SVG/main" r:embed="rId8"/>
+              </a:ext>
+            </a:extLst>
+          </a:blip>
+          <a:stretch>
+            <a:fillRect/>
+          </a:stretch>
+        </a:blipFill>
+        <a:ln>
+          <a:noFill/>
+        </a:ln>
+      </dgm:spPr>
+      <dgm:extLst>
+        <a:ext uri="{E40237B7-FDA0-4F09-8148-C483321AD2D9}">
+          <dgm14:cNvPr xmlns:dgm14="http://schemas.microsoft.com/office/drawing/2010/diagram" id="0" name="" descr="סטטוסקופ"/>
+        </a:ext>
+      </dgm:extLst>
+    </dgm:pt>
+    <dgm:pt modelId="{9288ACAB-056B-4916-AEC0-152D98A95068}" type="pres">
+      <dgm:prSet presAssocID="{B69099DF-9081-4FB4-B981-1A0CFDB98021}" presName="spaceRect" presStyleCnt="0"/>
+      <dgm:spPr/>
+    </dgm:pt>
+    <dgm:pt modelId="{E13556FC-8687-46A3-B0CA-B8FC50EA884F}" type="pres">
+      <dgm:prSet presAssocID="{B69099DF-9081-4FB4-B981-1A0CFDB98021}" presName="parTx" presStyleLbl="revTx" presStyleIdx="3" presStyleCnt="4">
+        <dgm:presLayoutVars>
+          <dgm:chMax val="0"/>
+          <dgm:chPref val="0"/>
+        </dgm:presLayoutVars>
+      </dgm:prSet>
+      <dgm:spPr/>
+    </dgm:pt>
+  </dgm:ptLst>
+  <dgm:cxnLst>
+    <dgm:cxn modelId="{00C94636-CB19-458B-8875-B6E6F472FDB6}" srcId="{1C9E2D6B-C257-4F14-96AC-2A9A7190B944}" destId="{B69099DF-9081-4FB4-B981-1A0CFDB98021}" srcOrd="3" destOrd="0" parTransId="{4F3D5C95-5FF9-4218-9A57-13751C5406DA}" sibTransId="{20343139-BDA6-4BED-8E56-B46AA5670960}"/>
+    <dgm:cxn modelId="{7150393A-0E4A-4D1D-885F-D39A716115F0}" srcId="{1C9E2D6B-C257-4F14-96AC-2A9A7190B944}" destId="{D6B0D98C-1C93-4702-AE58-573AF6193495}" srcOrd="0" destOrd="0" parTransId="{3D159A39-4361-4119-8150-0E56B31B5C65}" sibTransId="{C7C09C9B-CB5F-408D-9847-9446AE6E3016}"/>
+    <dgm:cxn modelId="{847A3444-7C09-49EA-B997-CC97E1A7161E}" srcId="{1C9E2D6B-C257-4F14-96AC-2A9A7190B944}" destId="{459DF68F-11A1-4E53-B6CF-C45DE6716ED5}" srcOrd="1" destOrd="0" parTransId="{91703648-333D-4551-82F3-40C61D49EF81}" sibTransId="{9BD0DD96-9A56-44A7-89D9-FF2D3B2EFE4E}"/>
+    <dgm:cxn modelId="{CA8B2F6A-21A8-47A4-A0DE-A1083AD406B4}" type="presOf" srcId="{B69099DF-9081-4FB4-B981-1A0CFDB98021}" destId="{E13556FC-8687-46A3-B0CA-B8FC50EA884F}" srcOrd="0" destOrd="0" presId="urn:microsoft.com/office/officeart/2018/2/layout/IconVerticalSolidList"/>
+    <dgm:cxn modelId="{2A5FDA9E-CC04-410F-925A-D32E67E059FB}" type="presOf" srcId="{D6B0D98C-1C93-4702-AE58-573AF6193495}" destId="{25917953-B17D-443A-AEF5-95443822C6F4}" srcOrd="0" destOrd="0" presId="urn:microsoft.com/office/officeart/2018/2/layout/IconVerticalSolidList"/>
+    <dgm:cxn modelId="{5AEEA7BB-7BED-4479-A51B-C16206B0A620}" type="presOf" srcId="{459DF68F-11A1-4E53-B6CF-C45DE6716ED5}" destId="{BF33BC19-2FAB-4B66-B7E2-D029A0427012}" srcOrd="0" destOrd="0" presId="urn:microsoft.com/office/officeart/2018/2/layout/IconVerticalSolidList"/>
+    <dgm:cxn modelId="{079D24D1-9241-47FB-87B4-819B63816BF1}" srcId="{1C9E2D6B-C257-4F14-96AC-2A9A7190B944}" destId="{C260B6E9-1A47-490C-BED5-EAE00BC1E335}" srcOrd="2" destOrd="0" parTransId="{94282513-7049-4DFF-84E7-6C16DD78A6CC}" sibTransId="{2471C38E-D04D-450A-A49E-803E1FBC18AE}"/>
+    <dgm:cxn modelId="{C4B3F7D3-6E1F-44D7-A9A7-C579350D5803}" type="presOf" srcId="{C260B6E9-1A47-490C-BED5-EAE00BC1E335}" destId="{6A34F60D-6A85-402A-8CDE-652DBAB8F15F}" srcOrd="0" destOrd="0" presId="urn:microsoft.com/office/officeart/2018/2/layout/IconVerticalSolidList"/>
+    <dgm:cxn modelId="{A876E3FD-F989-49DE-B6D5-4C3A88E56067}" type="presOf" srcId="{1C9E2D6B-C257-4F14-96AC-2A9A7190B944}" destId="{64FEA91E-C6AD-4174-9A45-9838AA703B29}" srcOrd="0" destOrd="0" presId="urn:microsoft.com/office/officeart/2018/2/layout/IconVerticalSolidList"/>
+    <dgm:cxn modelId="{2CA3281F-9FA7-4E91-96F3-F4834C77B482}" type="presParOf" srcId="{64FEA91E-C6AD-4174-9A45-9838AA703B29}" destId="{1E68220A-C9A3-47E2-A471-671AD6384B1C}" srcOrd="0" destOrd="0" presId="urn:microsoft.com/office/officeart/2018/2/layout/IconVerticalSolidList"/>
+    <dgm:cxn modelId="{12BEA502-6C23-41CF-9A86-B6FB14915775}" type="presParOf" srcId="{1E68220A-C9A3-47E2-A471-671AD6384B1C}" destId="{4C83BBAD-402D-42B9-A87D-9AEDE9FA4B67}" srcOrd="0" destOrd="0" presId="urn:microsoft.com/office/officeart/2018/2/layout/IconVerticalSolidList"/>
+    <dgm:cxn modelId="{61C8D3A5-E1DF-492B-8059-C7E1FC2D95BC}" type="presParOf" srcId="{1E68220A-C9A3-47E2-A471-671AD6384B1C}" destId="{6AD6B27E-175E-4500-A368-F7A80AC3F18B}" srcOrd="1" destOrd="0" presId="urn:microsoft.com/office/officeart/2018/2/layout/IconVerticalSolidList"/>
+    <dgm:cxn modelId="{737932E7-812D-428C-BFB3-AB138C26135D}" type="presParOf" srcId="{1E68220A-C9A3-47E2-A471-671AD6384B1C}" destId="{AA0A0AF6-6EB3-4BD6-BEE9-B7413805B0BE}" srcOrd="2" destOrd="0" presId="urn:microsoft.com/office/officeart/2018/2/layout/IconVerticalSolidList"/>
+    <dgm:cxn modelId="{DD2B96F3-350D-4695-A5AF-F8A2F0396420}" type="presParOf" srcId="{1E68220A-C9A3-47E2-A471-671AD6384B1C}" destId="{25917953-B17D-443A-AEF5-95443822C6F4}" srcOrd="3" destOrd="0" presId="urn:microsoft.com/office/officeart/2018/2/layout/IconVerticalSolidList"/>
+    <dgm:cxn modelId="{CB875B92-9D03-42EB-B767-DF615FCED501}" type="presParOf" srcId="{64FEA91E-C6AD-4174-9A45-9838AA703B29}" destId="{5AF8AF7B-E152-45B4-AA4D-05D440279C1D}" srcOrd="1" destOrd="0" presId="urn:microsoft.com/office/officeart/2018/2/layout/IconVerticalSolidList"/>
+    <dgm:cxn modelId="{1357EB95-8B09-401C-87CF-EE082F559C33}" type="presParOf" srcId="{64FEA91E-C6AD-4174-9A45-9838AA703B29}" destId="{57E265C9-F3A2-4351-B930-028014AED73F}" srcOrd="2" destOrd="0" presId="urn:microsoft.com/office/officeart/2018/2/layout/IconVerticalSolidList"/>
+    <dgm:cxn modelId="{75B5C533-3900-4EFC-8B46-BE0E0A495DFD}" type="presParOf" srcId="{57E265C9-F3A2-4351-B930-028014AED73F}" destId="{86D9ADF9-64D3-48E3-B73F-6D314A6DFE95}" srcOrd="0" destOrd="0" presId="urn:microsoft.com/office/officeart/2018/2/layout/IconVerticalSolidList"/>
+    <dgm:cxn modelId="{14918644-3A34-4438-A74F-0E104157157C}" type="presParOf" srcId="{57E265C9-F3A2-4351-B930-028014AED73F}" destId="{8F71E4A0-A361-4B7C-BF9F-0818BBB9EBC7}" srcOrd="1" destOrd="0" presId="urn:microsoft.com/office/officeart/2018/2/layout/IconVerticalSolidList"/>
+    <dgm:cxn modelId="{08E0C527-B25A-487D-BA2C-A0DC887E6A81}" type="presParOf" srcId="{57E265C9-F3A2-4351-B930-028014AED73F}" destId="{FDFF670F-2CE3-4D71-8155-02AB7F6FAD88}" srcOrd="2" destOrd="0" presId="urn:microsoft.com/office/officeart/2018/2/layout/IconVerticalSolidList"/>
+    <dgm:cxn modelId="{8497B35D-D572-4D91-8832-3C7A55C8137F}" type="presParOf" srcId="{57E265C9-F3A2-4351-B930-028014AED73F}" destId="{BF33BC19-2FAB-4B66-B7E2-D029A0427012}" srcOrd="3" destOrd="0" presId="urn:microsoft.com/office/officeart/2018/2/layout/IconVerticalSolidList"/>
+    <dgm:cxn modelId="{B1219572-89D1-4E85-80C4-6F5992CA2E92}" type="presParOf" srcId="{64FEA91E-C6AD-4174-9A45-9838AA703B29}" destId="{80A3657B-B426-48E4-B93B-C09842BB6561}" srcOrd="3" destOrd="0" presId="urn:microsoft.com/office/officeart/2018/2/layout/IconVerticalSolidList"/>
+    <dgm:cxn modelId="{0A8B304F-2F00-4B70-AA4A-7A9F31F2B901}" type="presParOf" srcId="{64FEA91E-C6AD-4174-9A45-9838AA703B29}" destId="{53E9A7F9-F2F7-4B70-8F3A-BE9DFB59E4BA}" srcOrd="4" destOrd="0" presId="urn:microsoft.com/office/officeart/2018/2/layout/IconVerticalSolidList"/>
+    <dgm:cxn modelId="{C39D5696-C283-4495-9471-F4BE2614E075}" type="presParOf" srcId="{53E9A7F9-F2F7-4B70-8F3A-BE9DFB59E4BA}" destId="{D6FDE333-0C75-4040-8079-490674E8B959}" srcOrd="0" destOrd="0" presId="urn:microsoft.com/office/officeart/2018/2/layout/IconVerticalSolidList"/>
+    <dgm:cxn modelId="{3F4F3D39-95F7-44D4-B478-5A0FC90C7527}" type="presParOf" srcId="{53E9A7F9-F2F7-4B70-8F3A-BE9DFB59E4BA}" destId="{123D2AFD-DDD2-4DE4-B42D-D1164E7E15EE}" srcOrd="1" destOrd="0" presId="urn:microsoft.com/office/officeart/2018/2/layout/IconVerticalSolidList"/>
+    <dgm:cxn modelId="{5D7C2A4B-2951-4292-8E9C-D6221B8CF96F}" type="presParOf" srcId="{53E9A7F9-F2F7-4B70-8F3A-BE9DFB59E4BA}" destId="{844F1CC0-8C57-4607-A446-C31E0853CB72}" srcOrd="2" destOrd="0" presId="urn:microsoft.com/office/officeart/2018/2/layout/IconVerticalSolidList"/>
+    <dgm:cxn modelId="{B1805A17-6B73-434A-9FA3-8D5DD1037FDE}" type="presParOf" srcId="{53E9A7F9-F2F7-4B70-8F3A-BE9DFB59E4BA}" destId="{6A34F60D-6A85-402A-8CDE-652DBAB8F15F}" srcOrd="3" destOrd="0" presId="urn:microsoft.com/office/officeart/2018/2/layout/IconVerticalSolidList"/>
+    <dgm:cxn modelId="{3276F492-2549-4CB3-82AB-00B0EE9AE0B9}" type="presParOf" srcId="{64FEA91E-C6AD-4174-9A45-9838AA703B29}" destId="{D790A507-9FB3-4C13-8CE3-5BCC02EC4C09}" srcOrd="5" destOrd="0" presId="urn:microsoft.com/office/officeart/2018/2/layout/IconVerticalSolidList"/>
+    <dgm:cxn modelId="{04CFE8F0-C834-4C13-99DC-3F146F311BF7}" type="presParOf" srcId="{64FEA91E-C6AD-4174-9A45-9838AA703B29}" destId="{64759849-8FB0-48D6-B846-9906059F5113}" srcOrd="6" destOrd="0" presId="urn:microsoft.com/office/officeart/2018/2/layout/IconVerticalSolidList"/>
+    <dgm:cxn modelId="{3D6F5494-79E3-40C4-AA68-280719208375}" type="presParOf" srcId="{64759849-8FB0-48D6-B846-9906059F5113}" destId="{B147F9D1-B337-467B-B7B0-C3D7D66283EB}" srcOrd="0" destOrd="0" presId="urn:microsoft.com/office/officeart/2018/2/layout/IconVerticalSolidList"/>
+    <dgm:cxn modelId="{6D7A6615-CEEB-49AC-8E1D-60FFCC11B4E0}" type="presParOf" srcId="{64759849-8FB0-48D6-B846-9906059F5113}" destId="{82F7D6FE-9ED9-4C99-9989-38A507AD50B7}" srcOrd="1" destOrd="0" presId="urn:microsoft.com/office/officeart/2018/2/layout/IconVerticalSolidList"/>
+    <dgm:cxn modelId="{ACCE585C-4EEE-472C-8BBC-3AECCE476FF6}" type="presParOf" srcId="{64759849-8FB0-48D6-B846-9906059F5113}" destId="{9288ACAB-056B-4916-AEC0-152D98A95068}" srcOrd="2" destOrd="0" presId="urn:microsoft.com/office/officeart/2018/2/layout/IconVerticalSolidList"/>
+    <dgm:cxn modelId="{989C64FC-5A27-4DF8-9EC4-DFFB0DB1E729}" type="presParOf" srcId="{64759849-8FB0-48D6-B846-9906059F5113}" destId="{E13556FC-8687-46A3-B0CA-B8FC50EA884F}" srcOrd="3" destOrd="0" presId="urn:microsoft.com/office/officeart/2018/2/layout/IconVerticalSolidList"/>
+  </dgm:cxnLst>
+  <dgm:bg/>
+  <dgm:whole/>
+  <dgm:extLst>
+    <a:ext uri="http://schemas.microsoft.com/office/drawing/2008/diagram">
+      <dsp:dataModelExt xmlns:dsp="http://schemas.microsoft.com/office/drawing/2008/diagram" relId="rId7" minVer="http://schemas.openxmlformats.org/drawingml/2006/diagram"/>
+    </a:ext>
+  </dgm:extLst>
+</dgm:dataModel>
+</file>
+
+<file path=ppt/diagrams/data2.xml><?xml version="1.0" encoding="utf-8"?>
+<dgm:dataModel xmlns:dgm="http://schemas.openxmlformats.org/drawingml/2006/diagram" xmlns:a="http://schemas.openxmlformats.org/drawingml/2006/main">
+  <dgm:ptLst>
+    <dgm:pt modelId="{39750BCE-1D7D-405E-BB3E-30F233942ED4}" type="doc">
+      <dgm:prSet loTypeId="urn:microsoft.com/office/officeart/2005/8/layout/vList5" loCatId="list" qsTypeId="urn:microsoft.com/office/officeart/2005/8/quickstyle/simple5" qsCatId="simple" csTypeId="urn:microsoft.com/office/officeart/2005/8/colors/accent3_2" csCatId="accent3"/>
+      <dgm:spPr/>
+      <dgm:t>
+        <a:bodyPr/>
+        <a:lstStyle/>
+        <a:p>
+          <a:endParaRPr lang="en-US"/>
+        </a:p>
+      </dgm:t>
+    </dgm:pt>
+    <dgm:pt modelId="{F1ACA2DF-5284-460F-8ED3-46A50DB4D3CC}">
+      <dgm:prSet/>
+      <dgm:spPr/>
+      <dgm:t>
+        <a:bodyPr/>
+        <a:lstStyle/>
+        <a:p>
+          <a:r>
+            <a:rPr lang="he-IL" b="1" u="sng" dirty="0"/>
+            <a:t>שימור </a:t>
+          </a:r>
+          <a:endParaRPr lang="en-US" dirty="0"/>
+        </a:p>
+      </dgm:t>
+    </dgm:pt>
+    <dgm:pt modelId="{3AA6DCEE-BAD6-4426-8D2A-C9515B7BEB12}" type="parTrans" cxnId="{C5B312E6-F413-40CE-81AC-AD6651ABCFC2}">
+      <dgm:prSet/>
+      <dgm:spPr/>
+      <dgm:t>
+        <a:bodyPr/>
+        <a:lstStyle/>
+        <a:p>
+          <a:endParaRPr lang="en-US"/>
+        </a:p>
+      </dgm:t>
+    </dgm:pt>
+    <dgm:pt modelId="{36B78A4D-CFB4-429F-A063-C55B5F3B71AB}" type="sibTrans" cxnId="{C5B312E6-F413-40CE-81AC-AD6651ABCFC2}">
+      <dgm:prSet/>
+      <dgm:spPr/>
+      <dgm:t>
+        <a:bodyPr/>
+        <a:lstStyle/>
+        <a:p>
+          <a:endParaRPr lang="en-US"/>
+        </a:p>
+      </dgm:t>
+    </dgm:pt>
+    <dgm:pt modelId="{B82DE503-DC35-4950-8DE8-2AD4FDEBAF4D}">
+      <dgm:prSet/>
+      <dgm:spPr/>
+      <dgm:t>
+        <a:bodyPr/>
+        <a:lstStyle/>
+        <a:p>
+          <a:r>
+            <a:rPr lang="he-IL"/>
+            <a:t>להמשיך לעבוד כמו שאנחנו עובדים בשיתוף פעולה ככה שלשנינו היה ידע על כל הפרויקט</a:t>
+          </a:r>
+          <a:endParaRPr lang="en-US"/>
+        </a:p>
+      </dgm:t>
+    </dgm:pt>
+    <dgm:pt modelId="{06E22ED4-A626-4B39-B9CE-CEC80CB4683A}" type="parTrans" cxnId="{D746B3F7-EB8A-4B8B-806A-EF30BA99397F}">
+      <dgm:prSet/>
+      <dgm:spPr/>
+      <dgm:t>
+        <a:bodyPr/>
+        <a:lstStyle/>
+        <a:p>
+          <a:endParaRPr lang="en-US"/>
+        </a:p>
+      </dgm:t>
+    </dgm:pt>
+    <dgm:pt modelId="{8A640B14-DF9D-4953-9353-6390EF4F323E}" type="sibTrans" cxnId="{D746B3F7-EB8A-4B8B-806A-EF30BA99397F}">
+      <dgm:prSet/>
+      <dgm:spPr/>
+      <dgm:t>
+        <a:bodyPr/>
+        <a:lstStyle/>
+        <a:p>
+          <a:endParaRPr lang="en-US"/>
+        </a:p>
+      </dgm:t>
+    </dgm:pt>
+    <dgm:pt modelId="{A0E6029C-77D0-4CCD-939B-201A6021598F}">
+      <dgm:prSet/>
+      <dgm:spPr/>
+      <dgm:t>
+        <a:bodyPr/>
+        <a:lstStyle/>
+        <a:p>
+          <a:pPr rtl="1"/>
+          <a:r>
+            <a:rPr lang="he-IL" dirty="0"/>
+            <a:t>חלוקת המשימות וניהול ה</a:t>
+          </a:r>
+          <a:r>
+            <a:rPr lang="en-US" dirty="0"/>
+            <a:t>git</a:t>
+          </a:r>
+          <a:r>
+            <a:rPr lang="he-IL" dirty="0"/>
+            <a:t> </a:t>
+          </a:r>
+          <a:endParaRPr lang="en-US" dirty="0"/>
+        </a:p>
+      </dgm:t>
+    </dgm:pt>
+    <dgm:pt modelId="{E2995487-18F9-47B6-8F07-93D7FF8349B1}" type="parTrans" cxnId="{FACA7F34-70D5-437D-9CBA-C9714CB5CDC7}">
+      <dgm:prSet/>
+      <dgm:spPr/>
+      <dgm:t>
+        <a:bodyPr/>
+        <a:lstStyle/>
+        <a:p>
+          <a:endParaRPr lang="en-US"/>
+        </a:p>
+      </dgm:t>
+    </dgm:pt>
+    <dgm:pt modelId="{CC569B1C-4D64-4554-A91E-4FD548510660}" type="sibTrans" cxnId="{FACA7F34-70D5-437D-9CBA-C9714CB5CDC7}">
+      <dgm:prSet/>
+      <dgm:spPr/>
+      <dgm:t>
+        <a:bodyPr/>
+        <a:lstStyle/>
+        <a:p>
+          <a:endParaRPr lang="en-US"/>
+        </a:p>
+      </dgm:t>
+    </dgm:pt>
+    <dgm:pt modelId="{6FA4E5AD-7A71-47FB-AD58-061FCEB683B3}">
+      <dgm:prSet/>
+      <dgm:spPr/>
+      <dgm:t>
+        <a:bodyPr/>
+        <a:lstStyle/>
+        <a:p>
+          <a:pPr rtl="1"/>
+          <a:r>
+            <a:rPr lang="he-IL" dirty="0"/>
+            <a:t>שיחות סטטוס ומעקב של שנינו על ההתקדמות </a:t>
+          </a:r>
+          <a:r>
+            <a:rPr lang="en-US" dirty="0"/>
+            <a:t>code </a:t>
+          </a:r>
+          <a:r>
+            <a:rPr lang="en-US" dirty="0" err="1"/>
+            <a:t>reviwe</a:t>
+          </a:r>
+          <a:r>
+            <a:rPr lang="en-US" dirty="0"/>
+            <a:t>)</a:t>
+          </a:r>
+          <a:r>
+            <a:rPr lang="he-IL" dirty="0"/>
+            <a:t>)</a:t>
+          </a:r>
+          <a:endParaRPr lang="en-US" dirty="0"/>
+        </a:p>
+      </dgm:t>
+    </dgm:pt>
+    <dgm:pt modelId="{031DE480-1371-44F3-8088-61CD73CCAB6B}" type="parTrans" cxnId="{BF2B4CA0-D6CD-4264-A95F-1E4C918FB6AB}">
+      <dgm:prSet/>
+      <dgm:spPr/>
+      <dgm:t>
+        <a:bodyPr/>
+        <a:lstStyle/>
+        <a:p>
+          <a:endParaRPr lang="en-US"/>
+        </a:p>
+      </dgm:t>
+    </dgm:pt>
+    <dgm:pt modelId="{7A44E5B4-707B-46C0-B966-0BEE309186E7}" type="sibTrans" cxnId="{BF2B4CA0-D6CD-4264-A95F-1E4C918FB6AB}">
+      <dgm:prSet/>
+      <dgm:spPr/>
+      <dgm:t>
+        <a:bodyPr/>
+        <a:lstStyle/>
+        <a:p>
+          <a:endParaRPr lang="en-US"/>
+        </a:p>
+      </dgm:t>
+    </dgm:pt>
+    <dgm:pt modelId="{A3C4E030-11C2-430A-8D0D-AC0B6535F9DE}">
+      <dgm:prSet/>
+      <dgm:spPr/>
+      <dgm:t>
+        <a:bodyPr/>
+        <a:lstStyle/>
+        <a:p>
+          <a:r>
+            <a:rPr lang="he-IL"/>
+            <a:t>הרצון לדעת לחפש ולמצוא העשרות לגבי הפרוייקט </a:t>
+          </a:r>
+          <a:endParaRPr lang="en-US"/>
+        </a:p>
+      </dgm:t>
+    </dgm:pt>
+    <dgm:pt modelId="{CC9AFE67-0A3C-45B0-9DA1-8240BBDE5798}" type="parTrans" cxnId="{D9D96428-0ABB-4E29-BA23-15AED8AA682E}">
+      <dgm:prSet/>
+      <dgm:spPr/>
+      <dgm:t>
+        <a:bodyPr/>
+        <a:lstStyle/>
+        <a:p>
+          <a:endParaRPr lang="en-US"/>
+        </a:p>
+      </dgm:t>
+    </dgm:pt>
+    <dgm:pt modelId="{EBAB071D-FFAB-48B6-A145-35CF3D740C18}" type="sibTrans" cxnId="{D9D96428-0ABB-4E29-BA23-15AED8AA682E}">
+      <dgm:prSet/>
+      <dgm:spPr/>
+      <dgm:t>
+        <a:bodyPr/>
+        <a:lstStyle/>
+        <a:p>
+          <a:endParaRPr lang="en-US"/>
+        </a:p>
+      </dgm:t>
+    </dgm:pt>
+    <dgm:pt modelId="{D6728372-2B7B-49FF-B71E-EA4ECDC0B8ED}" type="pres">
+      <dgm:prSet presAssocID="{39750BCE-1D7D-405E-BB3E-30F233942ED4}" presName="Name0" presStyleCnt="0">
+        <dgm:presLayoutVars>
+          <dgm:dir/>
+          <dgm:animLvl val="lvl"/>
+          <dgm:resizeHandles val="exact"/>
+        </dgm:presLayoutVars>
+      </dgm:prSet>
+      <dgm:spPr/>
+    </dgm:pt>
+    <dgm:pt modelId="{7DECEFAA-D41E-412C-932E-603D4A054C05}" type="pres">
+      <dgm:prSet presAssocID="{F1ACA2DF-5284-460F-8ED3-46A50DB4D3CC}" presName="linNode" presStyleCnt="0"/>
+      <dgm:spPr/>
+    </dgm:pt>
+    <dgm:pt modelId="{8460C324-AC46-4AD5-9FFF-49B86AF6BFBC}" type="pres">
+      <dgm:prSet presAssocID="{F1ACA2DF-5284-460F-8ED3-46A50DB4D3CC}" presName="parentText" presStyleLbl="node1" presStyleIdx="0" presStyleCnt="5">
+        <dgm:presLayoutVars>
+          <dgm:chMax val="1"/>
+          <dgm:bulletEnabled val="1"/>
+        </dgm:presLayoutVars>
+      </dgm:prSet>
+      <dgm:spPr/>
+    </dgm:pt>
+    <dgm:pt modelId="{6A762F99-47DE-464A-8164-FF0F47DB63F1}" type="pres">
+      <dgm:prSet presAssocID="{36B78A4D-CFB4-429F-A063-C55B5F3B71AB}" presName="sp" presStyleCnt="0"/>
+      <dgm:spPr/>
+    </dgm:pt>
+    <dgm:pt modelId="{7A07DF55-ABB5-4D08-A665-197064B49194}" type="pres">
+      <dgm:prSet presAssocID="{B82DE503-DC35-4950-8DE8-2AD4FDEBAF4D}" presName="linNode" presStyleCnt="0"/>
+      <dgm:spPr/>
+    </dgm:pt>
+    <dgm:pt modelId="{D7B31EC9-EB2A-44EF-BB3D-DE693FFA5E03}" type="pres">
+      <dgm:prSet presAssocID="{B82DE503-DC35-4950-8DE8-2AD4FDEBAF4D}" presName="parentText" presStyleLbl="node1" presStyleIdx="1" presStyleCnt="5">
+        <dgm:presLayoutVars>
+          <dgm:chMax val="1"/>
+          <dgm:bulletEnabled val="1"/>
+        </dgm:presLayoutVars>
+      </dgm:prSet>
+      <dgm:spPr/>
+    </dgm:pt>
+    <dgm:pt modelId="{42B31575-79AF-4734-B7D2-4786CD2CA463}" type="pres">
+      <dgm:prSet presAssocID="{8A640B14-DF9D-4953-9353-6390EF4F323E}" presName="sp" presStyleCnt="0"/>
+      <dgm:spPr/>
+    </dgm:pt>
+    <dgm:pt modelId="{8D6215B6-FDF4-4247-98F2-114EF9B73B6E}" type="pres">
+      <dgm:prSet presAssocID="{A0E6029C-77D0-4CCD-939B-201A6021598F}" presName="linNode" presStyleCnt="0"/>
+      <dgm:spPr/>
+    </dgm:pt>
+    <dgm:pt modelId="{0554CB1F-96D7-4CCA-A21C-ACE41A45FF01}" type="pres">
+      <dgm:prSet presAssocID="{A0E6029C-77D0-4CCD-939B-201A6021598F}" presName="parentText" presStyleLbl="node1" presStyleIdx="2" presStyleCnt="5">
+        <dgm:presLayoutVars>
+          <dgm:chMax val="1"/>
+          <dgm:bulletEnabled val="1"/>
+        </dgm:presLayoutVars>
+      </dgm:prSet>
+      <dgm:spPr/>
+    </dgm:pt>
+    <dgm:pt modelId="{DC8719D0-E9F1-405F-B862-0C33D1AED89C}" type="pres">
+      <dgm:prSet presAssocID="{CC569B1C-4D64-4554-A91E-4FD548510660}" presName="sp" presStyleCnt="0"/>
+      <dgm:spPr/>
+    </dgm:pt>
+    <dgm:pt modelId="{A5B8B7E7-ADE8-4902-890F-B15D50B6A41C}" type="pres">
+      <dgm:prSet presAssocID="{6FA4E5AD-7A71-47FB-AD58-061FCEB683B3}" presName="linNode" presStyleCnt="0"/>
+      <dgm:spPr/>
+    </dgm:pt>
+    <dgm:pt modelId="{8AA6ACBC-7618-4D14-955B-15934B5CD4AD}" type="pres">
+      <dgm:prSet presAssocID="{6FA4E5AD-7A71-47FB-AD58-061FCEB683B3}" presName="parentText" presStyleLbl="node1" presStyleIdx="3" presStyleCnt="5">
+        <dgm:presLayoutVars>
+          <dgm:chMax val="1"/>
+          <dgm:bulletEnabled val="1"/>
+        </dgm:presLayoutVars>
+      </dgm:prSet>
+      <dgm:spPr/>
+    </dgm:pt>
+    <dgm:pt modelId="{E3CC9251-9ABF-4C99-9037-3873F31F4EF7}" type="pres">
+      <dgm:prSet presAssocID="{7A44E5B4-707B-46C0-B966-0BEE309186E7}" presName="sp" presStyleCnt="0"/>
+      <dgm:spPr/>
+    </dgm:pt>
+    <dgm:pt modelId="{836CD103-12C8-42EE-9109-7A66D5AD7228}" type="pres">
+      <dgm:prSet presAssocID="{A3C4E030-11C2-430A-8D0D-AC0B6535F9DE}" presName="linNode" presStyleCnt="0"/>
+      <dgm:spPr/>
+    </dgm:pt>
+    <dgm:pt modelId="{B129A0FA-BE31-4BC5-A0C6-31CA3D2A54A8}" type="pres">
+      <dgm:prSet presAssocID="{A3C4E030-11C2-430A-8D0D-AC0B6535F9DE}" presName="parentText" presStyleLbl="node1" presStyleIdx="4" presStyleCnt="5">
+        <dgm:presLayoutVars>
+          <dgm:chMax val="1"/>
+          <dgm:bulletEnabled val="1"/>
+        </dgm:presLayoutVars>
+      </dgm:prSet>
+      <dgm:spPr/>
+    </dgm:pt>
+  </dgm:ptLst>
+  <dgm:cxnLst>
+    <dgm:cxn modelId="{D9D96428-0ABB-4E29-BA23-15AED8AA682E}" srcId="{39750BCE-1D7D-405E-BB3E-30F233942ED4}" destId="{A3C4E030-11C2-430A-8D0D-AC0B6535F9DE}" srcOrd="4" destOrd="0" parTransId="{CC9AFE67-0A3C-45B0-9DA1-8240BBDE5798}" sibTransId="{EBAB071D-FFAB-48B6-A145-35CF3D740C18}"/>
+    <dgm:cxn modelId="{FACA7F34-70D5-437D-9CBA-C9714CB5CDC7}" srcId="{39750BCE-1D7D-405E-BB3E-30F233942ED4}" destId="{A0E6029C-77D0-4CCD-939B-201A6021598F}" srcOrd="2" destOrd="0" parTransId="{E2995487-18F9-47B6-8F07-93D7FF8349B1}" sibTransId="{CC569B1C-4D64-4554-A91E-4FD548510660}"/>
+    <dgm:cxn modelId="{3A8D0B4E-1BE6-4AFD-B558-2BAF7CA2F15E}" type="presOf" srcId="{F1ACA2DF-5284-460F-8ED3-46A50DB4D3CC}" destId="{8460C324-AC46-4AD5-9FFF-49B86AF6BFBC}" srcOrd="0" destOrd="0" presId="urn:microsoft.com/office/officeart/2005/8/layout/vList5"/>
+    <dgm:cxn modelId="{26BFF353-24B2-4C2E-9885-CE6A161D2019}" type="presOf" srcId="{6FA4E5AD-7A71-47FB-AD58-061FCEB683B3}" destId="{8AA6ACBC-7618-4D14-955B-15934B5CD4AD}" srcOrd="0" destOrd="0" presId="urn:microsoft.com/office/officeart/2005/8/layout/vList5"/>
+    <dgm:cxn modelId="{97A4C654-938D-4BB7-819C-1D7F53E7479C}" type="presOf" srcId="{A3C4E030-11C2-430A-8D0D-AC0B6535F9DE}" destId="{B129A0FA-BE31-4BC5-A0C6-31CA3D2A54A8}" srcOrd="0" destOrd="0" presId="urn:microsoft.com/office/officeart/2005/8/layout/vList5"/>
+    <dgm:cxn modelId="{BF2B4CA0-D6CD-4264-A95F-1E4C918FB6AB}" srcId="{39750BCE-1D7D-405E-BB3E-30F233942ED4}" destId="{6FA4E5AD-7A71-47FB-AD58-061FCEB683B3}" srcOrd="3" destOrd="0" parTransId="{031DE480-1371-44F3-8088-61CD73CCAB6B}" sibTransId="{7A44E5B4-707B-46C0-B966-0BEE309186E7}"/>
+    <dgm:cxn modelId="{BE0AF8AC-FD07-4946-9EFC-0B0F431B9542}" type="presOf" srcId="{A0E6029C-77D0-4CCD-939B-201A6021598F}" destId="{0554CB1F-96D7-4CCA-A21C-ACE41A45FF01}" srcOrd="0" destOrd="0" presId="urn:microsoft.com/office/officeart/2005/8/layout/vList5"/>
+    <dgm:cxn modelId="{0DC281CE-8AE1-4391-BEB2-1B8B99A065DD}" type="presOf" srcId="{B82DE503-DC35-4950-8DE8-2AD4FDEBAF4D}" destId="{D7B31EC9-EB2A-44EF-BB3D-DE693FFA5E03}" srcOrd="0" destOrd="0" presId="urn:microsoft.com/office/officeart/2005/8/layout/vList5"/>
+    <dgm:cxn modelId="{C5B312E6-F413-40CE-81AC-AD6651ABCFC2}" srcId="{39750BCE-1D7D-405E-BB3E-30F233942ED4}" destId="{F1ACA2DF-5284-460F-8ED3-46A50DB4D3CC}" srcOrd="0" destOrd="0" parTransId="{3AA6DCEE-BAD6-4426-8D2A-C9515B7BEB12}" sibTransId="{36B78A4D-CFB4-429F-A063-C55B5F3B71AB}"/>
+    <dgm:cxn modelId="{D746B3F7-EB8A-4B8B-806A-EF30BA99397F}" srcId="{39750BCE-1D7D-405E-BB3E-30F233942ED4}" destId="{B82DE503-DC35-4950-8DE8-2AD4FDEBAF4D}" srcOrd="1" destOrd="0" parTransId="{06E22ED4-A626-4B39-B9CE-CEC80CB4683A}" sibTransId="{8A640B14-DF9D-4953-9353-6390EF4F323E}"/>
+    <dgm:cxn modelId="{CCA3E0FF-99AD-43A7-A3A7-72A2102D15DD}" type="presOf" srcId="{39750BCE-1D7D-405E-BB3E-30F233942ED4}" destId="{D6728372-2B7B-49FF-B71E-EA4ECDC0B8ED}" srcOrd="0" destOrd="0" presId="urn:microsoft.com/office/officeart/2005/8/layout/vList5"/>
+    <dgm:cxn modelId="{BFEE5855-1E27-4A44-943B-42E66AEE51D8}" type="presParOf" srcId="{D6728372-2B7B-49FF-B71E-EA4ECDC0B8ED}" destId="{7DECEFAA-D41E-412C-932E-603D4A054C05}" srcOrd="0" destOrd="0" presId="urn:microsoft.com/office/officeart/2005/8/layout/vList5"/>
+    <dgm:cxn modelId="{C852B5DA-43F0-45DA-A900-F276CF8BF3B2}" type="presParOf" srcId="{7DECEFAA-D41E-412C-932E-603D4A054C05}" destId="{8460C324-AC46-4AD5-9FFF-49B86AF6BFBC}" srcOrd="0" destOrd="0" presId="urn:microsoft.com/office/officeart/2005/8/layout/vList5"/>
+    <dgm:cxn modelId="{F12C59DE-7061-4DDE-A31A-64E65A1ECEB8}" type="presParOf" srcId="{D6728372-2B7B-49FF-B71E-EA4ECDC0B8ED}" destId="{6A762F99-47DE-464A-8164-FF0F47DB63F1}" srcOrd="1" destOrd="0" presId="urn:microsoft.com/office/officeart/2005/8/layout/vList5"/>
+    <dgm:cxn modelId="{0FEF30D7-76AB-44E1-AF27-FD9007941DB2}" type="presParOf" srcId="{D6728372-2B7B-49FF-B71E-EA4ECDC0B8ED}" destId="{7A07DF55-ABB5-4D08-A665-197064B49194}" srcOrd="2" destOrd="0" presId="urn:microsoft.com/office/officeart/2005/8/layout/vList5"/>
+    <dgm:cxn modelId="{7D176DC3-77C0-4467-9562-23D1266A6492}" type="presParOf" srcId="{7A07DF55-ABB5-4D08-A665-197064B49194}" destId="{D7B31EC9-EB2A-44EF-BB3D-DE693FFA5E03}" srcOrd="0" destOrd="0" presId="urn:microsoft.com/office/officeart/2005/8/layout/vList5"/>
+    <dgm:cxn modelId="{A418D236-1758-4AAD-B76B-88A32BD2F41F}" type="presParOf" srcId="{D6728372-2B7B-49FF-B71E-EA4ECDC0B8ED}" destId="{42B31575-79AF-4734-B7D2-4786CD2CA463}" srcOrd="3" destOrd="0" presId="urn:microsoft.com/office/officeart/2005/8/layout/vList5"/>
+    <dgm:cxn modelId="{6CA4CC4A-5F34-4E18-B189-A1691AEEF882}" type="presParOf" srcId="{D6728372-2B7B-49FF-B71E-EA4ECDC0B8ED}" destId="{8D6215B6-FDF4-4247-98F2-114EF9B73B6E}" srcOrd="4" destOrd="0" presId="urn:microsoft.com/office/officeart/2005/8/layout/vList5"/>
+    <dgm:cxn modelId="{F759FEC9-39D2-473D-B06D-527CD01E3600}" type="presParOf" srcId="{8D6215B6-FDF4-4247-98F2-114EF9B73B6E}" destId="{0554CB1F-96D7-4CCA-A21C-ACE41A45FF01}" srcOrd="0" destOrd="0" presId="urn:microsoft.com/office/officeart/2005/8/layout/vList5"/>
+    <dgm:cxn modelId="{6CF66857-65B5-48FD-AB09-4D9D3B768CC2}" type="presParOf" srcId="{D6728372-2B7B-49FF-B71E-EA4ECDC0B8ED}" destId="{DC8719D0-E9F1-405F-B862-0C33D1AED89C}" srcOrd="5" destOrd="0" presId="urn:microsoft.com/office/officeart/2005/8/layout/vList5"/>
+    <dgm:cxn modelId="{80B23CA3-59CD-4B6C-A5F6-4E9A6AFA081F}" type="presParOf" srcId="{D6728372-2B7B-49FF-B71E-EA4ECDC0B8ED}" destId="{A5B8B7E7-ADE8-4902-890F-B15D50B6A41C}" srcOrd="6" destOrd="0" presId="urn:microsoft.com/office/officeart/2005/8/layout/vList5"/>
+    <dgm:cxn modelId="{1E217FAE-753B-4517-9A36-F32ADD53B933}" type="presParOf" srcId="{A5B8B7E7-ADE8-4902-890F-B15D50B6A41C}" destId="{8AA6ACBC-7618-4D14-955B-15934B5CD4AD}" srcOrd="0" destOrd="0" presId="urn:microsoft.com/office/officeart/2005/8/layout/vList5"/>
+    <dgm:cxn modelId="{CC46AB18-A5A7-4CD3-B87C-5F57F86B3CC7}" type="presParOf" srcId="{D6728372-2B7B-49FF-B71E-EA4ECDC0B8ED}" destId="{E3CC9251-9ABF-4C99-9037-3873F31F4EF7}" srcOrd="7" destOrd="0" presId="urn:microsoft.com/office/officeart/2005/8/layout/vList5"/>
+    <dgm:cxn modelId="{B5CC0B91-03E1-4BFA-92C0-7BDB9C699D6C}" type="presParOf" srcId="{D6728372-2B7B-49FF-B71E-EA4ECDC0B8ED}" destId="{836CD103-12C8-42EE-9109-7A66D5AD7228}" srcOrd="8" destOrd="0" presId="urn:microsoft.com/office/officeart/2005/8/layout/vList5"/>
+    <dgm:cxn modelId="{28F0114C-EE50-40F7-8962-F307C5361B4F}" type="presParOf" srcId="{836CD103-12C8-42EE-9109-7A66D5AD7228}" destId="{B129A0FA-BE31-4BC5-A0C6-31CA3D2A54A8}" srcOrd="0" destOrd="0" presId="urn:microsoft.com/office/officeart/2005/8/layout/vList5"/>
+  </dgm:cxnLst>
+  <dgm:bg/>
+  <dgm:whole/>
+  <dgm:extLst>
+    <a:ext uri="http://schemas.microsoft.com/office/drawing/2008/diagram">
+      <dsp:dataModelExt xmlns:dsp="http://schemas.microsoft.com/office/drawing/2008/diagram" relId="rId6" minVer="http://schemas.openxmlformats.org/drawingml/2006/diagram"/>
+    </a:ext>
+  </dgm:extLst>
+</dgm:dataModel>
+</file>
+
+<file path=ppt/diagrams/drawing1.xml><?xml version="1.0" encoding="utf-8"?>
+<dsp:drawing xmlns:dgm="http://schemas.openxmlformats.org/drawingml/2006/diagram" xmlns:dsp="http://schemas.microsoft.com/office/drawing/2008/diagram" xmlns:a="http://schemas.openxmlformats.org/drawingml/2006/main">
+  <dsp:spTree>
+    <dsp:nvGrpSpPr>
+      <dsp:cNvPr id="0" name=""/>
+      <dsp:cNvGrpSpPr/>
+    </dsp:nvGrpSpPr>
+    <dsp:grpSpPr/>
+    <dsp:sp modelId="{4C83BBAD-402D-42B9-A87D-9AEDE9FA4B67}">
+      <dsp:nvSpPr>
+        <dsp:cNvPr id="0" name=""/>
+        <dsp:cNvSpPr/>
+      </dsp:nvSpPr>
+      <dsp:spPr>
+        <a:xfrm>
+          <a:off x="0" y="0"/>
+          <a:ext cx="10515600" cy="915310"/>
+        </a:xfrm>
+        <a:prstGeom prst="roundRect">
+          <a:avLst>
+            <a:gd name="adj" fmla="val 10000"/>
+          </a:avLst>
+        </a:prstGeom>
+        <a:solidFill>
+          <a:schemeClr val="accent2">
+            <a:tint val="40000"/>
+            <a:hueOff val="0"/>
+            <a:satOff val="0"/>
+            <a:lumOff val="0"/>
+            <a:alphaOff val="0"/>
+          </a:schemeClr>
+        </a:solidFill>
+        <a:ln>
+          <a:noFill/>
+        </a:ln>
+        <a:effectLst/>
+      </dsp:spPr>
+      <dsp:style>
+        <a:lnRef idx="0">
+          <a:scrgbClr r="0" g="0" b="0"/>
+        </a:lnRef>
+        <a:fillRef idx="1">
+          <a:scrgbClr r="0" g="0" b="0"/>
+        </a:fillRef>
+        <a:effectRef idx="0">
+          <a:scrgbClr r="0" g="0" b="0"/>
+        </a:effectRef>
+        <a:fontRef idx="minor"/>
+      </dsp:style>
+    </dsp:sp>
+    <dsp:sp modelId="{6AD6B27E-175E-4500-A368-F7A80AC3F18B}">
+      <dsp:nvSpPr>
+        <dsp:cNvPr id="0" name=""/>
+        <dsp:cNvSpPr/>
+      </dsp:nvSpPr>
+      <dsp:spPr>
+        <a:xfrm>
+          <a:off x="276881" y="207750"/>
+          <a:ext cx="503420" cy="503420"/>
+        </a:xfrm>
+        <a:prstGeom prst="rect">
+          <a:avLst/>
+        </a:prstGeom>
+        <a:blipFill>
+          <a:blip xmlns:r="http://schemas.openxmlformats.org/officeDocument/2006/relationships" r:embed="rId1">
+            <a:extLst>
+              <a:ext uri="{28A0092B-C50C-407E-A947-70E740481C1C}">
+                <a14:useLocalDpi xmlns:a14="http://schemas.microsoft.com/office/drawing/2010/main" val="0"/>
+              </a:ext>
+              <a:ext uri="{96DAC541-7B7A-43D3-8B79-37D633B846F1}">
+                <asvg:svgBlip xmlns:asvg="http://schemas.microsoft.com/office/drawing/2016/SVG/main" r:embed="rId2"/>
+              </a:ext>
+            </a:extLst>
+          </a:blip>
+          <a:stretch>
+            <a:fillRect/>
+          </a:stretch>
+        </a:blipFill>
+        <a:ln w="12700" cap="flat" cmpd="sng" algn="ctr">
+          <a:noFill/>
+          <a:prstDash val="solid"/>
+          <a:miter lim="800000"/>
+        </a:ln>
+        <a:effectLst/>
+      </dsp:spPr>
+      <dsp:style>
+        <a:lnRef idx="2">
+          <a:scrgbClr r="0" g="0" b="0"/>
+        </a:lnRef>
+        <a:fillRef idx="1">
+          <a:scrgbClr r="0" g="0" b="0"/>
+        </a:fillRef>
+        <a:effectRef idx="0">
+          <a:scrgbClr r="0" g="0" b="0"/>
+        </a:effectRef>
+        <a:fontRef idx="minor">
+          <a:schemeClr val="lt1"/>
+        </a:fontRef>
+      </dsp:style>
+    </dsp:sp>
+    <dsp:sp modelId="{25917953-B17D-443A-AEF5-95443822C6F4}">
+      <dsp:nvSpPr>
+        <dsp:cNvPr id="0" name=""/>
+        <dsp:cNvSpPr/>
+      </dsp:nvSpPr>
+      <dsp:spPr>
+        <a:xfrm>
+          <a:off x="1057183" y="1805"/>
+          <a:ext cx="9458416" cy="915310"/>
+        </a:xfrm>
+        <a:prstGeom prst="rect">
+          <a:avLst/>
+        </a:prstGeom>
+        <a:noFill/>
+        <a:ln>
+          <a:noFill/>
+        </a:ln>
+        <a:effectLst/>
+      </dsp:spPr>
+      <dsp:style>
+        <a:lnRef idx="0">
+          <a:scrgbClr r="0" g="0" b="0"/>
+        </a:lnRef>
+        <a:fillRef idx="0">
+          <a:scrgbClr r="0" g="0" b="0"/>
+        </a:fillRef>
+        <a:effectRef idx="0">
+          <a:scrgbClr r="0" g="0" b="0"/>
+        </a:effectRef>
+        <a:fontRef idx="minor"/>
+      </dsp:style>
+      <dsp:txBody>
+        <a:bodyPr spcFirstLastPara="0" vert="horz" wrap="square" lIns="96870" tIns="96870" rIns="96870" bIns="96870" numCol="1" spcCol="1270" anchor="ctr" anchorCtr="0">
+          <a:noAutofit/>
+        </a:bodyPr>
+        <a:lstStyle/>
+        <a:p>
+          <a:pPr marL="0" lvl="0" indent="0" algn="l" defTabSz="977900">
+            <a:lnSpc>
+              <a:spcPct val="90000"/>
+            </a:lnSpc>
+            <a:spcBef>
+              <a:spcPct val="0"/>
+            </a:spcBef>
+            <a:spcAft>
+              <a:spcPct val="35000"/>
+            </a:spcAft>
+            <a:buNone/>
+          </a:pPr>
+          <a:r>
+            <a:rPr lang="he-IL" sz="2200" b="1" u="sng" kern="1200"/>
+            <a:t>אבטחה</a:t>
+          </a:r>
+          <a:endParaRPr lang="en-US" sz="2200" kern="1200"/>
+        </a:p>
+      </dsp:txBody>
+      <dsp:txXfrm>
+        <a:off x="1057183" y="1805"/>
+        <a:ext cx="9458416" cy="915310"/>
+      </dsp:txXfrm>
+    </dsp:sp>
+    <dsp:sp modelId="{86D9ADF9-64D3-48E3-B73F-6D314A6DFE95}">
+      <dsp:nvSpPr>
+        <dsp:cNvPr id="0" name=""/>
+        <dsp:cNvSpPr/>
+      </dsp:nvSpPr>
+      <dsp:spPr>
+        <a:xfrm>
+          <a:off x="0" y="1145944"/>
+          <a:ext cx="10515600" cy="915310"/>
+        </a:xfrm>
+        <a:prstGeom prst="roundRect">
+          <a:avLst>
+            <a:gd name="adj" fmla="val 10000"/>
+          </a:avLst>
+        </a:prstGeom>
+        <a:solidFill>
+          <a:schemeClr val="accent2">
+            <a:tint val="40000"/>
+            <a:hueOff val="0"/>
+            <a:satOff val="0"/>
+            <a:lumOff val="0"/>
+            <a:alphaOff val="0"/>
+          </a:schemeClr>
+        </a:solidFill>
+        <a:ln>
+          <a:noFill/>
+        </a:ln>
+        <a:effectLst/>
+      </dsp:spPr>
+      <dsp:style>
+        <a:lnRef idx="0">
+          <a:scrgbClr r="0" g="0" b="0"/>
+        </a:lnRef>
+        <a:fillRef idx="1">
+          <a:scrgbClr r="0" g="0" b="0"/>
+        </a:fillRef>
+        <a:effectRef idx="0">
+          <a:scrgbClr r="0" g="0" b="0"/>
+        </a:effectRef>
+        <a:fontRef idx="minor"/>
+      </dsp:style>
+    </dsp:sp>
+    <dsp:sp modelId="{8F71E4A0-A361-4B7C-BF9F-0818BBB9EBC7}">
+      <dsp:nvSpPr>
+        <dsp:cNvPr id="0" name=""/>
+        <dsp:cNvSpPr/>
+      </dsp:nvSpPr>
+      <dsp:spPr>
+        <a:xfrm>
+          <a:off x="276881" y="1351889"/>
+          <a:ext cx="503420" cy="503420"/>
+        </a:xfrm>
+        <a:prstGeom prst="rect">
+          <a:avLst/>
+        </a:prstGeom>
+        <a:blipFill>
+          <a:blip xmlns:r="http://schemas.openxmlformats.org/officeDocument/2006/relationships" r:embed="rId3">
+            <a:extLst>
+              <a:ext uri="{28A0092B-C50C-407E-A947-70E740481C1C}">
+                <a14:useLocalDpi xmlns:a14="http://schemas.microsoft.com/office/drawing/2010/main" val="0"/>
+              </a:ext>
+              <a:ext uri="{96DAC541-7B7A-43D3-8B79-37D633B846F1}">
+                <asvg:svgBlip xmlns:asvg="http://schemas.microsoft.com/office/drawing/2016/SVG/main" r:embed="rId4"/>
+              </a:ext>
+            </a:extLst>
+          </a:blip>
+          <a:stretch>
+            <a:fillRect/>
+          </a:stretch>
+        </a:blipFill>
+        <a:ln w="12700" cap="flat" cmpd="sng" algn="ctr">
+          <a:noFill/>
+          <a:prstDash val="solid"/>
+          <a:miter lim="800000"/>
+        </a:ln>
+        <a:effectLst/>
+      </dsp:spPr>
+      <dsp:style>
+        <a:lnRef idx="2">
+          <a:scrgbClr r="0" g="0" b="0"/>
+        </a:lnRef>
+        <a:fillRef idx="1">
+          <a:scrgbClr r="0" g="0" b="0"/>
+        </a:fillRef>
+        <a:effectRef idx="0">
+          <a:scrgbClr r="0" g="0" b="0"/>
+        </a:effectRef>
+        <a:fontRef idx="minor">
+          <a:schemeClr val="lt1"/>
+        </a:fontRef>
+      </dsp:style>
+    </dsp:sp>
+    <dsp:sp modelId="{BF33BC19-2FAB-4B66-B7E2-D029A0427012}">
+      <dsp:nvSpPr>
+        <dsp:cNvPr id="0" name=""/>
+        <dsp:cNvSpPr/>
+      </dsp:nvSpPr>
+      <dsp:spPr>
+        <a:xfrm>
+          <a:off x="1057183" y="1145944"/>
+          <a:ext cx="9458416" cy="915310"/>
+        </a:xfrm>
+        <a:prstGeom prst="rect">
+          <a:avLst/>
+        </a:prstGeom>
+        <a:noFill/>
+        <a:ln>
+          <a:noFill/>
+        </a:ln>
+        <a:effectLst/>
+      </dsp:spPr>
+      <dsp:style>
+        <a:lnRef idx="0">
+          <a:scrgbClr r="0" g="0" b="0"/>
+        </a:lnRef>
+        <a:fillRef idx="0">
+          <a:scrgbClr r="0" g="0" b="0"/>
+        </a:fillRef>
+        <a:effectRef idx="0">
+          <a:scrgbClr r="0" g="0" b="0"/>
+        </a:effectRef>
+        <a:fontRef idx="minor"/>
+      </dsp:style>
+      <dsp:txBody>
+        <a:bodyPr spcFirstLastPara="0" vert="horz" wrap="square" lIns="96870" tIns="96870" rIns="96870" bIns="96870" numCol="1" spcCol="1270" anchor="ctr" anchorCtr="0">
+          <a:noAutofit/>
+        </a:bodyPr>
+        <a:lstStyle/>
+        <a:p>
+          <a:pPr marL="0" lvl="0" indent="0" algn="l" defTabSz="977900">
+            <a:lnSpc>
+              <a:spcPct val="90000"/>
+            </a:lnSpc>
+            <a:spcBef>
+              <a:spcPct val="0"/>
+            </a:spcBef>
+            <a:spcAft>
+              <a:spcPct val="35000"/>
+            </a:spcAft>
+            <a:buNone/>
+          </a:pPr>
+          <a:r>
+            <a:rPr lang="he-IL" sz="2200" kern="1200"/>
+            <a:t>הוספת ספרית </a:t>
+          </a:r>
+          <a:r>
+            <a:rPr lang="en-US" sz="2200" kern="1200"/>
+            <a:t>RSA</a:t>
+          </a:r>
+          <a:r>
+            <a:rPr lang="he-IL" sz="2200" kern="1200"/>
+            <a:t>2048 - הכוללת יצירת מפתחות</a:t>
+          </a:r>
+          <a:r>
+            <a:rPr lang="en-US" sz="2200" kern="1200"/>
+            <a:t>,</a:t>
+          </a:r>
+          <a:r>
+            <a:rPr lang="he-IL" sz="2200" kern="1200"/>
+            <a:t> הצפנה ופיענוח </a:t>
+          </a:r>
+          <a:endParaRPr lang="en-US" sz="2200" kern="1200"/>
+        </a:p>
+      </dsp:txBody>
+      <dsp:txXfrm>
+        <a:off x="1057183" y="1145944"/>
+        <a:ext cx="9458416" cy="915310"/>
+      </dsp:txXfrm>
+    </dsp:sp>
+    <dsp:sp modelId="{D6FDE333-0C75-4040-8079-490674E8B959}">
+      <dsp:nvSpPr>
+        <dsp:cNvPr id="0" name=""/>
+        <dsp:cNvSpPr/>
+      </dsp:nvSpPr>
+      <dsp:spPr>
+        <a:xfrm>
+          <a:off x="0" y="2290082"/>
+          <a:ext cx="10515600" cy="915310"/>
+        </a:xfrm>
+        <a:prstGeom prst="roundRect">
+          <a:avLst>
+            <a:gd name="adj" fmla="val 10000"/>
+          </a:avLst>
+        </a:prstGeom>
+        <a:solidFill>
+          <a:schemeClr val="accent2">
+            <a:tint val="40000"/>
+            <a:hueOff val="0"/>
+            <a:satOff val="0"/>
+            <a:lumOff val="0"/>
+            <a:alphaOff val="0"/>
+          </a:schemeClr>
+        </a:solidFill>
+        <a:ln>
+          <a:noFill/>
+        </a:ln>
+        <a:effectLst/>
+      </dsp:spPr>
+      <dsp:style>
+        <a:lnRef idx="0">
+          <a:scrgbClr r="0" g="0" b="0"/>
+        </a:lnRef>
+        <a:fillRef idx="1">
+          <a:scrgbClr r="0" g="0" b="0"/>
+        </a:fillRef>
+        <a:effectRef idx="0">
+          <a:scrgbClr r="0" g="0" b="0"/>
+        </a:effectRef>
+        <a:fontRef idx="minor"/>
+      </dsp:style>
+    </dsp:sp>
+    <dsp:sp modelId="{123D2AFD-DDD2-4DE4-B42D-D1164E7E15EE}">
+      <dsp:nvSpPr>
+        <dsp:cNvPr id="0" name=""/>
+        <dsp:cNvSpPr/>
+      </dsp:nvSpPr>
+      <dsp:spPr>
+        <a:xfrm>
+          <a:off x="276881" y="2496027"/>
+          <a:ext cx="503420" cy="503420"/>
+        </a:xfrm>
+        <a:prstGeom prst="rect">
+          <a:avLst/>
+        </a:prstGeom>
+        <a:blipFill>
+          <a:blip xmlns:r="http://schemas.openxmlformats.org/officeDocument/2006/relationships" r:embed="rId5">
+            <a:extLst>
+              <a:ext uri="{28A0092B-C50C-407E-A947-70E740481C1C}">
+                <a14:useLocalDpi xmlns:a14="http://schemas.microsoft.com/office/drawing/2010/main" val="0"/>
+              </a:ext>
+              <a:ext uri="{96DAC541-7B7A-43D3-8B79-37D633B846F1}">
+                <asvg:svgBlip xmlns:asvg="http://schemas.microsoft.com/office/drawing/2016/SVG/main" r:embed="rId6"/>
+              </a:ext>
+            </a:extLst>
+          </a:blip>
+          <a:stretch>
+            <a:fillRect/>
+          </a:stretch>
+        </a:blipFill>
+        <a:ln w="12700" cap="flat" cmpd="sng" algn="ctr">
+          <a:noFill/>
+          <a:prstDash val="solid"/>
+          <a:miter lim="800000"/>
+        </a:ln>
+        <a:effectLst/>
+      </dsp:spPr>
+      <dsp:style>
+        <a:lnRef idx="2">
+          <a:scrgbClr r="0" g="0" b="0"/>
+        </a:lnRef>
+        <a:fillRef idx="1">
+          <a:scrgbClr r="0" g="0" b="0"/>
+        </a:fillRef>
+        <a:effectRef idx="0">
+          <a:scrgbClr r="0" g="0" b="0"/>
+        </a:effectRef>
+        <a:fontRef idx="minor">
+          <a:schemeClr val="lt1"/>
+        </a:fontRef>
+      </dsp:style>
+    </dsp:sp>
+    <dsp:sp modelId="{6A34F60D-6A85-402A-8CDE-652DBAB8F15F}">
+      <dsp:nvSpPr>
+        <dsp:cNvPr id="0" name=""/>
+        <dsp:cNvSpPr/>
+      </dsp:nvSpPr>
+      <dsp:spPr>
+        <a:xfrm>
+          <a:off x="1057183" y="2290082"/>
+          <a:ext cx="9458416" cy="915310"/>
+        </a:xfrm>
+        <a:prstGeom prst="rect">
+          <a:avLst/>
+        </a:prstGeom>
+        <a:noFill/>
+        <a:ln>
+          <a:noFill/>
+        </a:ln>
+        <a:effectLst/>
+      </dsp:spPr>
+      <dsp:style>
+        <a:lnRef idx="0">
+          <a:scrgbClr r="0" g="0" b="0"/>
+        </a:lnRef>
+        <a:fillRef idx="0">
+          <a:scrgbClr r="0" g="0" b="0"/>
+        </a:fillRef>
+        <a:effectRef idx="0">
+          <a:scrgbClr r="0" g="0" b="0"/>
+        </a:effectRef>
+        <a:fontRef idx="minor"/>
+      </dsp:style>
+      <dsp:txBody>
+        <a:bodyPr spcFirstLastPara="0" vert="horz" wrap="square" lIns="96870" tIns="96870" rIns="96870" bIns="96870" numCol="1" spcCol="1270" anchor="ctr" anchorCtr="0">
+          <a:noAutofit/>
+        </a:bodyPr>
+        <a:lstStyle/>
+        <a:p>
+          <a:pPr marL="0" lvl="0" indent="0" algn="l" defTabSz="977900">
+            <a:lnSpc>
+              <a:spcPct val="90000"/>
+            </a:lnSpc>
+            <a:spcBef>
+              <a:spcPct val="0"/>
+            </a:spcBef>
+            <a:spcAft>
+              <a:spcPct val="35000"/>
+            </a:spcAft>
+            <a:buNone/>
+          </a:pPr>
+          <a:r>
+            <a:rPr lang="he-IL" sz="2200" kern="1200"/>
+            <a:t>שילוב ספריה זאת בקוד הקיים – בחילוף מפתחות הצפנה </a:t>
+          </a:r>
+          <a:endParaRPr lang="en-US" sz="2200" kern="1200"/>
+        </a:p>
+      </dsp:txBody>
+      <dsp:txXfrm>
+        <a:off x="1057183" y="2290082"/>
+        <a:ext cx="9458416" cy="915310"/>
+      </dsp:txXfrm>
+    </dsp:sp>
+    <dsp:sp modelId="{B147F9D1-B337-467B-B7B0-C3D7D66283EB}">
+      <dsp:nvSpPr>
+        <dsp:cNvPr id="0" name=""/>
+        <dsp:cNvSpPr/>
+      </dsp:nvSpPr>
+      <dsp:spPr>
+        <a:xfrm>
+          <a:off x="0" y="3434221"/>
+          <a:ext cx="10515600" cy="915310"/>
+        </a:xfrm>
+        <a:prstGeom prst="roundRect">
+          <a:avLst>
+            <a:gd name="adj" fmla="val 10000"/>
+          </a:avLst>
+        </a:prstGeom>
+        <a:solidFill>
+          <a:schemeClr val="accent2">
+            <a:tint val="40000"/>
+            <a:hueOff val="0"/>
+            <a:satOff val="0"/>
+            <a:lumOff val="0"/>
+            <a:alphaOff val="0"/>
+          </a:schemeClr>
+        </a:solidFill>
+        <a:ln>
+          <a:noFill/>
+        </a:ln>
+        <a:effectLst/>
+      </dsp:spPr>
+      <dsp:style>
+        <a:lnRef idx="0">
+          <a:scrgbClr r="0" g="0" b="0"/>
+        </a:lnRef>
+        <a:fillRef idx="1">
+          <a:scrgbClr r="0" g="0" b="0"/>
+        </a:fillRef>
+        <a:effectRef idx="0">
+          <a:scrgbClr r="0" g="0" b="0"/>
+        </a:effectRef>
+        <a:fontRef idx="minor"/>
+      </dsp:style>
+    </dsp:sp>
+    <dsp:sp modelId="{82F7D6FE-9ED9-4C99-9989-38A507AD50B7}">
+      <dsp:nvSpPr>
+        <dsp:cNvPr id="0" name=""/>
+        <dsp:cNvSpPr/>
+      </dsp:nvSpPr>
+      <dsp:spPr>
+        <a:xfrm>
+          <a:off x="276881" y="3640166"/>
+          <a:ext cx="503420" cy="503420"/>
+        </a:xfrm>
+        <a:prstGeom prst="rect">
+          <a:avLst/>
+        </a:prstGeom>
+        <a:blipFill>
+          <a:blip xmlns:r="http://schemas.openxmlformats.org/officeDocument/2006/relationships" r:embed="rId7">
+            <a:extLst>
+              <a:ext uri="{28A0092B-C50C-407E-A947-70E740481C1C}">
+                <a14:useLocalDpi xmlns:a14="http://schemas.microsoft.com/office/drawing/2010/main" val="0"/>
+              </a:ext>
+              <a:ext uri="{96DAC541-7B7A-43D3-8B79-37D633B846F1}">
+                <asvg:svgBlip xmlns:asvg="http://schemas.microsoft.com/office/drawing/2016/SVG/main" r:embed="rId8"/>
+              </a:ext>
+            </a:extLst>
+          </a:blip>
+          <a:stretch>
+            <a:fillRect/>
+          </a:stretch>
+        </a:blipFill>
+        <a:ln w="12700" cap="flat" cmpd="sng" algn="ctr">
+          <a:noFill/>
+          <a:prstDash val="solid"/>
+          <a:miter lim="800000"/>
+        </a:ln>
+        <a:effectLst/>
+      </dsp:spPr>
+      <dsp:style>
+        <a:lnRef idx="2">
+          <a:scrgbClr r="0" g="0" b="0"/>
+        </a:lnRef>
+        <a:fillRef idx="1">
+          <a:scrgbClr r="0" g="0" b="0"/>
+        </a:fillRef>
+        <a:effectRef idx="0">
+          <a:scrgbClr r="0" g="0" b="0"/>
+        </a:effectRef>
+        <a:fontRef idx="minor">
+          <a:schemeClr val="lt1"/>
+        </a:fontRef>
+      </dsp:style>
+    </dsp:sp>
+    <dsp:sp modelId="{E13556FC-8687-46A3-B0CA-B8FC50EA884F}">
+      <dsp:nvSpPr>
+        <dsp:cNvPr id="0" name=""/>
+        <dsp:cNvSpPr/>
+      </dsp:nvSpPr>
+      <dsp:spPr>
+        <a:xfrm>
+          <a:off x="1057183" y="3434221"/>
+          <a:ext cx="9458416" cy="915310"/>
+        </a:xfrm>
+        <a:prstGeom prst="rect">
+          <a:avLst/>
+        </a:prstGeom>
+        <a:noFill/>
+        <a:ln>
+          <a:noFill/>
+        </a:ln>
+        <a:effectLst/>
+      </dsp:spPr>
+      <dsp:style>
+        <a:lnRef idx="0">
+          <a:scrgbClr r="0" g="0" b="0"/>
+        </a:lnRef>
+        <a:fillRef idx="0">
+          <a:scrgbClr r="0" g="0" b="0"/>
+        </a:fillRef>
+        <a:effectRef idx="0">
+          <a:scrgbClr r="0" g="0" b="0"/>
+        </a:effectRef>
+        <a:fontRef idx="minor"/>
+      </dsp:style>
+      <dsp:txBody>
+        <a:bodyPr spcFirstLastPara="0" vert="horz" wrap="square" lIns="96870" tIns="96870" rIns="96870" bIns="96870" numCol="1" spcCol="1270" anchor="ctr" anchorCtr="0">
+          <a:noAutofit/>
+        </a:bodyPr>
+        <a:lstStyle/>
+        <a:p>
+          <a:pPr marL="0" lvl="0" indent="0" algn="l" defTabSz="977900">
+            <a:lnSpc>
+              <a:spcPct val="90000"/>
+            </a:lnSpc>
+            <a:spcBef>
+              <a:spcPct val="0"/>
+            </a:spcBef>
+            <a:spcAft>
+              <a:spcPct val="35000"/>
+            </a:spcAft>
+            <a:buNone/>
+          </a:pPr>
+          <a:r>
+            <a:rPr lang="he-IL" sz="2200" kern="1200"/>
+            <a:t>סיום השלד – פיקוח על מצב של קריסה וטיפול מתאים </a:t>
+          </a:r>
+          <a:endParaRPr lang="en-US" sz="2200" kern="1200"/>
+        </a:p>
+      </dsp:txBody>
+      <dsp:txXfrm>
+        <a:off x="1057183" y="3434221"/>
+        <a:ext cx="9458416" cy="915310"/>
+      </dsp:txXfrm>
+    </dsp:sp>
+  </dsp:spTree>
+</dsp:drawing>
+</file>
+
+<file path=ppt/diagrams/drawing2.xml><?xml version="1.0" encoding="utf-8"?>
+<dsp:drawing xmlns:dgm="http://schemas.openxmlformats.org/drawingml/2006/diagram" xmlns:dsp="http://schemas.microsoft.com/office/drawing/2008/diagram" xmlns:a="http://schemas.openxmlformats.org/drawingml/2006/main">
+  <dsp:spTree>
+    <dsp:nvGrpSpPr>
+      <dsp:cNvPr id="0" name=""/>
+      <dsp:cNvGrpSpPr/>
+    </dsp:nvGrpSpPr>
+    <dsp:grpSpPr/>
+    <dsp:sp modelId="{8460C324-AC46-4AD5-9FFF-49B86AF6BFBC}">
+      <dsp:nvSpPr>
+        <dsp:cNvPr id="0" name=""/>
+        <dsp:cNvSpPr/>
+      </dsp:nvSpPr>
+      <dsp:spPr>
+        <a:xfrm>
+          <a:off x="3364992" y="1912"/>
+          <a:ext cx="3785616" cy="836060"/>
+        </a:xfrm>
+        <a:prstGeom prst="roundRect">
+          <a:avLst/>
+        </a:prstGeom>
+        <a:gradFill rotWithShape="0">
+          <a:gsLst>
+            <a:gs pos="0">
+              <a:schemeClr val="accent3">
+                <a:hueOff val="0"/>
+                <a:satOff val="0"/>
+                <a:lumOff val="0"/>
+                <a:alphaOff val="0"/>
+                <a:satMod val="103000"/>
+                <a:lumMod val="102000"/>
+                <a:tint val="94000"/>
+              </a:schemeClr>
+            </a:gs>
+            <a:gs pos="50000">
+              <a:schemeClr val="accent3">
+                <a:hueOff val="0"/>
+                <a:satOff val="0"/>
+                <a:lumOff val="0"/>
+                <a:alphaOff val="0"/>
+                <a:satMod val="110000"/>
+                <a:lumMod val="100000"/>
+                <a:shade val="100000"/>
+              </a:schemeClr>
+            </a:gs>
+            <a:gs pos="100000">
+              <a:schemeClr val="accent3">
+                <a:hueOff val="0"/>
+                <a:satOff val="0"/>
+                <a:lumOff val="0"/>
+                <a:alphaOff val="0"/>
+                <a:lumMod val="99000"/>
+                <a:satMod val="120000"/>
+                <a:shade val="78000"/>
+              </a:schemeClr>
+            </a:gs>
+          </a:gsLst>
+          <a:lin ang="5400000" scaled="0"/>
+        </a:gradFill>
+        <a:ln>
+          <a:noFill/>
+        </a:ln>
+        <a:effectLst>
+          <a:outerShdw blurRad="57150" dist="19050" dir="5400000" algn="ctr" rotWithShape="0">
+            <a:srgbClr val="000000">
+              <a:alpha val="63000"/>
+            </a:srgbClr>
+          </a:outerShdw>
+        </a:effectLst>
+      </dsp:spPr>
+      <dsp:style>
+        <a:lnRef idx="0">
+          <a:scrgbClr r="0" g="0" b="0"/>
+        </a:lnRef>
+        <a:fillRef idx="3">
+          <a:scrgbClr r="0" g="0" b="0"/>
+        </a:fillRef>
+        <a:effectRef idx="3">
+          <a:scrgbClr r="0" g="0" b="0"/>
+        </a:effectRef>
+        <a:fontRef idx="minor">
+          <a:schemeClr val="lt1"/>
+        </a:fontRef>
+      </dsp:style>
+      <dsp:txBody>
+        <a:bodyPr spcFirstLastPara="0" vert="horz" wrap="square" lIns="64770" tIns="32385" rIns="64770" bIns="32385" numCol="1" spcCol="1270" anchor="ctr" anchorCtr="0">
+          <a:noAutofit/>
+        </a:bodyPr>
+        <a:lstStyle/>
+        <a:p>
+          <a:pPr marL="0" lvl="0" indent="0" algn="ctr" defTabSz="755650">
+            <a:lnSpc>
+              <a:spcPct val="90000"/>
+            </a:lnSpc>
+            <a:spcBef>
+              <a:spcPct val="0"/>
+            </a:spcBef>
+            <a:spcAft>
+              <a:spcPct val="35000"/>
+            </a:spcAft>
+            <a:buNone/>
+          </a:pPr>
+          <a:r>
+            <a:rPr lang="he-IL" sz="1700" b="1" u="sng" kern="1200" dirty="0"/>
+            <a:t>שימור </a:t>
+          </a:r>
+          <a:endParaRPr lang="en-US" sz="1700" kern="1200" dirty="0"/>
+        </a:p>
+      </dsp:txBody>
+      <dsp:txXfrm>
+        <a:off x="3405805" y="42725"/>
+        <a:ext cx="3703990" cy="754434"/>
+      </dsp:txXfrm>
+    </dsp:sp>
+    <dsp:sp modelId="{D7B31EC9-EB2A-44EF-BB3D-DE693FFA5E03}">
+      <dsp:nvSpPr>
+        <dsp:cNvPr id="0" name=""/>
+        <dsp:cNvSpPr/>
+      </dsp:nvSpPr>
+      <dsp:spPr>
+        <a:xfrm>
+          <a:off x="3364992" y="879775"/>
+          <a:ext cx="3785616" cy="836060"/>
+        </a:xfrm>
+        <a:prstGeom prst="roundRect">
+          <a:avLst/>
+        </a:prstGeom>
+        <a:gradFill rotWithShape="0">
+          <a:gsLst>
+            <a:gs pos="0">
+              <a:schemeClr val="accent3">
+                <a:hueOff val="0"/>
+                <a:satOff val="0"/>
+                <a:lumOff val="0"/>
+                <a:alphaOff val="0"/>
+                <a:satMod val="103000"/>
+                <a:lumMod val="102000"/>
+                <a:tint val="94000"/>
+              </a:schemeClr>
+            </a:gs>
+            <a:gs pos="50000">
+              <a:schemeClr val="accent3">
+                <a:hueOff val="0"/>
+                <a:satOff val="0"/>
+                <a:lumOff val="0"/>
+                <a:alphaOff val="0"/>
+                <a:satMod val="110000"/>
+                <a:lumMod val="100000"/>
+                <a:shade val="100000"/>
+              </a:schemeClr>
+            </a:gs>
+            <a:gs pos="100000">
+              <a:schemeClr val="accent3">
+                <a:hueOff val="0"/>
+                <a:satOff val="0"/>
+                <a:lumOff val="0"/>
+                <a:alphaOff val="0"/>
+                <a:lumMod val="99000"/>
+                <a:satMod val="120000"/>
+                <a:shade val="78000"/>
+              </a:schemeClr>
+            </a:gs>
+          </a:gsLst>
+          <a:lin ang="5400000" scaled="0"/>
+        </a:gradFill>
+        <a:ln>
+          <a:noFill/>
+        </a:ln>
+        <a:effectLst>
+          <a:outerShdw blurRad="57150" dist="19050" dir="5400000" algn="ctr" rotWithShape="0">
+            <a:srgbClr val="000000">
+              <a:alpha val="63000"/>
+            </a:srgbClr>
+          </a:outerShdw>
+        </a:effectLst>
+      </dsp:spPr>
+      <dsp:style>
+        <a:lnRef idx="0">
+          <a:scrgbClr r="0" g="0" b="0"/>
+        </a:lnRef>
+        <a:fillRef idx="3">
+          <a:scrgbClr r="0" g="0" b="0"/>
+        </a:fillRef>
+        <a:effectRef idx="3">
+          <a:scrgbClr r="0" g="0" b="0"/>
+        </a:effectRef>
+        <a:fontRef idx="minor">
+          <a:schemeClr val="lt1"/>
+        </a:fontRef>
+      </dsp:style>
+      <dsp:txBody>
+        <a:bodyPr spcFirstLastPara="0" vert="horz" wrap="square" lIns="64770" tIns="32385" rIns="64770" bIns="32385" numCol="1" spcCol="1270" anchor="ctr" anchorCtr="0">
+          <a:noAutofit/>
+        </a:bodyPr>
+        <a:lstStyle/>
+        <a:p>
+          <a:pPr marL="0" lvl="0" indent="0" algn="ctr" defTabSz="755650">
+            <a:lnSpc>
+              <a:spcPct val="90000"/>
+            </a:lnSpc>
+            <a:spcBef>
+              <a:spcPct val="0"/>
+            </a:spcBef>
+            <a:spcAft>
+              <a:spcPct val="35000"/>
+            </a:spcAft>
+            <a:buNone/>
+          </a:pPr>
+          <a:r>
+            <a:rPr lang="he-IL" sz="1700" kern="1200"/>
+            <a:t>להמשיך לעבוד כמו שאנחנו עובדים בשיתוף פעולה ככה שלשנינו היה ידע על כל הפרויקט</a:t>
+          </a:r>
+          <a:endParaRPr lang="en-US" sz="1700" kern="1200"/>
+        </a:p>
+      </dsp:txBody>
+      <dsp:txXfrm>
+        <a:off x="3405805" y="920588"/>
+        <a:ext cx="3703990" cy="754434"/>
+      </dsp:txXfrm>
+    </dsp:sp>
+    <dsp:sp modelId="{0554CB1F-96D7-4CCA-A21C-ACE41A45FF01}">
+      <dsp:nvSpPr>
+        <dsp:cNvPr id="0" name=""/>
+        <dsp:cNvSpPr/>
+      </dsp:nvSpPr>
+      <dsp:spPr>
+        <a:xfrm>
+          <a:off x="3364992" y="1757638"/>
+          <a:ext cx="3785616" cy="836060"/>
+        </a:xfrm>
+        <a:prstGeom prst="roundRect">
+          <a:avLst/>
+        </a:prstGeom>
+        <a:gradFill rotWithShape="0">
+          <a:gsLst>
+            <a:gs pos="0">
+              <a:schemeClr val="accent3">
+                <a:hueOff val="0"/>
+                <a:satOff val="0"/>
+                <a:lumOff val="0"/>
+                <a:alphaOff val="0"/>
+                <a:satMod val="103000"/>
+                <a:lumMod val="102000"/>
+                <a:tint val="94000"/>
+              </a:schemeClr>
+            </a:gs>
+            <a:gs pos="50000">
+              <a:schemeClr val="accent3">
+                <a:hueOff val="0"/>
+                <a:satOff val="0"/>
+                <a:lumOff val="0"/>
+                <a:alphaOff val="0"/>
+                <a:satMod val="110000"/>
+                <a:lumMod val="100000"/>
+                <a:shade val="100000"/>
+              </a:schemeClr>
+            </a:gs>
+            <a:gs pos="100000">
+              <a:schemeClr val="accent3">
+                <a:hueOff val="0"/>
+                <a:satOff val="0"/>
+                <a:lumOff val="0"/>
+                <a:alphaOff val="0"/>
+                <a:lumMod val="99000"/>
+                <a:satMod val="120000"/>
+                <a:shade val="78000"/>
+              </a:schemeClr>
+            </a:gs>
+          </a:gsLst>
+          <a:lin ang="5400000" scaled="0"/>
+        </a:gradFill>
+        <a:ln>
+          <a:noFill/>
+        </a:ln>
+        <a:effectLst>
+          <a:outerShdw blurRad="57150" dist="19050" dir="5400000" algn="ctr" rotWithShape="0">
+            <a:srgbClr val="000000">
+              <a:alpha val="63000"/>
+            </a:srgbClr>
+          </a:outerShdw>
+        </a:effectLst>
+      </dsp:spPr>
+      <dsp:style>
+        <a:lnRef idx="0">
+          <a:scrgbClr r="0" g="0" b="0"/>
+        </a:lnRef>
+        <a:fillRef idx="3">
+          <a:scrgbClr r="0" g="0" b="0"/>
+        </a:fillRef>
+        <a:effectRef idx="3">
+          <a:scrgbClr r="0" g="0" b="0"/>
+        </a:effectRef>
+        <a:fontRef idx="minor">
+          <a:schemeClr val="lt1"/>
+        </a:fontRef>
+      </dsp:style>
+      <dsp:txBody>
+        <a:bodyPr spcFirstLastPara="0" vert="horz" wrap="square" lIns="64770" tIns="32385" rIns="64770" bIns="32385" numCol="1" spcCol="1270" anchor="ctr" anchorCtr="0">
+          <a:noAutofit/>
+        </a:bodyPr>
+        <a:lstStyle/>
+        <a:p>
+          <a:pPr marL="0" lvl="0" indent="0" algn="ctr" defTabSz="755650" rtl="1">
+            <a:lnSpc>
+              <a:spcPct val="90000"/>
+            </a:lnSpc>
+            <a:spcBef>
+              <a:spcPct val="0"/>
+            </a:spcBef>
+            <a:spcAft>
+              <a:spcPct val="35000"/>
+            </a:spcAft>
+            <a:buNone/>
+          </a:pPr>
+          <a:r>
+            <a:rPr lang="he-IL" sz="1700" kern="1200" dirty="0"/>
+            <a:t>חלוקת המשימות וניהול ה</a:t>
+          </a:r>
+          <a:r>
+            <a:rPr lang="en-US" sz="1700" kern="1200" dirty="0"/>
+            <a:t>git</a:t>
+          </a:r>
+          <a:r>
+            <a:rPr lang="he-IL" sz="1700" kern="1200" dirty="0"/>
+            <a:t> </a:t>
+          </a:r>
+          <a:endParaRPr lang="en-US" sz="1700" kern="1200" dirty="0"/>
+        </a:p>
+      </dsp:txBody>
+      <dsp:txXfrm>
+        <a:off x="3405805" y="1798451"/>
+        <a:ext cx="3703990" cy="754434"/>
+      </dsp:txXfrm>
+    </dsp:sp>
+    <dsp:sp modelId="{8AA6ACBC-7618-4D14-955B-15934B5CD4AD}">
+      <dsp:nvSpPr>
+        <dsp:cNvPr id="0" name=""/>
+        <dsp:cNvSpPr/>
+      </dsp:nvSpPr>
+      <dsp:spPr>
+        <a:xfrm>
+          <a:off x="3364992" y="2635502"/>
+          <a:ext cx="3785616" cy="836060"/>
+        </a:xfrm>
+        <a:prstGeom prst="roundRect">
+          <a:avLst/>
+        </a:prstGeom>
+        <a:gradFill rotWithShape="0">
+          <a:gsLst>
+            <a:gs pos="0">
+              <a:schemeClr val="accent3">
+                <a:hueOff val="0"/>
+                <a:satOff val="0"/>
+                <a:lumOff val="0"/>
+                <a:alphaOff val="0"/>
+                <a:satMod val="103000"/>
+                <a:lumMod val="102000"/>
+                <a:tint val="94000"/>
+              </a:schemeClr>
+            </a:gs>
+            <a:gs pos="50000">
+              <a:schemeClr val="accent3">
+                <a:hueOff val="0"/>
+                <a:satOff val="0"/>
+                <a:lumOff val="0"/>
+                <a:alphaOff val="0"/>
+                <a:satMod val="110000"/>
+                <a:lumMod val="100000"/>
+                <a:shade val="100000"/>
+              </a:schemeClr>
+            </a:gs>
+            <a:gs pos="100000">
+              <a:schemeClr val="accent3">
+                <a:hueOff val="0"/>
+                <a:satOff val="0"/>
+                <a:lumOff val="0"/>
+                <a:alphaOff val="0"/>
+                <a:lumMod val="99000"/>
+                <a:satMod val="120000"/>
+                <a:shade val="78000"/>
+              </a:schemeClr>
+            </a:gs>
+          </a:gsLst>
+          <a:lin ang="5400000" scaled="0"/>
+        </a:gradFill>
+        <a:ln>
+          <a:noFill/>
+        </a:ln>
+        <a:effectLst>
+          <a:outerShdw blurRad="57150" dist="19050" dir="5400000" algn="ctr" rotWithShape="0">
+            <a:srgbClr val="000000">
+              <a:alpha val="63000"/>
+            </a:srgbClr>
+          </a:outerShdw>
+        </a:effectLst>
+      </dsp:spPr>
+      <dsp:style>
+        <a:lnRef idx="0">
+          <a:scrgbClr r="0" g="0" b="0"/>
+        </a:lnRef>
+        <a:fillRef idx="3">
+          <a:scrgbClr r="0" g="0" b="0"/>
+        </a:fillRef>
+        <a:effectRef idx="3">
+          <a:scrgbClr r="0" g="0" b="0"/>
+        </a:effectRef>
+        <a:fontRef idx="minor">
+          <a:schemeClr val="lt1"/>
+        </a:fontRef>
+      </dsp:style>
+      <dsp:txBody>
+        <a:bodyPr spcFirstLastPara="0" vert="horz" wrap="square" lIns="64770" tIns="32385" rIns="64770" bIns="32385" numCol="1" spcCol="1270" anchor="ctr" anchorCtr="0">
+          <a:noAutofit/>
+        </a:bodyPr>
+        <a:lstStyle/>
+        <a:p>
+          <a:pPr marL="0" lvl="0" indent="0" algn="ctr" defTabSz="755650" rtl="1">
+            <a:lnSpc>
+              <a:spcPct val="90000"/>
+            </a:lnSpc>
+            <a:spcBef>
+              <a:spcPct val="0"/>
+            </a:spcBef>
+            <a:spcAft>
+              <a:spcPct val="35000"/>
+            </a:spcAft>
+            <a:buNone/>
+          </a:pPr>
+          <a:r>
+            <a:rPr lang="he-IL" sz="1700" kern="1200" dirty="0"/>
+            <a:t>שיחות סטטוס ומעקב של שנינו על ההתקדמות </a:t>
+          </a:r>
+          <a:r>
+            <a:rPr lang="en-US" sz="1700" kern="1200" dirty="0"/>
+            <a:t>code </a:t>
+          </a:r>
+          <a:r>
+            <a:rPr lang="en-US" sz="1700" kern="1200" dirty="0" err="1"/>
+            <a:t>reviwe</a:t>
+          </a:r>
+          <a:r>
+            <a:rPr lang="en-US" sz="1700" kern="1200" dirty="0"/>
+            <a:t>)</a:t>
+          </a:r>
+          <a:r>
+            <a:rPr lang="he-IL" sz="1700" kern="1200" dirty="0"/>
+            <a:t>)</a:t>
+          </a:r>
+          <a:endParaRPr lang="en-US" sz="1700" kern="1200" dirty="0"/>
+        </a:p>
+      </dsp:txBody>
+      <dsp:txXfrm>
+        <a:off x="3405805" y="2676315"/>
+        <a:ext cx="3703990" cy="754434"/>
+      </dsp:txXfrm>
+    </dsp:sp>
+    <dsp:sp modelId="{B129A0FA-BE31-4BC5-A0C6-31CA3D2A54A8}">
+      <dsp:nvSpPr>
+        <dsp:cNvPr id="0" name=""/>
+        <dsp:cNvSpPr/>
+      </dsp:nvSpPr>
+      <dsp:spPr>
+        <a:xfrm>
+          <a:off x="3364992" y="3513365"/>
+          <a:ext cx="3785616" cy="836060"/>
+        </a:xfrm>
+        <a:prstGeom prst="roundRect">
+          <a:avLst/>
+        </a:prstGeom>
+        <a:gradFill rotWithShape="0">
+          <a:gsLst>
+            <a:gs pos="0">
+              <a:schemeClr val="accent3">
+                <a:hueOff val="0"/>
+                <a:satOff val="0"/>
+                <a:lumOff val="0"/>
+                <a:alphaOff val="0"/>
+                <a:satMod val="103000"/>
+                <a:lumMod val="102000"/>
+                <a:tint val="94000"/>
+              </a:schemeClr>
+            </a:gs>
+            <a:gs pos="50000">
+              <a:schemeClr val="accent3">
+                <a:hueOff val="0"/>
+                <a:satOff val="0"/>
+                <a:lumOff val="0"/>
+                <a:alphaOff val="0"/>
+                <a:satMod val="110000"/>
+                <a:lumMod val="100000"/>
+                <a:shade val="100000"/>
+              </a:schemeClr>
+            </a:gs>
+            <a:gs pos="100000">
+              <a:schemeClr val="accent3">
+                <a:hueOff val="0"/>
+                <a:satOff val="0"/>
+                <a:lumOff val="0"/>
+                <a:alphaOff val="0"/>
+                <a:lumMod val="99000"/>
+                <a:satMod val="120000"/>
+                <a:shade val="78000"/>
+              </a:schemeClr>
+            </a:gs>
+          </a:gsLst>
+          <a:lin ang="5400000" scaled="0"/>
+        </a:gradFill>
+        <a:ln>
+          <a:noFill/>
+        </a:ln>
+        <a:effectLst>
+          <a:outerShdw blurRad="57150" dist="19050" dir="5400000" algn="ctr" rotWithShape="0">
+            <a:srgbClr val="000000">
+              <a:alpha val="63000"/>
+            </a:srgbClr>
+          </a:outerShdw>
+        </a:effectLst>
+      </dsp:spPr>
+      <dsp:style>
+        <a:lnRef idx="0">
+          <a:scrgbClr r="0" g="0" b="0"/>
+        </a:lnRef>
+        <a:fillRef idx="3">
+          <a:scrgbClr r="0" g="0" b="0"/>
+        </a:fillRef>
+        <a:effectRef idx="3">
+          <a:scrgbClr r="0" g="0" b="0"/>
+        </a:effectRef>
+        <a:fontRef idx="minor">
+          <a:schemeClr val="lt1"/>
+        </a:fontRef>
+      </dsp:style>
+      <dsp:txBody>
+        <a:bodyPr spcFirstLastPara="0" vert="horz" wrap="square" lIns="64770" tIns="32385" rIns="64770" bIns="32385" numCol="1" spcCol="1270" anchor="ctr" anchorCtr="0">
+          <a:noAutofit/>
+        </a:bodyPr>
+        <a:lstStyle/>
+        <a:p>
+          <a:pPr marL="0" lvl="0" indent="0" algn="ctr" defTabSz="755650">
+            <a:lnSpc>
+              <a:spcPct val="90000"/>
+            </a:lnSpc>
+            <a:spcBef>
+              <a:spcPct val="0"/>
+            </a:spcBef>
+            <a:spcAft>
+              <a:spcPct val="35000"/>
+            </a:spcAft>
+            <a:buNone/>
+          </a:pPr>
+          <a:r>
+            <a:rPr lang="he-IL" sz="1700" kern="1200"/>
+            <a:t>הרצון לדעת לחפש ולמצוא העשרות לגבי הפרוייקט </a:t>
+          </a:r>
+          <a:endParaRPr lang="en-US" sz="1700" kern="1200"/>
+        </a:p>
+      </dsp:txBody>
+      <dsp:txXfrm>
+        <a:off x="3405805" y="3554178"/>
+        <a:ext cx="3703990" cy="754434"/>
+      </dsp:txXfrm>
+    </dsp:sp>
+  </dsp:spTree>
+</dsp:drawing>
+</file>
+
+<file path=ppt/diagrams/layout1.xml><?xml version="1.0" encoding="utf-8"?>
+<dgm:layoutDef xmlns:dgm="http://schemas.openxmlformats.org/drawingml/2006/diagram" xmlns:a="http://schemas.openxmlformats.org/drawingml/2006/main" uniqueId="urn:microsoft.com/office/officeart/2018/2/layout/IconVerticalSolidList">
+  <dgm:title val="Icon Vertical Solid List"/>
+  <dgm:desc val="Use to show a series of visuals from top to bottom with Level 1 or Level 1 and Level 2 text grouped in a shape. Works best with icons or small pictures with lengthier descriptions."/>
+  <dgm:catLst>
+    <dgm:cat type="icon" pri="500"/>
+  </dgm:catLst>
+  <dgm:sampData useDef="1">
+    <dgm:dataModel>
+      <dgm:ptLst/>
+      <dgm:bg/>
+      <dgm:whole/>
+    </dgm:dataModel>
+  </dgm:sampData>
+  <dgm:styleData useDef="1">
+    <dgm:dataModel>
+      <dgm:ptLst/>
+      <dgm:bg/>
+      <dgm:whole/>
+    </dgm:dataModel>
+  </dgm:styleData>
+  <dgm:clrData useDef="1">
+    <dgm:dataModel>
+      <dgm:ptLst/>
+      <dgm:bg/>
+      <dgm:whole/>
+    </dgm:dataModel>
+  </dgm:clrData>
+  <dgm:layoutNode name="root">
+    <dgm:varLst>
+      <dgm:dir/>
+      <dgm:resizeHandles val="exact"/>
+    </dgm:varLst>
+    <dgm:choose name="Name0">
+      <dgm:if name="Name1" axis="self" func="var" arg="dir" op="equ" val="norm">
+        <dgm:alg type="lin">
+          <dgm:param type="linDir" val="fromT"/>
+          <dgm:param type="nodeHorzAlign" val="l"/>
+        </dgm:alg>
+      </dgm:if>
+      <dgm:else name="Name2">
+        <dgm:alg type="lin">
+          <dgm:param type="linDir" val="fromT"/>
+          <dgm:param type="nodeHorzAlign" val="r"/>
+        </dgm:alg>
+      </dgm:else>
+    </dgm:choose>
+    <dgm:shape xmlns:r="http://schemas.openxmlformats.org/officeDocument/2006/relationships" r:blip="">
+      <dgm:adjLst/>
+    </dgm:shape>
+    <dgm:presOf/>
+    <dgm:choose name="Name3">
+      <dgm:if name="Name4" axis="ch" ptType="node" func="cnt" op="lte" val="3">
+        <dgm:constrLst>
+          <dgm:constr type="h" for="ch" forName="compNode" refType="h" fact="0.3"/>
+          <dgm:constr type="w" for="ch" forName="compNode" refType="w"/>
+          <dgm:constr type="h" for="ch" forName="sibTrans" refType="h" refFor="ch" refForName="compNode" fact="0.25"/>
+          <dgm:constr type="primFontSz" for="des" forName="parTx" val="25"/>
+          <dgm:constr type="primFontSz" for="des" forName="desTx" refType="primFontSz" refFor="des" refForName="parTx" op="lte" fact="0.75"/>
+          <dgm:constr type="h" for="des" forName="compNode" op="equ"/>
+          <dgm:constr type="h" for="des" forName="bgRect" op="equ"/>
+          <dgm:constr type="h" for="des" forName="iconRect" op="equ"/>
+          <dgm:constr type="w" for="des" forName="iconRect" op="equ"/>
+          <dgm:constr type="h" for="des" forName="spaceRect" op="equ"/>
+          <dgm:constr type="h" for="des" forName="parTx" op="equ"/>
+          <dgm:constr type="h" for="des" forName="desTx" op="equ"/>
+        </dgm:constrLst>
+      </dgm:if>
+      <dgm:if name="Name5" axis="ch" ptType="node" func="cnt" op="lte" val="4">
+        <dgm:constrLst>
+          <dgm:constr type="h" for="ch" forName="compNode" refType="h" fact="0.3"/>
+          <dgm:constr type="w" for="ch" forName="compNode" refType="w"/>
+          <dgm:constr type="h" for="ch" forName="sibTrans" refType="h" refFor="ch" refForName="compNode" fact="0.25"/>
+          <dgm:constr type="primFontSz" for="des" forName="parTx" val="22"/>
+          <dgm:constr type="primFontSz" for="des" forName="desTx" refType="primFontSz" refFor="des" refForName="parTx" op="lte" fact="0.75"/>
+          <dgm:constr type="h" for="des" forName="compNode" op="equ"/>
+          <dgm:constr type="h" for="des" forName="bgRect" op="equ"/>
+          <dgm:constr type="h" for="des" forName="iconRect" op="equ"/>
+          <dgm:constr type="w" for="des" forName="iconRect" op="equ"/>
+          <dgm:constr type="h" for="des" forName="spaceRect" op="equ"/>
+          <dgm:constr type="h" for="des" forName="parTx" op="equ"/>
+          <dgm:constr type="h" for="des" forName="desTx" op="equ"/>
+        </dgm:constrLst>
+      </dgm:if>
+      <dgm:if name="Name6" axis="ch" ptType="node" func="cnt" op="lte" val="6">
+        <dgm:constrLst>
+          <dgm:constr type="h" for="ch" forName="compNode" refType="h" fact="0.3"/>
+          <dgm:constr type="w" for="ch" forName="compNode" refType="w"/>
+          <dgm:constr type="h" for="ch" forName="sibTrans" refType="h" refFor="ch" refForName="compNode" fact="0.25"/>
+          <dgm:constr type="primFontSz" for="des" forName="parTx" val="19"/>
+          <dgm:constr type="primFontSz" for="des" forName="desTx" refType="primFontSz" refFor="des" refForName="parTx" op="lte" fact="0.75"/>
+          <dgm:constr type="h" for="des" forName="compNode" op="equ"/>
+          <dgm:constr type="h" for="des" forName="bgRect" op="equ"/>
+          <dgm:constr type="h" for="des" forName="iconRect" op="equ"/>
+          <dgm:constr type="w" for="des" forName="iconRect" op="equ"/>
+          <dgm:constr type="h" for="des" forName="spaceRect" op="equ"/>
+          <dgm:constr type="h" for="des" forName="parTx" op="equ"/>
+          <dgm:constr type="h" for="des" forName="desTx" op="equ"/>
+        </dgm:constrLst>
+      </dgm:if>
+      <dgm:else name="Name7">
+        <dgm:constrLst>
+          <dgm:constr type="h" for="ch" forName="compNode" refType="h" fact="0.3"/>
+          <dgm:constr type="w" for="ch" forName="compNode" refType="w"/>
+          <dgm:constr type="h" for="ch" forName="sibTrans" refType="h" refFor="ch" refForName="compNode" fact="0.25"/>
+          <dgm:constr type="primFontSz" for="des" forName="parTx" val="16"/>
+          <dgm:constr type="primFontSz" for="des" forName="desTx" refType="primFontSz" refFor="des" refForName="parTx" op="lte" fact="0.75"/>
+          <dgm:constr type="h" for="des" forName="compNode" op="equ"/>
+          <dgm:constr type="h" for="des" forName="bgRect" op="equ"/>
+          <dgm:constr type="h" for="des" forName="iconRect" op="equ"/>
+          <dgm:constr type="w" for="des" forName="iconRect" op="equ"/>
+          <dgm:constr type="h" for="des" forName="spaceRect" op="equ"/>
+          <dgm:constr type="h" for="des" forName="parTx" op="equ"/>
+          <dgm:constr type="h" for="des" forName="desTx" op="equ"/>
+        </dgm:constrLst>
+      </dgm:else>
+    </dgm:choose>
+    <dgm:ruleLst>
+      <dgm:rule type="h" for="ch" forName="compNode" val="0" fact="NaN" max="NaN"/>
+    </dgm:ruleLst>
+    <dgm:forEach name="Name8" axis="ch" ptType="node">
+      <dgm:layoutNode name="compNode">
+        <dgm:alg type="composite"/>
+        <dgm:shape xmlns:r="http://schemas.openxmlformats.org/officeDocument/2006/relationships" r:blip="">
+          <dgm:adjLst/>
+        </dgm:shape>
+        <dgm:presOf axis="self"/>
+        <dgm:choose name="Name9">
+          <dgm:if name="Name10" axis="ch" ptType="node" func="cnt" op="gte" val="1">
+            <dgm:constrLst>
+              <dgm:constr type="w" for="ch" forName="bgRect" refType="w"/>
+              <dgm:constr type="h" for="ch" forName="bgRect" refType="h"/>
+              <dgm:constr type="l" for="ch" forName="bgRect"/>
+              <dgm:constr type="t" for="ch" forName="bgRect"/>
+              <dgm:constr type="h" for="ch" forName="iconRect" refType="h" fact="0.55"/>
+              <dgm:constr type="w" for="ch" forName="iconRect" refType="h" refFor="ch" refForName="iconRect"/>
+              <dgm:constr type="l" for="ch" forName="iconRect" refType="h" refFor="ch" refForName="iconRect" fact="0.55"/>
+              <dgm:constr type="ctrY" for="ch" forName="iconRect" refType="ctrY" refFor="ch" refForName="bgRect"/>
+              <dgm:constr type="w" for="ch" forName="spaceRect" refType="l" refFor="ch" refForName="iconRect"/>
+              <dgm:constr type="h" for="ch" forName="spaceRect" refType="h"/>
+              <dgm:constr type="l" for="ch" forName="spaceRect" refType="r" refFor="ch" refForName="iconRect"/>
+              <dgm:constr type="t" for="ch" forName="spaceRect"/>
+              <dgm:constr type="w" for="ch" forName="parTx" refType="w" fact="0.45"/>
+              <dgm:constr type="h" for="ch" forName="parTx" refType="h"/>
+              <dgm:constr type="l" for="ch" forName="parTx" refType="r" refFor="ch" refForName="spaceRect"/>
+              <dgm:constr type="t" for="ch" forName="parTx"/>
+              <dgm:constr type="h" for="ch" forName="desTx" refType="h"/>
+              <dgm:constr type="l" for="ch" forName="desTx" refType="r" refFor="ch" refForName="parTx"/>
+              <dgm:constr type="t" for="ch" forName="desTx"/>
+            </dgm:constrLst>
+          </dgm:if>
+          <dgm:else name="Name11">
+            <dgm:constrLst>
+              <dgm:constr type="w" for="ch" forName="bgRect" refType="w"/>
+              <dgm:constr type="h" for="ch" forName="bgRect" refType="h"/>
+              <dgm:constr type="l" for="ch" forName="bgRect"/>
+              <dgm:constr type="t" for="ch" forName="bgRect"/>
+              <dgm:constr type="h" for="ch" forName="iconRect" refType="h" fact="0.55"/>
+              <dgm:constr type="w" for="ch" forName="iconRect" refType="h" refFor="ch" refForName="iconRect"/>
+              <dgm:constr type="l" for="ch" forName="iconRect" refType="h" refFor="ch" refForName="iconRect" fact="0.55"/>
+              <dgm:constr type="ctrY" for="ch" forName="iconRect" refType="ctrY" refFor="ch" refForName="bgRect"/>
+              <dgm:constr type="w" for="ch" forName="spaceRect" refType="l" refFor="ch" refForName="iconRect"/>
+              <dgm:constr type="h" for="ch" forName="spaceRect" refType="h"/>
+              <dgm:constr type="l" for="ch" forName="spaceRect" refType="r" refFor="ch" refForName="iconRect"/>
+              <dgm:constr type="t" for="ch" forName="spaceRect"/>
+              <dgm:constr type="h" for="ch" forName="parTx" refType="h"/>
+              <dgm:constr type="l" for="ch" forName="parTx" refType="r" refFor="ch" refForName="spaceRect"/>
+              <dgm:constr type="t" for="ch" forName="parTx"/>
+            </dgm:constrLst>
+          </dgm:else>
+        </dgm:choose>
+        <dgm:ruleLst>
+          <dgm:rule type="h" val="INF" fact="NaN" max="NaN"/>
+        </dgm:ruleLst>
+        <dgm:layoutNode name="bgRect" styleLbl="bgShp">
+          <dgm:alg type="sp"/>
+          <dgm:shape xmlns:r="http://schemas.openxmlformats.org/officeDocument/2006/relationships" type="roundRect" r:blip="">
+            <dgm:adjLst>
+              <dgm:adj idx="1" val="0.1"/>
+            </dgm:adjLst>
+          </dgm:shape>
+          <dgm:presOf/>
+          <dgm:constrLst/>
+          <dgm:ruleLst/>
+        </dgm:layoutNode>
+        <dgm:layoutNode name="iconRect" styleLbl="node1">
+          <dgm:alg type="sp"/>
+          <dgm:shape xmlns:r="http://schemas.openxmlformats.org/officeDocument/2006/relationships" type="rect" r:blip="" blipPhldr="1">
+            <dgm:adjLst/>
+          </dgm:shape>
+          <dgm:presOf/>
+          <dgm:constrLst/>
+          <dgm:ruleLst/>
+        </dgm:layoutNode>
+        <dgm:layoutNode name="spaceRect">
+          <dgm:alg type="sp"/>
+          <dgm:shape xmlns:r="http://schemas.openxmlformats.org/officeDocument/2006/relationships" r:blip="">
+            <dgm:adjLst/>
+          </dgm:shape>
+          <dgm:presOf/>
+          <dgm:constrLst/>
+          <dgm:ruleLst/>
+        </dgm:layoutNode>
+        <dgm:layoutNode name="parTx" styleLbl="revTx">
+          <dgm:varLst>
+            <dgm:chMax val="0"/>
+            <dgm:chPref val="0"/>
+          </dgm:varLst>
+          <dgm:alg type="tx">
+            <dgm:param type="txAnchorVert" val="mid"/>
+            <dgm:param type="parTxLTRAlign" val="l"/>
+            <dgm:param type="shpTxLTRAlignCh" val="l"/>
+            <dgm:param type="parTxRTLAlign" val="r"/>
+            <dgm:param type="shpTxRTLAlignCh" val="r"/>
+          </dgm:alg>
+          <dgm:shape xmlns:r="http://schemas.openxmlformats.org/officeDocument/2006/relationships" type="rect" r:blip="">
+            <dgm:adjLst/>
+          </dgm:shape>
+          <dgm:presOf axis="self" ptType="node"/>
+          <dgm:constrLst>
+            <dgm:constr type="lMarg" refType="h" fact="0.3"/>
+            <dgm:constr type="rMarg" refType="h" fact="0.3"/>
+            <dgm:constr type="tMarg" refType="h" fact="0.3"/>
+            <dgm:constr type="bMarg" refType="h" fact="0.3"/>
+          </dgm:constrLst>
+          <dgm:ruleLst>
+            <dgm:rule type="primFontSz" val="14" fact="NaN" max="NaN"/>
+            <dgm:rule type="h" val="INF" fact="NaN" max="NaN"/>
+          </dgm:ruleLst>
+        </dgm:layoutNode>
+        <dgm:choose name="Name12">
+          <dgm:if name="Name13" axis="ch" ptType="node" func="cnt" op="gte" val="1">
+            <dgm:layoutNode name="desTx" styleLbl="revTx">
+              <dgm:varLst/>
+              <dgm:alg type="tx">
+                <dgm:param type="txAnchorVertCh" val="mid"/>
+                <dgm:param type="parTxLTRAlign" val="l"/>
+                <dgm:param type="shpTxLTRAlignCh" val="l"/>
+                <dgm:param type="parTxRTLAlign" val="r"/>
+                <dgm:param type="shpTxRTLAlignCh" val="r"/>
+                <dgm:param type="stBulletLvl" val="0"/>
+              </dgm:alg>
+              <dgm:shape xmlns:r="http://schemas.openxmlformats.org/officeDocument/2006/relationships" type="rect" r:blip="">
+                <dgm:adjLst/>
+              </dgm:shape>
+              <dgm:presOf axis="des" ptType="node"/>
+              <dgm:constrLst>
+                <dgm:constr type="primFontSz" val="18"/>
+                <dgm:constr type="secFontSz" refType="primFontSz"/>
+                <dgm:constr type="lMarg" refType="h" fact="0.3"/>
+                <dgm:constr type="rMarg" refType="h" fact="0.3"/>
+                <dgm:constr type="tMarg" refType="h" fact="0.3"/>
+                <dgm:constr type="bMarg" refType="h" fact="0.3"/>
+              </dgm:constrLst>
+              <dgm:ruleLst>
+                <dgm:rule type="primFontSz" val="11" fact="NaN" max="NaN"/>
+              </dgm:ruleLst>
+            </dgm:layoutNode>
+          </dgm:if>
+          <dgm:else name="Name14"/>
+        </dgm:choose>
+      </dgm:layoutNode>
+      <dgm:forEach name="Name15" axis="followSib" ptType="sibTrans" cnt="1">
+        <dgm:layoutNode name="sibTrans">
+          <dgm:alg type="sp"/>
+          <dgm:shape xmlns:r="http://schemas.openxmlformats.org/officeDocument/2006/relationships" r:blip="">
+            <dgm:adjLst/>
+          </dgm:shape>
+          <dgm:presOf axis="self"/>
+          <dgm:constrLst/>
+          <dgm:ruleLst/>
+        </dgm:layoutNode>
+      </dgm:forEach>
+    </dgm:forEach>
+  </dgm:layoutNode>
+  <dgm:extLst>
+    <a:ext uri="{68A01E43-0DF5-4B5B-8FA6-DAF915123BFB}">
+      <dgm1612:lstStyle xmlns:dgm1612="http://schemas.microsoft.com/office/drawing/2016/12/diagram">
+        <a:lvl1pPr>
+          <a:lnSpc>
+            <a:spcPct val="100000"/>
+          </a:lnSpc>
+        </a:lvl1pPr>
+        <a:lvl2pPr>
+          <a:lnSpc>
+            <a:spcPct val="100000"/>
+          </a:lnSpc>
+        </a:lvl2pPr>
+      </dgm1612:lstStyle>
+    </a:ext>
+  </dgm:extLst>
+</dgm:layoutDef>
+</file>
+
+<file path=ppt/diagrams/layout2.xml><?xml version="1.0" encoding="utf-8"?>
+<dgm:layoutDef xmlns:dgm="http://schemas.openxmlformats.org/drawingml/2006/diagram" xmlns:a="http://schemas.openxmlformats.org/drawingml/2006/main" uniqueId="urn:microsoft.com/office/officeart/2005/8/layout/vList5">
+  <dgm:title val=""/>
+  <dgm:desc val=""/>
+  <dgm:catLst>
+    <dgm:cat type="list" pri="15000"/>
+    <dgm:cat type="convert" pri="2000"/>
+  </dgm:catLst>
+  <dgm:sampData>
+    <dgm:dataModel>
+      <dgm:ptLst>
+        <dgm:pt modelId="0" type="doc"/>
+        <dgm:pt modelId="1">
+          <dgm:prSet phldr="1"/>
+        </dgm:pt>
+        <dgm:pt modelId="11">
+          <dgm:prSet phldr="1"/>
+        </dgm:pt>
+        <dgm:pt modelId="12">
+          <dgm:prSet phldr="1"/>
+        </dgm:pt>
+        <dgm:pt modelId="2">
+          <dgm:prSet phldr="1"/>
+        </dgm:pt>
+        <dgm:pt modelId="21">
+          <dgm:prSet phldr="1"/>
+        </dgm:pt>
+        <dgm:pt modelId="22">
+          <dgm:prSet phldr="1"/>
+        </dgm:pt>
+        <dgm:pt modelId="3">
+          <dgm:prSet phldr="1"/>
+        </dgm:pt>
+        <dgm:pt modelId="31">
+          <dgm:prSet phldr="1"/>
+        </dgm:pt>
+        <dgm:pt modelId="32">
+          <dgm:prSet phldr="1"/>
+        </dgm:pt>
+      </dgm:ptLst>
+      <dgm:cxnLst>
+        <dgm:cxn modelId="4" srcId="0" destId="1" srcOrd="0" destOrd="0"/>
+        <dgm:cxn modelId="5" srcId="0" destId="2" srcOrd="1" destOrd="0"/>
+        <dgm:cxn modelId="6" srcId="0" destId="3" srcOrd="2" destOrd="0"/>
+        <dgm:cxn modelId="13" srcId="1" destId="11" srcOrd="0" destOrd="0"/>
+        <dgm:cxn modelId="14" srcId="1" destId="12" srcOrd="1" destOrd="0"/>
+        <dgm:cxn modelId="23" srcId="2" destId="21" srcOrd="0" destOrd="0"/>
+        <dgm:cxn modelId="24" srcId="2" destId="22" srcOrd="1" destOrd="0"/>
+        <dgm:cxn modelId="33" srcId="3" destId="31" srcOrd="0" destOrd="0"/>
+        <dgm:cxn modelId="34" srcId="3" destId="32" srcOrd="1" destOrd="0"/>
+      </dgm:cxnLst>
+      <dgm:bg/>
+      <dgm:whole/>
+    </dgm:dataModel>
+  </dgm:sampData>
+  <dgm:styleData>
+    <dgm:dataModel>
+      <dgm:ptLst>
+        <dgm:pt modelId="0" type="doc"/>
+        <dgm:pt modelId="1"/>
+        <dgm:pt modelId="11"/>
+        <dgm:pt modelId="2"/>
+        <dgm:pt modelId="21"/>
+      </dgm:ptLst>
+      <dgm:cxnLst>
+        <dgm:cxn modelId="4" srcId="0" destId="1" srcOrd="0" destOrd="0"/>
+        <dgm:cxn modelId="5" srcId="0" destId="2" srcOrd="1" destOrd="0"/>
+        <dgm:cxn modelId="13" srcId="1" destId="11" srcOrd="0" destOrd="0"/>
+        <dgm:cxn modelId="23" srcId="2" destId="21" srcOrd="0" destOrd="0"/>
+      </dgm:cxnLst>
+      <dgm:bg/>
+      <dgm:whole/>
+    </dgm:dataModel>
+  </dgm:styleData>
+  <dgm:clrData>
+    <dgm:dataModel>
+      <dgm:ptLst>
+        <dgm:pt modelId="0" type="doc"/>
+        <dgm:pt modelId="1"/>
+        <dgm:pt modelId="11"/>
+        <dgm:pt modelId="2"/>
+        <dgm:pt modelId="21"/>
+        <dgm:pt modelId="3"/>
+        <dgm:pt modelId="31"/>
+        <dgm:pt modelId="4"/>
+        <dgm:pt modelId="41"/>
+      </dgm:ptLst>
+      <dgm:cxnLst>
+        <dgm:cxn modelId="5" srcId="0" destId="1" srcOrd="0" destOrd="0"/>
+        <dgm:cxn modelId="6" srcId="0" destId="2" srcOrd="1" destOrd="0"/>
+        <dgm:cxn modelId="7" srcId="0" destId="3" srcOrd="2" destOrd="0"/>
+        <dgm:cxn modelId="8" srcId="0" destId="4" srcOrd="3" destOrd="0"/>
+        <dgm:cxn modelId="13" srcId="1" destId="11" srcOrd="0" destOrd="0"/>
+        <dgm:cxn modelId="23" srcId="2" destId="21" srcOrd="0" destOrd="0"/>
+        <dgm:cxn modelId="33" srcId="3" destId="31" srcOrd="0" destOrd="0"/>
+        <dgm:cxn modelId="43" srcId="4" destId="41" srcOrd="0" destOrd="0"/>
+      </dgm:cxnLst>
+      <dgm:bg/>
+      <dgm:whole/>
+    </dgm:dataModel>
+  </dgm:clrData>
+  <dgm:layoutNode name="Name0">
+    <dgm:varLst>
+      <dgm:dir/>
+      <dgm:animLvl val="lvl"/>
+      <dgm:resizeHandles val="exact"/>
+    </dgm:varLst>
+    <dgm:choose name="Name1">
+      <dgm:if name="Name2" func="var" arg="dir" op="equ" val="norm">
+        <dgm:alg type="lin">
+          <dgm:param type="linDir" val="fromT"/>
+          <dgm:param type="nodeHorzAlign" val="l"/>
+        </dgm:alg>
+      </dgm:if>
+      <dgm:else name="Name3">
+        <dgm:alg type="lin">
+          <dgm:param type="linDir" val="fromT"/>
+          <dgm:param type="nodeHorzAlign" val="r"/>
+        </dgm:alg>
+      </dgm:else>
+    </dgm:choose>
+    <dgm:shape xmlns:r="http://schemas.openxmlformats.org/officeDocument/2006/relationships" r:blip="">
+      <dgm:adjLst/>
+    </dgm:shape>
+    <dgm:presOf/>
+    <dgm:constrLst>
+      <dgm:constr type="h" for="ch" forName="linNode" refType="h"/>
+      <dgm:constr type="w" for="ch" forName="linNode" refType="w"/>
+      <dgm:constr type="h" for="ch" forName="sp" refType="h" fact="0.05"/>
+      <dgm:constr type="primFontSz" for="des" forName="parentText" op="equ" val="65"/>
+      <dgm:constr type="secFontSz" for="des" forName="descendantText" op="equ"/>
+    </dgm:constrLst>
+    <dgm:ruleLst/>
+    <dgm:forEach name="Name4" axis="ch" ptType="node">
+      <dgm:layoutNode name="linNode">
+        <dgm:choose name="Name5">
+          <dgm:if name="Name6" func="var" arg="dir" op="equ" val="norm">
+            <dgm:alg type="lin">
+              <dgm:param type="linDir" val="fromL"/>
+            </dgm:alg>
+          </dgm:if>
+          <dgm:else name="Name7">
+            <dgm:alg type="lin">
+              <dgm:param type="linDir" val="fromR"/>
+            </dgm:alg>
+          </dgm:else>
+        </dgm:choose>
+        <dgm:shape xmlns:r="http://schemas.openxmlformats.org/officeDocument/2006/relationships" r:blip="">
+          <dgm:adjLst/>
+        </dgm:shape>
+        <dgm:presOf/>
+        <dgm:constrLst>
+          <dgm:constr type="w" for="ch" forName="parentText" refType="w" fact="0.36"/>
+          <dgm:constr type="w" for="ch" forName="descendantText" refType="w" fact="0.64"/>
+          <dgm:constr type="h" for="ch" forName="parentText" refType="h"/>
+          <dgm:constr type="h" for="ch" forName="descendantText" refType="h" refFor="ch" refForName="parentText" fact="0.8"/>
+        </dgm:constrLst>
+        <dgm:ruleLst/>
+        <dgm:layoutNode name="parentText">
+          <dgm:varLst>
+            <dgm:chMax val="1"/>
+            <dgm:bulletEnabled val="1"/>
+          </dgm:varLst>
+          <dgm:alg type="tx"/>
+          <dgm:shape xmlns:r="http://schemas.openxmlformats.org/officeDocument/2006/relationships" type="roundRect" r:blip="" zOrderOff="3">
+            <dgm:adjLst/>
+          </dgm:shape>
+          <dgm:presOf axis="self" ptType="node"/>
+          <dgm:constrLst>
+            <dgm:constr type="tMarg" refType="primFontSz" fact="0.15"/>
+            <dgm:constr type="bMarg" refType="primFontSz" fact="0.15"/>
+            <dgm:constr type="lMarg" refType="primFontSz" fact="0.3"/>
+            <dgm:constr type="rMarg" refType="primFontSz" fact="0.3"/>
+          </dgm:constrLst>
+          <dgm:ruleLst>
+            <dgm:rule type="primFontSz" val="5" fact="NaN" max="NaN"/>
+          </dgm:ruleLst>
+        </dgm:layoutNode>
+        <dgm:choose name="Name8">
+          <dgm:if name="Name9" axis="ch" ptType="node" func="cnt" op="gte" val="1">
+            <dgm:layoutNode name="descendantText" styleLbl="alignAccFollowNode1">
+              <dgm:varLst>
+                <dgm:bulletEnabled val="1"/>
+              </dgm:varLst>
+              <dgm:alg type="tx">
+                <dgm:param type="stBulletLvl" val="1"/>
+                <dgm:param type="txAnchorVertCh" val="mid"/>
+              </dgm:alg>
+              <dgm:choose name="Name10">
+                <dgm:if name="Name11" func="var" arg="dir" op="equ" val="norm">
+                  <dgm:shape xmlns:r="http://schemas.openxmlformats.org/officeDocument/2006/relationships" rot="90" type="round2SameRect" r:blip="">
+                    <dgm:adjLst/>
+                  </dgm:shape>
+                </dgm:if>
+                <dgm:else name="Name12">
+                  <dgm:shape xmlns:r="http://schemas.openxmlformats.org/officeDocument/2006/relationships" rot="-90" type="round2SameRect" r:blip="">
+                    <dgm:adjLst/>
+                  </dgm:shape>
+                </dgm:else>
+              </dgm:choose>
+              <dgm:presOf axis="des" ptType="node"/>
+              <dgm:constrLst>
+                <dgm:constr type="secFontSz" val="65"/>
+                <dgm:constr type="primFontSz" refType="secFontSz"/>
+                <dgm:constr type="lMarg" refType="secFontSz" fact="0.3"/>
+                <dgm:constr type="rMarg" refType="secFontSz" fact="0.3"/>
+                <dgm:constr type="tMarg" refType="secFontSz" fact="0.15"/>
+                <dgm:constr type="bMarg" refType="secFontSz" fact="0.15"/>
+              </dgm:constrLst>
+              <dgm:ruleLst>
+                <dgm:rule type="secFontSz" val="5" fact="NaN" max="NaN"/>
+              </dgm:ruleLst>
+            </dgm:layoutNode>
+          </dgm:if>
+          <dgm:else name="Name13"/>
+        </dgm:choose>
+      </dgm:layoutNode>
+      <dgm:forEach name="Name14" axis="followSib" ptType="sibTrans" cnt="1">
+        <dgm:layoutNode name="sp">
+          <dgm:alg type="sp"/>
+          <dgm:shape xmlns:r="http://schemas.openxmlformats.org/officeDocument/2006/relationships" r:blip="">
+            <dgm:adjLst/>
+          </dgm:shape>
+          <dgm:presOf/>
+          <dgm:constrLst/>
+          <dgm:ruleLst/>
+        </dgm:layoutNode>
+      </dgm:forEach>
+    </dgm:forEach>
+  </dgm:layoutNode>
+</dgm:layoutDef>
+</file>
+
+<file path=ppt/diagrams/quickStyle1.xml><?xml version="1.0" encoding="utf-8"?>
+<dgm:styleDef xmlns:dgm="http://schemas.openxmlformats.org/drawingml/2006/diagram" xmlns:a="http://schemas.openxmlformats.org/drawingml/2006/main" uniqueId="urn:microsoft.com/office/officeart/2005/8/quickstyle/simple1">
+  <dgm:title val=""/>
+  <dgm:desc val=""/>
+  <dgm:catLst>
+    <dgm:cat type="simple" pri="10100"/>
+  </dgm:catLst>
+  <dgm:scene3d>
+    <a:camera prst="orthographicFront"/>
+    <a:lightRig rig="threePt" dir="t"/>
+  </dgm:scene3d>
+  <dgm:styleLbl name="node0">
+    <dgm:scene3d>
+      <a:camera prst="orthographicFront"/>
+      <a:lightRig rig="threePt" dir="t"/>
+    </dgm:scene3d>
+    <dgm:sp3d/>
+    <dgm:txPr/>
+    <dgm:style>
+      <a:lnRef idx="2">
+        <a:scrgbClr r="0" g="0" b="0"/>
+      </a:lnRef>
+      <a:fillRef idx="1">
+        <a:scrgbClr r="0" g="0" b="0"/>
+      </a:fillRef>
+      <a:effectRef idx="0">
+        <a:scrgbClr r="0" g="0" b="0"/>
+      </a:effectRef>
+      <a:fontRef idx="minor">
+        <a:schemeClr val="lt1"/>
+      </a:fontRef>
+    </dgm:style>
+  </dgm:styleLbl>
+  <dgm:styleLbl name="lnNode1">
+    <dgm:scene3d>
+      <a:camera prst="orthographicFront"/>
+      <a:lightRig rig="threePt" dir="t"/>
+    </dgm:scene3d>
+    <dgm:sp3d/>
+    <dgm:txPr/>
+    <dgm:style>
+      <a:lnRef idx="2">
+        <a:scrgbClr r="0" g="0" b="0"/>
+      </a:lnRef>
+      <a:fillRef idx="1">
+        <a:scrgbClr r="0" g="0" b="0"/>
+      </a:fillRef>
+      <a:effectRef idx="0">
+        <a:scrgbClr r="0" g="0" b="0"/>
+      </a:effectRef>
+      <a:fontRef idx="minor">
+        <a:schemeClr val="lt1"/>
+      </a:fontRef>
+    </dgm:style>
+  </dgm:styleLbl>
+  <dgm:styleLbl name="vennNode1">
+    <dgm:scene3d>
+      <a:camera prst="orthographicFront"/>
+      <a:lightRig rig="threePt" dir="t"/>
+    </dgm:scene3d>
+    <dgm:sp3d/>
+    <dgm:txPr/>
+    <dgm:style>
+      <a:lnRef idx="2">
+        <a:scrgbClr r="0" g="0" b="0"/>
+      </a:lnRef>
+      <a:fillRef idx="1">
+        <a:scrgbClr r="0" g="0" b="0"/>
+      </a:fillRef>
+      <a:effectRef idx="0">
+        <a:scrgbClr r="0" g="0" b="0"/>
+      </a:effectRef>
+      <a:fontRef idx="minor">
+        <a:schemeClr val="tx1"/>
+      </a:fontRef>
+    </dgm:style>
+  </dgm:styleLbl>
+  <dgm:styleLbl name="alignNode1">
+    <dgm:scene3d>
+      <a:camera prst="orthographicFront"/>
+      <a:lightRig rig="threePt" dir="t"/>
+    </dgm:scene3d>
+    <dgm:sp3d/>
+    <dgm:txPr/>
+    <dgm:style>
+      <a:lnRef idx="2">
+        <a:scrgbClr r="0" g="0" b="0"/>
+      </a:lnRef>
+      <a:fillRef idx="1">
+        <a:scrgbClr r="0" g="0" b="0"/>
+      </a:fillRef>
+      <a:effectRef idx="0">
+        <a:scrgbClr r="0" g="0" b="0"/>
+      </a:effectRef>
+      <a:fontRef idx="minor">
+        <a:schemeClr val="lt1"/>
+      </a:fontRef>
+    </dgm:style>
+  </dgm:styleLbl>
+  <dgm:styleLbl name="node1">
+    <dgm:scene3d>
+      <a:camera prst="orthographicFront"/>
+      <a:lightRig rig="threePt" dir="t"/>
+    </dgm:scene3d>
+    <dgm:sp3d/>
+    <dgm:txPr/>
+    <dgm:style>
+      <a:lnRef idx="2">
+        <a:scrgbClr r="0" g="0" b="0"/>
+      </a:lnRef>
+      <a:fillRef idx="1">
+        <a:scrgbClr r="0" g="0" b="0"/>
+      </a:fillRef>
+      <a:effectRef idx="0">
+        <a:scrgbClr r="0" g="0" b="0"/>
+      </a:effectRef>
+      <a:fontRef idx="minor">
+        <a:schemeClr val="lt1"/>
+      </a:fontRef>
+    </dgm:style>
+  </dgm:styleLbl>
+  <dgm:styleLbl name="node2">
+    <dgm:scene3d>
+      <a:camera prst="orthographicFront"/>
+      <a:lightRig rig="threePt" dir="t"/>
+    </dgm:scene3d>
+    <dgm:sp3d/>
+    <dgm:txPr/>
+    <dgm:style>
+      <a:lnRef idx="2">
+        <a:scrgbClr r="0" g="0" b="0"/>
+      </a:lnRef>
+      <a:fillRef idx="1">
+        <a:scrgbClr r="0" g="0" b="0"/>
+      </a:fillRef>
+      <a:effectRef idx="0">
+        <a:scrgbClr r="0" g="0" b="0"/>
+      </a:effectRef>
+      <a:fontRef idx="minor">
+        <a:schemeClr val="lt1"/>
+      </a:fontRef>
+    </dgm:style>
+  </dgm:styleLbl>
+  <dgm:styleLbl name="node3">
+    <dgm:scene3d>
+      <a:camera prst="orthographicFront"/>
+      <a:lightRig rig="threePt" dir="t"/>
+    </dgm:scene3d>
+    <dgm:sp3d/>
+    <dgm:txPr/>
+    <dgm:style>
+      <a:lnRef idx="2">
+        <a:scrgbClr r="0" g="0" b="0"/>
+      </a:lnRef>
+      <a:fillRef idx="1">
+        <a:scrgbClr r="0" g="0" b="0"/>
+      </a:fillRef>
+      <a:effectRef idx="0">
+        <a:scrgbClr r="0" g="0" b="0"/>
+      </a:effectRef>
+      <a:fontRef idx="minor">
+        <a:schemeClr val="lt1"/>
+      </a:fontRef>
+    </dgm:style>
+  </dgm:styleLbl>
+  <dgm:styleLbl name="node4">
+    <dgm:scene3d>
+      <a:camera prst="orthographicFront"/>
+      <a:lightRig rig="threePt" dir="t"/>
+    </dgm:scene3d>
+    <dgm:sp3d/>
+    <dgm:txPr/>
+    <dgm:style>
+      <a:lnRef idx="2">
+        <a:scrgbClr r="0" g="0" b="0"/>
+      </a:lnRef>
+      <a:fillRef idx="1">
+        <a:scrgbClr r="0" g="0" b="0"/>
+      </a:fillRef>
+      <a:effectRef idx="0">
+        <a:scrgbClr r="0" g="0" b="0"/>
+      </a:effectRef>
+      <a:fontRef idx="minor">
+        <a:schemeClr val="lt1"/>
+      </a:fontRef>
+    </dgm:style>
+  </dgm:styleLbl>
+  <dgm:styleLbl name="fgImgPlace1">
+    <dgm:scene3d>
+      <a:camera prst="orthographicFront"/>
+      <a:lightRig rig="threePt" dir="t"/>
+    </dgm:scene3d>
+    <dgm:sp3d/>
+    <dgm:txPr/>
+    <dgm:style>
+      <a:lnRef idx="2">
+        <a:scrgbClr r="0" g="0" b="0"/>
+      </a:lnRef>
+      <a:fillRef idx="1">
+        <a:scrgbClr r="0" g="0" b="0"/>
+      </a:fillRef>
+      <a:effectRef idx="0">
+        <a:scrgbClr r="0" g="0" b="0"/>
+      </a:effectRef>
+      <a:fontRef idx="minor"/>
+    </dgm:style>
+  </dgm:styleLbl>
+  <dgm:styleLbl name="alignImgPlace1">
+    <dgm:scene3d>
+      <a:camera prst="orthographicFront"/>
+      <a:lightRig rig="threePt" dir="t"/>
+    </dgm:scene3d>
+    <dgm:sp3d/>
+    <dgm:txPr/>
+    <dgm:style>
+      <a:lnRef idx="2">
+        <a:scrgbClr r="0" g="0" b="0"/>
+      </a:lnRef>
+      <a:fillRef idx="1">
+        <a:scrgbClr r="0" g="0" b="0"/>
+      </a:fillRef>
+      <a:effectRef idx="0">
+        <a:scrgbClr r="0" g="0" b="0"/>
+      </a:effectRef>
+      <a:fontRef idx="minor"/>
+    </dgm:style>
+  </dgm:styleLbl>
+  <dgm:styleLbl name="bgImgPlace1">
+    <dgm:scene3d>
+      <a:camera prst="orthographicFront"/>
+      <a:lightRig rig="threePt" dir="t"/>
+    </dgm:scene3d>
+    <dgm:sp3d/>
+    <dgm:txPr/>
+    <dgm:style>
+      <a:lnRef idx="2">
+        <a:scrgbClr r="0" g="0" b="0"/>
+      </a:lnRef>
+      <a:fillRef idx="1">
+        <a:scrgbClr r="0" g="0" b="0"/>
+      </a:fillRef>
+      <a:effectRef idx="0">
+        <a:scrgbClr r="0" g="0" b="0"/>
+      </a:effectRef>
+      <a:fontRef idx="minor"/>
+    </dgm:style>
+  </dgm:styleLbl>
+  <dgm:styleLbl name="sibTrans2D1">
+    <dgm:scene3d>
+      <a:camera prst="orthographicFront"/>
+      <a:lightRig rig="threePt" dir="t"/>
+    </dgm:scene3d>
+    <dgm:sp3d/>
+    <dgm:txPr/>
+    <dgm:style>
+      <a:lnRef idx="0">
+        <a:scrgbClr r="0" g="0" b="0"/>
+      </a:lnRef>
+      <a:fillRef idx="1">
+        <a:scrgbClr r="0" g="0" b="0"/>
+      </a:fillRef>
+      <a:effectRef idx="0">
+        <a:scrgbClr r="0" g="0" b="0"/>
+      </a:effectRef>
+      <a:fontRef idx="minor">
+        <a:schemeClr val="lt1"/>
+      </a:fontRef>
+    </dgm:style>
+  </dgm:styleLbl>
+  <dgm:styleLbl name="fgSibTrans2D1">
+    <dgm:scene3d>
+      <a:camera prst="orthographicFront"/>
+      <a:lightRig rig="threePt" dir="t"/>
+    </dgm:scene3d>
+    <dgm:sp3d/>
+    <dgm:txPr/>
+    <dgm:style>
+      <a:lnRef idx="0">
+        <a:scrgbClr r="0" g="0" b="0"/>
+      </a:lnRef>
+      <a:fillRef idx="1">
+        <a:scrgbClr r="0" g="0" b="0"/>
+      </a:fillRef>
+      <a:effectRef idx="0">
+        <a:scrgbClr r="0" g="0" b="0"/>
+      </a:effectRef>
+      <a:fontRef idx="minor">
+        <a:schemeClr val="lt1"/>
+      </a:fontRef>
+    </dgm:style>
+  </dgm:styleLbl>
+  <dgm:styleLbl name="bgSibTrans2D1">
+    <dgm:scene3d>
+      <a:camera prst="orthographicFront"/>
+      <a:lightRig rig="threePt" dir="t"/>
+    </dgm:scene3d>
+    <dgm:sp3d/>
+    <dgm:txPr/>
+    <dgm:style>
+      <a:lnRef idx="0">
+        <a:scrgbClr r="0" g="0" b="0"/>
+      </a:lnRef>
+      <a:fillRef idx="1">
+        <a:scrgbClr r="0" g="0" b="0"/>
+      </a:fillRef>
+      <a:effectRef idx="0">
+        <a:scrgbClr r="0" g="0" b="0"/>
+      </a:effectRef>
+      <a:fontRef idx="minor">
+        <a:schemeClr val="lt1"/>
+      </a:fontRef>
+    </dgm:style>
+  </dgm:styleLbl>
+  <dgm:styleLbl name="sibTrans1D1">
+    <dgm:scene3d>
+      <a:camera prst="orthographicFront"/>
+      <a:lightRig rig="threePt" dir="t"/>
+    </dgm:scene3d>
+    <dgm:sp3d/>
+    <dgm:txPr/>
+    <dgm:style>
+      <a:lnRef idx="1">
+        <a:scrgbClr r="0" g="0" b="0"/>
+      </a:lnRef>
+      <a:fillRef idx="0">
+        <a:scrgbClr r="0" g="0" b="0"/>
+      </a:fillRef>
+      <a:effectRef idx="0">
+        <a:scrgbClr r="0" g="0" b="0"/>
+      </a:effectRef>
+      <a:fontRef idx="minor"/>
+    </dgm:style>
+  </dgm:styleLbl>
+  <dgm:styleLbl name="callout">
+    <dgm:scene3d>
+      <a:camera prst="orthographicFront"/>
+      <a:lightRig rig="threePt" dir="t"/>
+    </dgm:scene3d>
+    <dgm:sp3d/>
+    <dgm:txPr/>
+    <dgm:style>
+      <a:lnRef idx="2">
+        <a:scrgbClr r="0" g="0" b="0"/>
+      </a:lnRef>
+      <a:fillRef idx="1">
+        <a:scrgbClr r="0" g="0" b="0"/>
+      </a:fillRef>
+      <a:effectRef idx="0">
+        <a:scrgbClr r="0" g="0" b="0"/>
+      </a:effectRef>
+      <a:fontRef idx="minor"/>
+    </dgm:style>
+  </dgm:styleLbl>
+  <dgm:styleLbl name="asst0">
+    <dgm:scene3d>
+      <a:camera prst="orthographicFront"/>
+      <a:lightRig rig="threePt" dir="t"/>
+    </dgm:scene3d>
+    <dgm:sp3d/>
+    <dgm:txPr/>
+    <dgm:style>
+      <a:lnRef idx="2">
+        <a:scrgbClr r="0" g="0" b="0"/>
+      </a:lnRef>
+      <a:fillRef idx="1">
+        <a:scrgbClr r="0" g="0" b="0"/>
+      </a:fillRef>
+      <a:effectRef idx="0">
+        <a:scrgbClr r="0" g="0" b="0"/>
+      </a:effectRef>
+      <a:fontRef idx="minor">
+        <a:schemeClr val="lt1"/>
+      </a:fontRef>
+    </dgm:style>
+  </dgm:styleLbl>
+  <dgm:styleLbl name="asst1">
+    <dgm:scene3d>
+      <a:camera prst="orthographicFront"/>
+      <a:lightRig rig="threePt" dir="t"/>
+    </dgm:scene3d>
+    <dgm:sp3d/>
+    <dgm:txPr/>
+    <dgm:style>
+      <a:lnRef idx="2">
+        <a:scrgbClr r="0" g="0" b="0"/>
+      </a:lnRef>
+      <a:fillRef idx="1">
+        <a:scrgbClr r="0" g="0" b="0"/>
+      </a:fillRef>
+      <a:effectRef idx="0">
+        <a:scrgbClr r="0" g="0" b="0"/>
+      </a:effectRef>
+      <a:fontRef idx="minor">
+        <a:schemeClr val="lt1"/>
+      </a:fontRef>
+    </dgm:style>
+  </dgm:styleLbl>
+  <dgm:styleLbl name="asst2">
+    <dgm:scene3d>
+      <a:camera prst="orthographicFront"/>
+      <a:lightRig rig="threePt" dir="t"/>
+    </dgm:scene3d>
+    <dgm:sp3d/>
+    <dgm:txPr/>
+    <dgm:style>
+      <a:lnRef idx="2">
+        <a:scrgbClr r="0" g="0" b="0"/>
+      </a:lnRef>
+      <a:fillRef idx="1">
+        <a:scrgbClr r="0" g="0" b="0"/>
+      </a:fillRef>
+      <a:effectRef idx="0">
+        <a:scrgbClr r="0" g="0" b="0"/>
+      </a:effectRef>
+      <a:fontRef idx="minor">
+        <a:schemeClr val="lt1"/>
+      </a:fontRef>
+    </dgm:style>
+  </dgm:styleLbl>
+  <dgm:styleLbl name="asst3">
+    <dgm:scene3d>
+      <a:camera prst="orthographicFront"/>
+      <a:lightRig rig="threePt" dir="t"/>
+    </dgm:scene3d>
+    <dgm:sp3d/>
+    <dgm:txPr/>
+    <dgm:style>
+      <a:lnRef idx="2">
+        <a:scrgbClr r="0" g="0" b="0"/>
+      </a:lnRef>
+      <a:fillRef idx="1">
+        <a:scrgbClr r="0" g="0" b="0"/>
+      </a:fillRef>
+      <a:effectRef idx="0">
+        <a:scrgbClr r="0" g="0" b="0"/>
+      </a:effectRef>
+      <a:fontRef idx="minor">
+        <a:schemeClr val="lt1"/>
+      </a:fontRef>
+    </dgm:style>
+  </dgm:styleLbl>
+  <dgm:styleLbl name="asst4">
+    <dgm:scene3d>
+      <a:camera prst="orthographicFront"/>
+      <a:lightRig rig="threePt" dir="t"/>
+    </dgm:scene3d>
+    <dgm:sp3d/>
+    <dgm:txPr/>
+    <dgm:style>
+      <a:lnRef idx="2">
+        <a:scrgbClr r="0" g="0" b="0"/>
+      </a:lnRef>
+      <a:fillRef idx="1">
+        <a:scrgbClr r="0" g="0" b="0"/>
+      </a:fillRef>
+      <a:effectRef idx="0">
+        <a:scrgbClr r="0" g="0" b="0"/>
+      </a:effectRef>
+      <a:fontRef idx="minor">
+        <a:schemeClr val="lt1"/>
+      </a:fontRef>
+    </dgm:style>
+  </dgm:styleLbl>
+  <dgm:styleLbl name="parChTrans2D1">
+    <dgm:scene3d>
+      <a:camera prst="orthographicFront"/>
+      <a:lightRig rig="threePt" dir="t"/>
+    </dgm:scene3d>
+    <dgm:sp3d/>
+    <dgm:txPr/>
+    <dgm:style>
+      <a:lnRef idx="2">
+        <a:scrgbClr r="0" g="0" b="0"/>
+      </a:lnRef>
+      <a:fillRef idx="1">
+        <a:scrgbClr r="0" g="0" b="0"/>
+      </a:fillRef>
+      <a:effectRef idx="0">
+        <a:scrgbClr r="0" g="0" b="0"/>
+      </a:effectRef>
+      <a:fontRef idx="minor">
+        <a:schemeClr val="lt1"/>
+      </a:fontRef>
+    </dgm:style>
+  </dgm:styleLbl>
+  <dgm:styleLbl name="parChTrans2D2">
+    <dgm:scene3d>
+      <a:camera prst="orthographicFront"/>
+      <a:lightRig rig="threePt" dir="t"/>
+    </dgm:scene3d>
+    <dgm:sp3d/>
+    <dgm:txPr/>
+    <dgm:style>
+      <a:lnRef idx="2">
+        <a:scrgbClr r="0" g="0" b="0"/>
+      </a:lnRef>
+      <a:fillRef idx="1">
+        <a:scrgbClr r="0" g="0" b="0"/>
+      </a:fillRef>
+      <a:effectRef idx="0">
+        <a:scrgbClr r="0" g="0" b="0"/>
+      </a:effectRef>
+      <a:fontRef idx="minor">
+        <a:schemeClr val="lt1"/>
+      </a:fontRef>
+    </dgm:style>
+  </dgm:styleLbl>
+  <dgm:styleLbl name="parChTrans2D3">
+    <dgm:scene3d>
+      <a:camera prst="orthographicFront"/>
+      <a:lightRig rig="threePt" dir="t"/>
+    </dgm:scene3d>
+    <dgm:sp3d/>
+    <dgm:txPr/>
+    <dgm:style>
+      <a:lnRef idx="2">
+        <a:scrgbClr r="0" g="0" b="0"/>
+      </a:lnRef>
+      <a:fillRef idx="1">
+        <a:scrgbClr r="0" g="0" b="0"/>
+      </a:fillRef>
+      <a:effectRef idx="0">
+        <a:scrgbClr r="0" g="0" b="0"/>
+      </a:effectRef>
+      <a:fontRef idx="minor">
+        <a:schemeClr val="lt1"/>
+      </a:fontRef>
+    </dgm:style>
+  </dgm:styleLbl>
+  <dgm:styleLbl name="parChTrans2D4">
+    <dgm:scene3d>
+      <a:camera prst="orthographicFront"/>
+      <a:lightRig rig="threePt" dir="t"/>
+    </dgm:scene3d>
+    <dgm:sp3d/>
+    <dgm:txPr/>
+    <dgm:style>
+      <a:lnRef idx="2">
+        <a:scrgbClr r="0" g="0" b="0"/>
+      </a:lnRef>
+      <a:fillRef idx="1">
+        <a:scrgbClr r="0" g="0" b="0"/>
+      </a:fillRef>
+      <a:effectRef idx="0">
+        <a:scrgbClr r="0" g="0" b="0"/>
+      </a:effectRef>
+      <a:fontRef idx="minor">
+        <a:schemeClr val="lt1"/>
+      </a:fontRef>
+    </dgm:style>
+  </dgm:styleLbl>
+  <dgm:styleLbl name="parChTrans1D1">
+    <dgm:scene3d>
+      <a:camera prst="orthographicFront"/>
+      <a:lightRig rig="threePt" dir="t"/>
+    </dgm:scene3d>
+    <dgm:sp3d/>
+    <dgm:txPr/>
+    <dgm:style>
+      <a:lnRef idx="2">
+        <a:scrgbClr r="0" g="0" b="0"/>
+      </a:lnRef>
+      <a:fillRef idx="0">
+        <a:scrgbClr r="0" g="0" b="0"/>
+      </a:fillRef>
+      <a:effectRef idx="0">
+        <a:scrgbClr r="0" g="0" b="0"/>
+      </a:effectRef>
+      <a:fontRef idx="minor"/>
+    </dgm:style>
+  </dgm:styleLbl>
+  <dgm:styleLbl name="parChTrans1D2">
+    <dgm:scene3d>
+      <a:camera prst="orthographicFront"/>
+      <a:lightRig rig="threePt" dir="t"/>
+    </dgm:scene3d>
+    <dgm:sp3d/>
+    <dgm:txPr/>
+    <dgm:style>
+      <a:lnRef idx="2">
+        <a:scrgbClr r="0" g="0" b="0"/>
+      </a:lnRef>
+      <a:fillRef idx="0">
+        <a:scrgbClr r="0" g="0" b="0"/>
+      </a:fillRef>
+      <a:effectRef idx="0">
+        <a:scrgbClr r="0" g="0" b="0"/>
+      </a:effectRef>
+      <a:fontRef idx="minor"/>
+    </dgm:style>
+  </dgm:styleLbl>
+  <dgm:styleLbl name="parChTrans1D3">
+    <dgm:scene3d>
+      <a:camera prst="orthographicFront"/>
+      <a:lightRig rig="threePt" dir="t"/>
+    </dgm:scene3d>
+    <dgm:sp3d/>
+    <dgm:txPr/>
+    <dgm:style>
+      <a:lnRef idx="2">
+        <a:scrgbClr r="0" g="0" b="0"/>
+      </a:lnRef>
+      <a:fillRef idx="0">
+        <a:scrgbClr r="0" g="0" b="0"/>
+      </a:fillRef>
+      <a:effectRef idx="0">
+        <a:scrgbClr r="0" g="0" b="0"/>
+      </a:effectRef>
+      <a:fontRef idx="minor"/>
+    </dgm:style>
+  </dgm:styleLbl>
+  <dgm:styleLbl name="parChTrans1D4">
+    <dgm:scene3d>
+      <a:camera prst="orthographicFront"/>
+      <a:lightRig rig="threePt" dir="t"/>
+    </dgm:scene3d>
+    <dgm:sp3d/>
+    <dgm:txPr/>
+    <dgm:style>
+      <a:lnRef idx="2">
+        <a:scrgbClr r="0" g="0" b="0"/>
+      </a:lnRef>
+      <a:fillRef idx="0">
+        <a:scrgbClr r="0" g="0" b="0"/>
+      </a:fillRef>
+      <a:effectRef idx="0">
+        <a:scrgbClr r="0" g="0" b="0"/>
+      </a:effectRef>
+      <a:fontRef idx="minor"/>
+    </dgm:style>
+  </dgm:styleLbl>
+  <dgm:styleLbl name="fgAcc1">
+    <dgm:scene3d>
+      <a:camera prst="orthographicFront"/>
+      <a:lightRig rig="threePt" dir="t"/>
+    </dgm:scene3d>
+    <dgm:sp3d/>
+    <dgm:txPr/>
+    <dgm:style>
+      <a:lnRef idx="2">
+        <a:scrgbClr r="0" g="0" b="0"/>
+      </a:lnRef>
+      <a:fillRef idx="1">
+        <a:scrgbClr r="0" g="0" b="0"/>
+      </a:fillRef>
+      <a:effectRef idx="0">
+        <a:scrgbClr r="0" g="0" b="0"/>
+      </a:effectRef>
+      <a:fontRef idx="minor"/>
+    </dgm:style>
+  </dgm:styleLbl>
+  <dgm:styleLbl name="conFgAcc1">
+    <dgm:scene3d>
+      <a:camera prst="orthographicFront"/>
+      <a:lightRig rig="threePt" dir="t"/>
+    </dgm:scene3d>
+    <dgm:sp3d/>
+    <dgm:txPr/>
+    <dgm:style>
+      <a:lnRef idx="2">
+        <a:scrgbClr r="0" g="0" b="0"/>
+      </a:lnRef>
+      <a:fillRef idx="1">
+        <a:scrgbClr r="0" g="0" b="0"/>
+      </a:fillRef>
+      <a:effectRef idx="0">
+        <a:scrgbClr r="0" g="0" b="0"/>
+      </a:effectRef>
+      <a:fontRef idx="minor"/>
+    </dgm:style>
+  </dgm:styleLbl>
+  <dgm:styleLbl name="alignAcc1">
+    <dgm:scene3d>
+      <a:camera prst="orthographicFront"/>
+      <a:lightRig rig="threePt" dir="t"/>
+    </dgm:scene3d>
+    <dgm:sp3d/>
+    <dgm:txPr/>
+    <dgm:style>
+      <a:lnRef idx="2">
+        <a:scrgbClr r="0" g="0" b="0"/>
+      </a:lnRef>
+      <a:fillRef idx="1">
+        <a:scrgbClr r="0" g="0" b="0"/>
+      </a:fillRef>
+      <a:effectRef idx="0">
+        <a:scrgbClr r="0" g="0" b="0"/>
+      </a:effectRef>
+      <a:fontRef idx="minor"/>
+    </dgm:style>
+  </dgm:styleLbl>
+  <dgm:styleLbl name="trAlignAcc1">
+    <dgm:scene3d>
+      <a:camera prst="orthographicFront"/>
+      <a:lightRig rig="threePt" dir="t"/>
+    </dgm:scene3d>
+    <dgm:sp3d/>
+    <dgm:txPr/>
+    <dgm:style>
+      <a:lnRef idx="1">
+        <a:scrgbClr r="0" g="0" b="0"/>
+      </a:lnRef>
+      <a:fillRef idx="1">
+        <a:scrgbClr r="0" g="0" b="0"/>
+      </a:fillRef>
+      <a:effectRef idx="0">
+        <a:scrgbClr r="0" g="0" b="0"/>
+      </a:effectRef>
+      <a:fontRef idx="minor"/>
+    </dgm:style>
+  </dgm:styleLbl>
+  <dgm:styleLbl name="bgAcc1">
+    <dgm:scene3d>
+      <a:camera prst="orthographicFront"/>
+      <a:lightRig rig="threePt" dir="t"/>
+    </dgm:scene3d>
+    <dgm:sp3d/>
+    <dgm:txPr/>
+    <dgm:style>
+      <a:lnRef idx="2">
+        <a:scrgbClr r="0" g="0" b="0"/>
+      </a:lnRef>
+      <a:fillRef idx="1">
+        <a:scrgbClr r="0" g="0" b="0"/>
+      </a:fillRef>
+      <a:effectRef idx="0">
+        <a:scrgbClr r="0" g="0" b="0"/>
+      </a:effectRef>
+      <a:fontRef idx="minor"/>
+    </dgm:style>
+  </dgm:styleLbl>
+  <dgm:styleLbl name="solidFgAcc1">
+    <dgm:scene3d>
+      <a:camera prst="orthographicFront"/>
+      <a:lightRig rig="threePt" dir="t"/>
+    </dgm:scene3d>
+    <dgm:sp3d/>
+    <dgm:txPr/>
+    <dgm:style>
+      <a:lnRef idx="2">
+        <a:scrgbClr r="0" g="0" b="0"/>
+      </a:lnRef>
+      <a:fillRef idx="1">
+        <a:scrgbClr r="0" g="0" b="0"/>
+      </a:fillRef>
+      <a:effectRef idx="0">
+        <a:scrgbClr r="0" g="0" b="0"/>
+      </a:effectRef>
+      <a:fontRef idx="minor"/>
+    </dgm:style>
+  </dgm:styleLbl>
+  <dgm:styleLbl name="solidAlignAcc1">
+    <dgm:scene3d>
+      <a:camera prst="orthographicFront"/>
+      <a:lightRig rig="threePt" dir="t"/>
+    </dgm:scene3d>
+    <dgm:sp3d/>
+    <dgm:txPr/>
+    <dgm:style>
+      <a:lnRef idx="2">
+        <a:scrgbClr r="0" g="0" b="0"/>
+      </a:lnRef>
+      <a:fillRef idx="1">
+        <a:scrgbClr r="0" g="0" b="0"/>
+      </a:fillRef>
+      <a:effectRef idx="0">
+        <a:scrgbClr r="0" g="0" b="0"/>
+      </a:effectRef>
+      <a:fontRef idx="minor"/>
+    </dgm:style>
+  </dgm:styleLbl>
+  <dgm:styleLbl name="solidBgAcc1">
+    <dgm:scene3d>
+      <a:camera prst="orthographicFront"/>
+      <a:lightRig rig="threePt" dir="t"/>
+    </dgm:scene3d>
+    <dgm:sp3d/>
+    <dgm:txPr/>
+    <dgm:style>
+      <a:lnRef idx="2">
+        <a:scrgbClr r="0" g="0" b="0"/>
+      </a:lnRef>
+      <a:fillRef idx="1">
+        <a:scrgbClr r="0" g="0" b="0"/>
+      </a:fillRef>
+      <a:effectRef idx="0">
+        <a:scrgbClr r="0" g="0" b="0"/>
+      </a:effectRef>
+      <a:fontRef idx="minor"/>
+    </dgm:style>
+  </dgm:styleLbl>
+  <dgm:styleLbl name="fgAccFollowNode1">
+    <dgm:scene3d>
+      <a:camera prst="orthographicFront"/>
+      <a:lightRig rig="threePt" dir="t"/>
+    </dgm:scene3d>
+    <dgm:sp3d/>
+    <dgm:txPr/>
+    <dgm:style>
+      <a:lnRef idx="2">
+        <a:scrgbClr r="0" g="0" b="0"/>
+      </a:lnRef>
+      <a:fillRef idx="1">
+        <a:scrgbClr r="0" g="0" b="0"/>
+      </a:fillRef>
+      <a:effectRef idx="0">
+        <a:scrgbClr r="0" g="0" b="0"/>
+      </a:effectRef>
+      <a:fontRef idx="minor"/>
+    </dgm:style>
+  </dgm:styleLbl>
+  <dgm:styleLbl name="alignAccFollowNode1">
+    <dgm:scene3d>
+      <a:camera prst="orthographicFront"/>
+      <a:lightRig rig="threePt" dir="t"/>
+    </dgm:scene3d>
+    <dgm:sp3d/>
+    <dgm:txPr/>
+    <dgm:style>
+      <a:lnRef idx="2">
+        <a:scrgbClr r="0" g="0" b="0"/>
+      </a:lnRef>
+      <a:fillRef idx="1">
+        <a:scrgbClr r="0" g="0" b="0"/>
+      </a:fillRef>
+      <a:effectRef idx="0">
+        <a:scrgbClr r="0" g="0" b="0"/>
+      </a:effectRef>
+      <a:fontRef idx="minor"/>
+    </dgm:style>
+  </dgm:styleLbl>
+  <dgm:styleLbl name="bgAccFollowNode1">
+    <dgm:scene3d>
+      <a:camera prst="orthographicFront"/>
+      <a:lightRig rig="threePt" dir="t"/>
+    </dgm:scene3d>
+    <dgm:sp3d/>
+    <dgm:txPr/>
+    <dgm:style>
+      <a:lnRef idx="2">
+        <a:scrgbClr r="0" g="0" b="0"/>
+      </a:lnRef>
+      <a:fillRef idx="1">
+        <a:scrgbClr r="0" g="0" b="0"/>
+      </a:fillRef>
+      <a:effectRef idx="0">
+        <a:scrgbClr r="0" g="0" b="0"/>
+      </a:effectRef>
+      <a:fontRef idx="minor"/>
+    </dgm:style>
+  </dgm:styleLbl>
+  <dgm:styleLbl name="fgAcc0">
+    <dgm:scene3d>
+      <a:camera prst="orthographicFront"/>
+      <a:lightRig rig="threePt" dir="t"/>
+    </dgm:scene3d>
+    <dgm:sp3d/>
+    <dgm:txPr/>
+    <dgm:style>
+      <a:lnRef idx="2">
+        <a:scrgbClr r="0" g="0" b="0"/>
+      </a:lnRef>
+      <a:fillRef idx="1">
+        <a:scrgbClr r="0" g="0" b="0"/>
+      </a:fillRef>
+      <a:effectRef idx="0">
+        <a:scrgbClr r="0" g="0" b="0"/>
+      </a:effectRef>
+      <a:fontRef idx="minor"/>
+    </dgm:style>
+  </dgm:styleLbl>
+  <dgm:styleLbl name="fgAcc2">
+    <dgm:scene3d>
+      <a:camera prst="orthographicFront"/>
+      <a:lightRig rig="threePt" dir="t"/>
+    </dgm:scene3d>
+    <dgm:sp3d/>
+    <dgm:txPr/>
+    <dgm:style>
+      <a:lnRef idx="2">
+        <a:scrgbClr r="0" g="0" b="0"/>
+      </a:lnRef>
+      <a:fillRef idx="1">
+        <a:scrgbClr r="0" g="0" b="0"/>
+      </a:fillRef>
+      <a:effectRef idx="0">
+        <a:scrgbClr r="0" g="0" b="0"/>
+      </a:effectRef>
+      <a:fontRef idx="minor"/>
+    </dgm:style>
+  </dgm:styleLbl>
+  <dgm:styleLbl name="fgAcc3">
+    <dgm:scene3d>
+      <a:camera prst="orthographicFront"/>
+      <a:lightRig rig="threePt" dir="t"/>
+    </dgm:scene3d>
+    <dgm:sp3d/>
+    <dgm:txPr/>
+    <dgm:style>
+      <a:lnRef idx="2">
+        <a:scrgbClr r="0" g="0" b="0"/>
+      </a:lnRef>
+      <a:fillRef idx="1">
+        <a:scrgbClr r="0" g="0" b="0"/>
+      </a:fillRef>
+      <a:effectRef idx="0">
+        <a:scrgbClr r="0" g="0" b="0"/>
+      </a:effectRef>
+      <a:fontRef idx="minor"/>
+    </dgm:style>
+  </dgm:styleLbl>
+  <dgm:styleLbl name="fgAcc4">
+    <dgm:scene3d>
+      <a:camera prst="orthographicFront"/>
+      <a:lightRig rig="threePt" dir="t"/>
+    </dgm:scene3d>
+    <dgm:sp3d/>
+    <dgm:txPr/>
+    <dgm:style>
+      <a:lnRef idx="2">
+        <a:scrgbClr r="0" g="0" b="0"/>
+      </a:lnRef>
+      <a:fillRef idx="1">
+        <a:scrgbClr r="0" g="0" b="0"/>
+      </a:fillRef>
+      <a:effectRef idx="0">
+        <a:scrgbClr r="0" g="0" b="0"/>
+      </a:effectRef>
+      <a:fontRef idx="minor"/>
+    </dgm:style>
+  </dgm:styleLbl>
+  <dgm:styleLbl name="bgShp">
+    <dgm:scene3d>
+      <a:camera prst="orthographicFront"/>
+      <a:lightRig rig="threePt" dir="t"/>
+    </dgm:scene3d>
+    <dgm:sp3d/>
+    <dgm:txPr/>
+    <dgm:style>
+      <a:lnRef idx="0">
+        <a:scrgbClr r="0" g="0" b="0"/>
+      </a:lnRef>
+      <a:fillRef idx="1">
+        <a:scrgbClr r="0" g="0" b="0"/>
+      </a:fillRef>
+      <a:effectRef idx="0">
+        <a:scrgbClr r="0" g="0" b="0"/>
+      </a:effectRef>
+      <a:fontRef idx="minor"/>
+    </dgm:style>
+  </dgm:styleLbl>
+  <dgm:styleLbl name="dkBgShp">
+    <dgm:scene3d>
+      <a:camera prst="orthographicFront"/>
+      <a:lightRig rig="threePt" dir="t"/>
+    </dgm:scene3d>
+    <dgm:sp3d/>
+    <dgm:txPr/>
+    <dgm:style>
+      <a:lnRef idx="0">
+        <a:scrgbClr r="0" g="0" b="0"/>
+      </a:lnRef>
+      <a:fillRef idx="1">
+        <a:scrgbClr r="0" g="0" b="0"/>
+      </a:fillRef>
+      <a:effectRef idx="0">
+        <a:scrgbClr r="0" g="0" b="0"/>
+      </a:effectRef>
+      <a:fontRef idx="minor"/>
+    </dgm:style>
+  </dgm:styleLbl>
+  <dgm:styleLbl name="trBgShp">
+    <dgm:scene3d>
+      <a:camera prst="orthographicFront"/>
+      <a:lightRig rig="threePt" dir="t"/>
+    </dgm:scene3d>
+    <dgm:sp3d/>
+    <dgm:txPr/>
+    <dgm:style>
+      <a:lnRef idx="0">
+        <a:scrgbClr r="0" g="0" b="0"/>
+      </a:lnRef>
+      <a:fillRef idx="1">
+        <a:scrgbClr r="0" g="0" b="0"/>
+      </a:fillRef>
+      <a:effectRef idx="0">
+        <a:scrgbClr r="0" g="0" b="0"/>
+      </a:effectRef>
+      <a:fontRef idx="minor"/>
+    </dgm:style>
+  </dgm:styleLbl>
+  <dgm:styleLbl name="fgShp">
+    <dgm:scene3d>
+      <a:camera prst="orthographicFront"/>
+      <a:lightRig rig="threePt" dir="t"/>
+    </dgm:scene3d>
+    <dgm:sp3d/>
+    <dgm:txPr/>
+    <dgm:style>
+      <a:lnRef idx="2">
+        <a:scrgbClr r="0" g="0" b="0"/>
+      </a:lnRef>
+      <a:fillRef idx="1">
+        <a:scrgbClr r="0" g="0" b="0"/>
+      </a:fillRef>
+      <a:effectRef idx="0">
+        <a:scrgbClr r="0" g="0" b="0"/>
+      </a:effectRef>
+      <a:fontRef idx="minor"/>
+    </dgm:style>
+  </dgm:styleLbl>
+  <dgm:styleLbl name="revTx">
+    <dgm:scene3d>
+      <a:camera prst="orthographicFront"/>
+      <a:lightRig rig="threePt" dir="t"/>
+    </dgm:scene3d>
+    <dgm:sp3d/>
+    <dgm:txPr/>
+    <dgm:style>
+      <a:lnRef idx="0">
+        <a:scrgbClr r="0" g="0" b="0"/>
+      </a:lnRef>
+      <a:fillRef idx="0">
+        <a:scrgbClr r="0" g="0" b="0"/>
+      </a:fillRef>
+      <a:effectRef idx="0">
+        <a:scrgbClr r="0" g="0" b="0"/>
+      </a:effectRef>
+      <a:fontRef idx="minor"/>
+    </dgm:style>
+  </dgm:styleLbl>
+</dgm:styleDef>
+</file>
+
+<file path=ppt/diagrams/quickStyle2.xml><?xml version="1.0" encoding="utf-8"?>
+<dgm:styleDef xmlns:dgm="http://schemas.openxmlformats.org/drawingml/2006/diagram" xmlns:a="http://schemas.openxmlformats.org/drawingml/2006/main" uniqueId="urn:microsoft.com/office/officeart/2005/8/quickstyle/simple5">
+  <dgm:title val=""/>
+  <dgm:desc val=""/>
+  <dgm:catLst>
+    <dgm:cat type="simple" pri="10500"/>
+  </dgm:catLst>
+  <dgm:scene3d>
+    <a:camera prst="orthographicFront"/>
+    <a:lightRig rig="threePt" dir="t"/>
+  </dgm:scene3d>
+  <dgm:styleLbl name="node0">
+    <dgm:scene3d>
+      <a:camera prst="orthographicFront"/>
+      <a:lightRig rig="threePt" dir="t"/>
+    </dgm:scene3d>
+    <dgm:sp3d/>
+    <dgm:txPr/>
+    <dgm:style>
+      <a:lnRef idx="0">
+        <a:scrgbClr r="0" g="0" b="0"/>
+      </a:lnRef>
+      <a:fillRef idx="3">
+        <a:scrgbClr r="0" g="0" b="0"/>
+      </a:fillRef>
+      <a:effectRef idx="3">
+        <a:scrgbClr r="0" g="0" b="0"/>
+      </a:effectRef>
+      <a:fontRef idx="minor">
+        <a:schemeClr val="lt1"/>
+      </a:fontRef>
+    </dgm:style>
+  </dgm:styleLbl>
+  <dgm:styleLbl name="lnNode1">
+    <dgm:scene3d>
+      <a:camera prst="orthographicFront"/>
+      <a:lightRig rig="threePt" dir="t"/>
+    </dgm:scene3d>
+    <dgm:sp3d/>
+    <dgm:txPr/>
+    <dgm:style>
+      <a:lnRef idx="0">
+        <a:scrgbClr r="0" g="0" b="0"/>
+      </a:lnRef>
+      <a:fillRef idx="3">
+        <a:scrgbClr r="0" g="0" b="0"/>
+      </a:fillRef>
+      <a:effectRef idx="3">
+        <a:scrgbClr r="0" g="0" b="0"/>
+      </a:effectRef>
+      <a:fontRef idx="minor">
+        <a:schemeClr val="lt1"/>
+      </a:fontRef>
+    </dgm:style>
+  </dgm:styleLbl>
+  <dgm:styleLbl name="vennNode1">
+    <dgm:scene3d>
+      <a:camera prst="orthographicFront"/>
+      <a:lightRig rig="threePt" dir="t"/>
+    </dgm:scene3d>
+    <dgm:sp3d/>
+    <dgm:txPr/>
+    <dgm:style>
+      <a:lnRef idx="0">
+        <a:scrgbClr r="0" g="0" b="0"/>
+      </a:lnRef>
+      <a:fillRef idx="3">
+        <a:scrgbClr r="0" g="0" b="0"/>
+      </a:fillRef>
+      <a:effectRef idx="3">
+        <a:scrgbClr r="0" g="0" b="0"/>
+      </a:effectRef>
+      <a:fontRef idx="minor">
+        <a:schemeClr val="tx1"/>
+      </a:fontRef>
+    </dgm:style>
+  </dgm:styleLbl>
+  <dgm:styleLbl name="alignNode1">
+    <dgm:scene3d>
+      <a:camera prst="orthographicFront"/>
+      <a:lightRig rig="threePt" dir="t"/>
+    </dgm:scene3d>
+    <dgm:sp3d/>
+    <dgm:txPr/>
+    <dgm:style>
+      <a:lnRef idx="1">
+        <a:scrgbClr r="0" g="0" b="0"/>
+      </a:lnRef>
+      <a:fillRef idx="3">
+        <a:scrgbClr r="0" g="0" b="0"/>
+      </a:fillRef>
+      <a:effectRef idx="3">
+        <a:scrgbClr r="0" g="0" b="0"/>
+      </a:effectRef>
+      <a:fontRef idx="minor">
+        <a:schemeClr val="lt1"/>
+      </a:fontRef>
+    </dgm:style>
+  </dgm:styleLbl>
+  <dgm:styleLbl name="node1">
+    <dgm:scene3d>
+      <a:camera prst="orthographicFront"/>
+      <a:lightRig rig="threePt" dir="t"/>
+    </dgm:scene3d>
+    <dgm:sp3d/>
+    <dgm:txPr/>
+    <dgm:style>
+      <a:lnRef idx="0">
+        <a:scrgbClr r="0" g="0" b="0"/>
+      </a:lnRef>
+      <a:fillRef idx="3">
+        <a:scrgbClr r="0" g="0" b="0"/>
+      </a:fillRef>
+      <a:effectRef idx="3">
+        <a:scrgbClr r="0" g="0" b="0"/>
+      </a:effectRef>
+      <a:fontRef idx="minor">
+        <a:schemeClr val="lt1"/>
+      </a:fontRef>
+    </dgm:style>
+  </dgm:styleLbl>
+  <dgm:styleLbl name="node2">
+    <dgm:scene3d>
+      <a:camera prst="orthographicFront"/>
+      <a:lightRig rig="threePt" dir="t"/>
+    </dgm:scene3d>
+    <dgm:sp3d/>
+    <dgm:txPr/>
+    <dgm:style>
+      <a:lnRef idx="0">
+        <a:scrgbClr r="0" g="0" b="0"/>
+      </a:lnRef>
+      <a:fillRef idx="3">
+        <a:scrgbClr r="0" g="0" b="0"/>
+      </a:fillRef>
+      <a:effectRef idx="3">
+        <a:scrgbClr r="0" g="0" b="0"/>
+      </a:effectRef>
+      <a:fontRef idx="minor">
+        <a:schemeClr val="lt1"/>
+      </a:fontRef>
+    </dgm:style>
+  </dgm:styleLbl>
+  <dgm:styleLbl name="node3">
+    <dgm:scene3d>
+      <a:camera prst="orthographicFront"/>
+      <a:lightRig rig="threePt" dir="t"/>
+    </dgm:scene3d>
+    <dgm:sp3d/>
+    <dgm:txPr/>
+    <dgm:style>
+      <a:lnRef idx="0">
+        <a:scrgbClr r="0" g="0" b="0"/>
+      </a:lnRef>
+      <a:fillRef idx="3">
+        <a:scrgbClr r="0" g="0" b="0"/>
+      </a:fillRef>
+      <a:effectRef idx="3">
+        <a:scrgbClr r="0" g="0" b="0"/>
+      </a:effectRef>
+      <a:fontRef idx="minor">
+        <a:schemeClr val="lt1"/>
+      </a:fontRef>
+    </dgm:style>
+  </dgm:styleLbl>
+  <dgm:styleLbl name="node4">
+    <dgm:scene3d>
+      <a:camera prst="orthographicFront"/>
+      <a:lightRig rig="threePt" dir="t"/>
+    </dgm:scene3d>
+    <dgm:sp3d/>
+    <dgm:txPr/>
+    <dgm:style>
+      <a:lnRef idx="0">
+        <a:scrgbClr r="0" g="0" b="0"/>
+      </a:lnRef>
+      <a:fillRef idx="3">
+        <a:scrgbClr r="0" g="0" b="0"/>
+      </a:fillRef>
+      <a:effectRef idx="3">
+        <a:scrgbClr r="0" g="0" b="0"/>
+      </a:effectRef>
+      <a:fontRef idx="minor">
+        <a:schemeClr val="lt1"/>
+      </a:fontRef>
+    </dgm:style>
+  </dgm:styleLbl>
+  <dgm:styleLbl name="fgImgPlace1">
+    <dgm:scene3d>
+      <a:camera prst="orthographicFront"/>
+      <a:lightRig rig="threePt" dir="t"/>
+    </dgm:scene3d>
+    <dgm:sp3d/>
+    <dgm:txPr/>
+    <dgm:style>
+      <a:lnRef idx="0">
+        <a:scrgbClr r="0" g="0" b="0"/>
+      </a:lnRef>
+      <a:fillRef idx="1">
+        <a:scrgbClr r="0" g="0" b="0"/>
+      </a:fillRef>
+      <a:effectRef idx="3">
+        <a:scrgbClr r="0" g="0" b="0"/>
+      </a:effectRef>
+      <a:fontRef idx="minor"/>
+    </dgm:style>
+  </dgm:styleLbl>
+  <dgm:styleLbl name="alignImgPlace1">
+    <dgm:scene3d>
+      <a:camera prst="orthographicFront"/>
+      <a:lightRig rig="threePt" dir="t"/>
+    </dgm:scene3d>
+    <dgm:sp3d/>
+    <dgm:txPr/>
+    <dgm:style>
+      <a:lnRef idx="0">
+        <a:scrgbClr r="0" g="0" b="0"/>
+      </a:lnRef>
+      <a:fillRef idx="1">
+        <a:scrgbClr r="0" g="0" b="0"/>
+      </a:fillRef>
+      <a:effectRef idx="3">
+        <a:scrgbClr r="0" g="0" b="0"/>
+      </a:effectRef>
+      <a:fontRef idx="minor"/>
+    </dgm:style>
+  </dgm:styleLbl>
+  <dgm:styleLbl name="bgImgPlace1">
+    <dgm:scene3d>
+      <a:camera prst="orthographicFront"/>
+      <a:lightRig rig="threePt" dir="t"/>
+    </dgm:scene3d>
+    <dgm:sp3d/>
+    <dgm:txPr/>
+    <dgm:style>
+      <a:lnRef idx="0">
+        <a:scrgbClr r="0" g="0" b="0"/>
+      </a:lnRef>
+      <a:fillRef idx="1">
+        <a:scrgbClr r="0" g="0" b="0"/>
+      </a:fillRef>
+      <a:effectRef idx="3">
+        <a:scrgbClr r="0" g="0" b="0"/>
+      </a:effectRef>
+      <a:fontRef idx="minor"/>
+    </dgm:style>
+  </dgm:styleLbl>
+  <dgm:styleLbl name="sibTrans2D1">
+    <dgm:scene3d>
+      <a:camera prst="orthographicFront"/>
+      <a:lightRig rig="threePt" dir="t"/>
+    </dgm:scene3d>
+    <dgm:sp3d/>
+    <dgm:txPr/>
+    <dgm:style>
+      <a:lnRef idx="0">
+        <a:scrgbClr r="0" g="0" b="0"/>
+      </a:lnRef>
+      <a:fillRef idx="3">
+        <a:scrgbClr r="0" g="0" b="0"/>
+      </a:fillRef>
+      <a:effectRef idx="3">
+        <a:scrgbClr r="0" g="0" b="0"/>
+      </a:effectRef>
+      <a:fontRef idx="minor">
+        <a:schemeClr val="lt1"/>
+      </a:fontRef>
+    </dgm:style>
+  </dgm:styleLbl>
+  <dgm:styleLbl name="fgSibTrans2D1">
+    <dgm:scene3d>
+      <a:camera prst="orthographicFront"/>
+      <a:lightRig rig="threePt" dir="t"/>
+    </dgm:scene3d>
+    <dgm:sp3d/>
+    <dgm:txPr/>
+    <dgm:style>
+      <a:lnRef idx="0">
+        <a:scrgbClr r="0" g="0" b="0"/>
+      </a:lnRef>
+      <a:fillRef idx="3">
+        <a:scrgbClr r="0" g="0" b="0"/>
+      </a:fillRef>
+      <a:effectRef idx="3">
+        <a:scrgbClr r="0" g="0" b="0"/>
+      </a:effectRef>
+      <a:fontRef idx="minor">
+        <a:schemeClr val="lt1"/>
+      </a:fontRef>
+    </dgm:style>
+  </dgm:styleLbl>
+  <dgm:styleLbl name="bgSibTrans2D1">
+    <dgm:scene3d>
+      <a:camera prst="orthographicFront"/>
+      <a:lightRig rig="threePt" dir="t"/>
+    </dgm:scene3d>
+    <dgm:sp3d/>
+    <dgm:txPr/>
+    <dgm:style>
+      <a:lnRef idx="0">
+        <a:scrgbClr r="0" g="0" b="0"/>
+      </a:lnRef>
+      <a:fillRef idx="3">
+        <a:scrgbClr r="0" g="0" b="0"/>
+      </a:fillRef>
+      <a:effectRef idx="3">
+        <a:scrgbClr r="0" g="0" b="0"/>
+      </a:effectRef>
+      <a:fontRef idx="minor">
+        <a:schemeClr val="lt1"/>
+      </a:fontRef>
+    </dgm:style>
+  </dgm:styleLbl>
+  <dgm:styleLbl name="sibTrans1D1">
+    <dgm:scene3d>
+      <a:camera prst="orthographicFront"/>
+      <a:lightRig rig="threePt" dir="t"/>
+    </dgm:scene3d>
+    <dgm:sp3d/>
+    <dgm:txPr/>
+    <dgm:style>
+      <a:lnRef idx="1">
+        <a:scrgbClr r="0" g="0" b="0"/>
+      </a:lnRef>
+      <a:fillRef idx="0">
+        <a:scrgbClr r="0" g="0" b="0"/>
+      </a:fillRef>
+      <a:effectRef idx="0">
+        <a:scrgbClr r="0" g="0" b="0"/>
+      </a:effectRef>
+      <a:fontRef idx="minor"/>
+    </dgm:style>
+  </dgm:styleLbl>
+  <dgm:styleLbl name="callout">
+    <dgm:scene3d>
+      <a:camera prst="orthographicFront"/>
+      <a:lightRig rig="threePt" dir="t"/>
+    </dgm:scene3d>
+    <dgm:sp3d/>
+    <dgm:txPr/>
+    <dgm:style>
+      <a:lnRef idx="1">
+        <a:scrgbClr r="0" g="0" b="0"/>
+      </a:lnRef>
+      <a:fillRef idx="0">
+        <a:scrgbClr r="0" g="0" b="0"/>
+      </a:fillRef>
+      <a:effectRef idx="1">
+        <a:scrgbClr r="0" g="0" b="0"/>
+      </a:effectRef>
+      <a:fontRef idx="minor"/>
+    </dgm:style>
+  </dgm:styleLbl>
+  <dgm:styleLbl name="asst0">
+    <dgm:scene3d>
+      <a:camera prst="orthographicFront"/>
+      <a:lightRig rig="threePt" dir="t"/>
+    </dgm:scene3d>
+    <dgm:sp3d/>
+    <dgm:txPr/>
+    <dgm:style>
+      <a:lnRef idx="0">
+        <a:scrgbClr r="0" g="0" b="0"/>
+      </a:lnRef>
+      <a:fillRef idx="3">
+        <a:scrgbClr r="0" g="0" b="0"/>
+      </a:fillRef>
+      <a:effectRef idx="3">
+        <a:scrgbClr r="0" g="0" b="0"/>
+      </a:effectRef>
+      <a:fontRef idx="minor">
+        <a:schemeClr val="lt1"/>
+      </a:fontRef>
+    </dgm:style>
+  </dgm:styleLbl>
+  <dgm:styleLbl name="asst1">
+    <dgm:scene3d>
+      <a:camera prst="orthographicFront"/>
+      <a:lightRig rig="threePt" dir="t"/>
+    </dgm:scene3d>
+    <dgm:sp3d/>
+    <dgm:txPr/>
+    <dgm:style>
+      <a:lnRef idx="0">
+        <a:scrgbClr r="0" g="0" b="0"/>
+      </a:lnRef>
+      <a:fillRef idx="3">
+        <a:scrgbClr r="0" g="0" b="0"/>
+      </a:fillRef>
+      <a:effectRef idx="3">
+        <a:scrgbClr r="0" g="0" b="0"/>
+      </a:effectRef>
+      <a:fontRef idx="minor">
+        <a:schemeClr val="lt1"/>
+      </a:fontRef>
+    </dgm:style>
+  </dgm:styleLbl>
+  <dgm:styleLbl name="asst2">
+    <dgm:scene3d>
+      <a:camera prst="orthographicFront"/>
+      <a:lightRig rig="threePt" dir="t"/>
+    </dgm:scene3d>
+    <dgm:sp3d/>
+    <dgm:txPr/>
+    <dgm:style>
+      <a:lnRef idx="0">
+        <a:scrgbClr r="0" g="0" b="0"/>
+      </a:lnRef>
+      <a:fillRef idx="3">
+        <a:scrgbClr r="0" g="0" b="0"/>
+      </a:fillRef>
+      <a:effectRef idx="3">
+        <a:scrgbClr r="0" g="0" b="0"/>
+      </a:effectRef>
+      <a:fontRef idx="minor">
+        <a:schemeClr val="lt1"/>
+      </a:fontRef>
+    </dgm:style>
+  </dgm:styleLbl>
+  <dgm:styleLbl name="asst3">
+    <dgm:scene3d>
+      <a:camera prst="orthographicFront"/>
+      <a:lightRig rig="threePt" dir="t"/>
+    </dgm:scene3d>
+    <dgm:sp3d/>
+    <dgm:txPr/>
+    <dgm:style>
+      <a:lnRef idx="0">
+        <a:scrgbClr r="0" g="0" b="0"/>
+      </a:lnRef>
+      <a:fillRef idx="3">
+        <a:scrgbClr r="0" g="0" b="0"/>
+      </a:fillRef>
+      <a:effectRef idx="3">
+        <a:scrgbClr r="0" g="0" b="0"/>
+      </a:effectRef>
+      <a:fontRef idx="minor">
+        <a:schemeClr val="lt1"/>
+      </a:fontRef>
+    </dgm:style>
+  </dgm:styleLbl>
+  <dgm:styleLbl name="asst4">
+    <dgm:scene3d>
+      <a:camera prst="orthographicFront"/>
+      <a:lightRig rig="threePt" dir="t"/>
+    </dgm:scene3d>
+    <dgm:sp3d/>
+    <dgm:txPr/>
+    <dgm:style>
+      <a:lnRef idx="0">
+        <a:scrgbClr r="0" g="0" b="0"/>
+      </a:lnRef>
+      <a:fillRef idx="3">
+        <a:scrgbClr r="0" g="0" b="0"/>
+      </a:fillRef>
+      <a:effectRef idx="3">
+        <a:scrgbClr r="0" g="0" b="0"/>
+      </a:effectRef>
+      <a:fontRef idx="minor">
+        <a:schemeClr val="lt1"/>
+      </a:fontRef>
+    </dgm:style>
+  </dgm:styleLbl>
+  <dgm:styleLbl name="parChTrans2D1">
+    <dgm:scene3d>
+      <a:camera prst="orthographicFront"/>
+      <a:lightRig rig="threePt" dir="t"/>
+    </dgm:scene3d>
+    <dgm:sp3d/>
+    <dgm:txPr/>
+    <dgm:style>
+      <a:lnRef idx="0">
+        <a:scrgbClr r="0" g="0" b="0"/>
+      </a:lnRef>
+      <a:fillRef idx="3">
+        <a:scrgbClr r="0" g="0" b="0"/>
+      </a:fillRef>
+      <a:effectRef idx="3">
+        <a:scrgbClr r="0" g="0" b="0"/>
+      </a:effectRef>
+      <a:fontRef idx="minor">
+        <a:schemeClr val="lt1"/>
+      </a:fontRef>
+    </dgm:style>
+  </dgm:styleLbl>
+  <dgm:styleLbl name="parChTrans2D2">
+    <dgm:scene3d>
+      <a:camera prst="orthographicFront"/>
+      <a:lightRig rig="threePt" dir="t"/>
+    </dgm:scene3d>
+    <dgm:sp3d/>
+    <dgm:txPr/>
+    <dgm:style>
+      <a:lnRef idx="0">
+        <a:scrgbClr r="0" g="0" b="0"/>
+      </a:lnRef>
+      <a:fillRef idx="3">
+        <a:scrgbClr r="0" g="0" b="0"/>
+      </a:fillRef>
+      <a:effectRef idx="3">
+        <a:scrgbClr r="0" g="0" b="0"/>
+      </a:effectRef>
+      <a:fontRef idx="minor">
+        <a:schemeClr val="lt1"/>
+      </a:fontRef>
+    </dgm:style>
+  </dgm:styleLbl>
+  <dgm:styleLbl name="parChTrans2D3">
+    <dgm:scene3d>
+      <a:camera prst="orthographicFront"/>
+      <a:lightRig rig="threePt" dir="t"/>
+    </dgm:scene3d>
+    <dgm:sp3d/>
+    <dgm:txPr/>
+    <dgm:style>
+      <a:lnRef idx="0">
+        <a:scrgbClr r="0" g="0" b="0"/>
+      </a:lnRef>
+      <a:fillRef idx="3">
+        <a:scrgbClr r="0" g="0" b="0"/>
+      </a:fillRef>
+      <a:effectRef idx="3">
+        <a:scrgbClr r="0" g="0" b="0"/>
+      </a:effectRef>
+      <a:fontRef idx="minor">
+        <a:schemeClr val="lt1"/>
+      </a:fontRef>
+    </dgm:style>
+  </dgm:styleLbl>
+  <dgm:styleLbl name="parChTrans2D4">
+    <dgm:scene3d>
+      <a:camera prst="orthographicFront"/>
+      <a:lightRig rig="threePt" dir="t"/>
+    </dgm:scene3d>
+    <dgm:sp3d/>
+    <dgm:txPr/>
+    <dgm:style>
+      <a:lnRef idx="0">
+        <a:scrgbClr r="0" g="0" b="0"/>
+      </a:lnRef>
+      <a:fillRef idx="3">
+        <a:scrgbClr r="0" g="0" b="0"/>
+      </a:fillRef>
+      <a:effectRef idx="3">
+        <a:scrgbClr r="0" g="0" b="0"/>
+      </a:effectRef>
+      <a:fontRef idx="minor">
+        <a:schemeClr val="lt1"/>
+      </a:fontRef>
+    </dgm:style>
+  </dgm:styleLbl>
+  <dgm:styleLbl name="parChTrans1D1">
+    <dgm:scene3d>
+      <a:camera prst="orthographicFront"/>
+      <a:lightRig rig="threePt" dir="t"/>
+    </dgm:scene3d>
+    <dgm:sp3d/>
+    <dgm:txPr/>
+    <dgm:style>
+      <a:lnRef idx="2">
+        <a:scrgbClr r="0" g="0" b="0"/>
+      </a:lnRef>
+      <a:fillRef idx="0">
+        <a:scrgbClr r="0" g="0" b="0"/>
+      </a:fillRef>
+      <a:effectRef idx="0">
+        <a:scrgbClr r="0" g="0" b="0"/>
+      </a:effectRef>
+      <a:fontRef idx="minor"/>
+    </dgm:style>
+  </dgm:styleLbl>
+  <dgm:styleLbl name="parChTrans1D2">
+    <dgm:scene3d>
+      <a:camera prst="orthographicFront"/>
+      <a:lightRig rig="threePt" dir="t"/>
+    </dgm:scene3d>
+    <dgm:sp3d/>
+    <dgm:txPr/>
+    <dgm:style>
+      <a:lnRef idx="2">
+        <a:scrgbClr r="0" g="0" b="0"/>
+      </a:lnRef>
+      <a:fillRef idx="0">
+        <a:scrgbClr r="0" g="0" b="0"/>
+      </a:fillRef>
+      <a:effectRef idx="0">
+        <a:scrgbClr r="0" g="0" b="0"/>
+      </a:effectRef>
+      <a:fontRef idx="minor"/>
+    </dgm:style>
+  </dgm:styleLbl>
+  <dgm:styleLbl name="parChTrans1D3">
+    <dgm:scene3d>
+      <a:camera prst="orthographicFront"/>
+      <a:lightRig rig="threePt" dir="t"/>
+    </dgm:scene3d>
+    <dgm:sp3d/>
+    <dgm:txPr/>
+    <dgm:style>
+      <a:lnRef idx="2">
+        <a:scrgbClr r="0" g="0" b="0"/>
+      </a:lnRef>
+      <a:fillRef idx="0">
+        <a:scrgbClr r="0" g="0" b="0"/>
+      </a:fillRef>
+      <a:effectRef idx="0">
+        <a:scrgbClr r="0" g="0" b="0"/>
+      </a:effectRef>
+      <a:fontRef idx="minor"/>
+    </dgm:style>
+  </dgm:styleLbl>
+  <dgm:styleLbl name="parChTrans1D4">
+    <dgm:scene3d>
+      <a:camera prst="orthographicFront"/>
+      <a:lightRig rig="threePt" dir="t"/>
+    </dgm:scene3d>
+    <dgm:sp3d/>
+    <dgm:txPr/>
+    <dgm:style>
+      <a:lnRef idx="2">
+        <a:scrgbClr r="0" g="0" b="0"/>
+      </a:lnRef>
+      <a:fillRef idx="0">
+        <a:scrgbClr r="0" g="0" b="0"/>
+      </a:fillRef>
+      <a:effectRef idx="0">
+        <a:scrgbClr r="0" g="0" b="0"/>
+      </a:effectRef>
+      <a:fontRef idx="minor"/>
+    </dgm:style>
+  </dgm:styleLbl>
+  <dgm:styleLbl name="fgAcc1">
+    <dgm:scene3d>
+      <a:camera prst="orthographicFront"/>
+      <a:lightRig rig="threePt" dir="t"/>
+    </dgm:scene3d>
+    <dgm:sp3d/>
+    <dgm:txPr/>
+    <dgm:style>
+      <a:lnRef idx="1">
+        <a:scrgbClr r="0" g="0" b="0"/>
+      </a:lnRef>
+      <a:fillRef idx="1">
+        <a:scrgbClr r="0" g="0" b="0"/>
+      </a:fillRef>
+      <a:effectRef idx="2">
+        <a:scrgbClr r="0" g="0" b="0"/>
+      </a:effectRef>
+      <a:fontRef idx="minor"/>
+    </dgm:style>
+  </dgm:styleLbl>
+  <dgm:styleLbl name="conFgAcc1">
+    <dgm:scene3d>
+      <a:camera prst="orthographicFront"/>
+      <a:lightRig rig="threePt" dir="t"/>
+    </dgm:scene3d>
+    <dgm:sp3d/>
+    <dgm:txPr/>
+    <dgm:style>
+      <a:lnRef idx="1">
+        <a:scrgbClr r="0" g="0" b="0"/>
+      </a:lnRef>
+      <a:fillRef idx="1">
+        <a:scrgbClr r="0" g="0" b="0"/>
+      </a:fillRef>
+      <a:effectRef idx="2">
+        <a:scrgbClr r="0" g="0" b="0"/>
+      </a:effectRef>
+      <a:fontRef idx="minor"/>
+    </dgm:style>
+  </dgm:styleLbl>
+  <dgm:styleLbl name="alignAcc1">
+    <dgm:scene3d>
+      <a:camera prst="orthographicFront"/>
+      <a:lightRig rig="threePt" dir="t"/>
+    </dgm:scene3d>
+    <dgm:sp3d/>
+    <dgm:txPr/>
+    <dgm:style>
+      <a:lnRef idx="1">
+        <a:scrgbClr r="0" g="0" b="0"/>
+      </a:lnRef>
+      <a:fillRef idx="1">
+        <a:scrgbClr r="0" g="0" b="0"/>
+      </a:fillRef>
+      <a:effectRef idx="2">
+        <a:scrgbClr r="0" g="0" b="0"/>
+      </a:effectRef>
+      <a:fontRef idx="minor"/>
+    </dgm:style>
+  </dgm:styleLbl>
+  <dgm:styleLbl name="trAlignAcc1">
+    <dgm:scene3d>
+      <a:camera prst="orthographicFront"/>
+      <a:lightRig rig="threePt" dir="t"/>
+    </dgm:scene3d>
+    <dgm:sp3d/>
+    <dgm:txPr/>
+    <dgm:style>
+      <a:lnRef idx="1">
+        <a:scrgbClr r="0" g="0" b="0"/>
+      </a:lnRef>
+      <a:fillRef idx="1">
+        <a:scrgbClr r="0" g="0" b="0"/>
+      </a:fillRef>
+      <a:effectRef idx="0">
+        <a:scrgbClr r="0" g="0" b="0"/>
+      </a:effectRef>
+      <a:fontRef idx="minor"/>
+    </dgm:style>
+  </dgm:styleLbl>
+  <dgm:styleLbl name="bgAcc1">
+    <dgm:scene3d>
+      <a:camera prst="orthographicFront"/>
+      <a:lightRig rig="threePt" dir="t"/>
+    </dgm:scene3d>
+    <dgm:sp3d/>
+    <dgm:txPr/>
+    <dgm:style>
+      <a:lnRef idx="1">
+        <a:scrgbClr r="0" g="0" b="0"/>
+      </a:lnRef>
+      <a:fillRef idx="1">
+        <a:scrgbClr r="0" g="0" b="0"/>
+      </a:fillRef>
+      <a:effectRef idx="2">
+        <a:scrgbClr r="0" g="0" b="0"/>
+      </a:effectRef>
+      <a:fontRef idx="minor"/>
+    </dgm:style>
+  </dgm:styleLbl>
+  <dgm:styleLbl name="solidFgAcc1">
+    <dgm:scene3d>
+      <a:camera prst="orthographicFront"/>
+      <a:lightRig rig="threePt" dir="t"/>
+    </dgm:scene3d>
+    <dgm:sp3d/>
+    <dgm:txPr/>
+    <dgm:style>
+      <a:lnRef idx="1">
+        <a:scrgbClr r="0" g="0" b="0"/>
+      </a:lnRef>
+      <a:fillRef idx="1">
+        <a:scrgbClr r="0" g="0" b="0"/>
+      </a:fillRef>
+      <a:effectRef idx="2">
+        <a:scrgbClr r="0" g="0" b="0"/>
+      </a:effectRef>
+      <a:fontRef idx="minor"/>
+    </dgm:style>
+  </dgm:styleLbl>
+  <dgm:styleLbl name="solidAlignAcc1">
+    <dgm:scene3d>
+      <a:camera prst="orthographicFront"/>
+      <a:lightRig rig="threePt" dir="t"/>
+    </dgm:scene3d>
+    <dgm:sp3d/>
+    <dgm:txPr/>
+    <dgm:style>
+      <a:lnRef idx="1">
+        <a:scrgbClr r="0" g="0" b="0"/>
+      </a:lnRef>
+      <a:fillRef idx="1">
+        <a:scrgbClr r="0" g="0" b="0"/>
+      </a:fillRef>
+      <a:effectRef idx="3">
+        <a:scrgbClr r="0" g="0" b="0"/>
+      </a:effectRef>
+      <a:fontRef idx="minor"/>
+    </dgm:style>
+  </dgm:styleLbl>
+  <dgm:styleLbl name="solidBgAcc1">
+    <dgm:scene3d>
+      <a:camera prst="orthographicFront"/>
+      <a:lightRig rig="threePt" dir="t"/>
+    </dgm:scene3d>
+    <dgm:sp3d/>
+    <dgm:txPr/>
+    <dgm:style>
+      <a:lnRef idx="1">
+        <a:scrgbClr r="0" g="0" b="0"/>
+      </a:lnRef>
+      <a:fillRef idx="1">
+        <a:scrgbClr r="0" g="0" b="0"/>
+      </a:fillRef>
+      <a:effectRef idx="3">
+        <a:scrgbClr r="0" g="0" b="0"/>
+      </a:effectRef>
+      <a:fontRef idx="minor"/>
+    </dgm:style>
+  </dgm:styleLbl>
+  <dgm:styleLbl name="fgAccFollowNode1">
+    <dgm:scene3d>
+      <a:camera prst="orthographicFront"/>
+      <a:lightRig rig="threePt" dir="t"/>
+    </dgm:scene3d>
+    <dgm:sp3d/>
+    <dgm:txPr/>
+    <dgm:style>
+      <a:lnRef idx="1">
+        <a:scrgbClr r="0" g="0" b="0"/>
+      </a:lnRef>
+      <a:fillRef idx="1">
+        <a:scrgbClr r="0" g="0" b="0"/>
+      </a:fillRef>
+      <a:effectRef idx="2">
+        <a:scrgbClr r="0" g="0" b="0"/>
+      </a:effectRef>
+      <a:fontRef idx="minor"/>
+    </dgm:style>
+  </dgm:styleLbl>
+  <dgm:styleLbl name="alignAccFollowNode1">
+    <dgm:scene3d>
+      <a:camera prst="orthographicFront"/>
+      <a:lightRig rig="threePt" dir="t"/>
+    </dgm:scene3d>
+    <dgm:sp3d/>
+    <dgm:txPr/>
+    <dgm:style>
+      <a:lnRef idx="1">
+        <a:scrgbClr r="0" g="0" b="0"/>
+      </a:lnRef>
+      <a:fillRef idx="1">
+        <a:scrgbClr r="0" g="0" b="0"/>
+      </a:fillRef>
+      <a:effectRef idx="2">
+        <a:scrgbClr r="0" g="0" b="0"/>
+      </a:effectRef>
+      <a:fontRef idx="minor"/>
+    </dgm:style>
+  </dgm:styleLbl>
+  <dgm:styleLbl name="bgAccFollowNode1">
+    <dgm:scene3d>
+      <a:camera prst="orthographicFront"/>
+      <a:lightRig rig="threePt" dir="t"/>
+    </dgm:scene3d>
+    <dgm:sp3d/>
+    <dgm:txPr/>
+    <dgm:style>
+      <a:lnRef idx="1">
+        <a:scrgbClr r="0" g="0" b="0"/>
+      </a:lnRef>
+      <a:fillRef idx="1">
+        <a:scrgbClr r="0" g="0" b="0"/>
+      </a:fillRef>
+      <a:effectRef idx="2">
+        <a:scrgbClr r="0" g="0" b="0"/>
+      </a:effectRef>
+      <a:fontRef idx="minor"/>
+    </dgm:style>
+  </dgm:styleLbl>
+  <dgm:styleLbl name="fgAcc0">
+    <dgm:scene3d>
+      <a:camera prst="orthographicFront"/>
+      <a:lightRig rig="threePt" dir="t"/>
+    </dgm:scene3d>
+    <dgm:sp3d/>
+    <dgm:txPr/>
+    <dgm:style>
+      <a:lnRef idx="1">
+        <a:scrgbClr r="0" g="0" b="0"/>
+      </a:lnRef>
+      <a:fillRef idx="1">
+        <a:scrgbClr r="0" g="0" b="0"/>
+      </a:fillRef>
+      <a:effectRef idx="2">
+        <a:scrgbClr r="0" g="0" b="0"/>
+      </a:effectRef>
+      <a:fontRef idx="minor"/>
+    </dgm:style>
+  </dgm:styleLbl>
+  <dgm:styleLbl name="fgAcc2">
+    <dgm:scene3d>
+      <a:camera prst="orthographicFront"/>
+      <a:lightRig rig="threePt" dir="t"/>
+    </dgm:scene3d>
+    <dgm:sp3d/>
+    <dgm:txPr/>
+    <dgm:style>
+      <a:lnRef idx="1">
+        <a:scrgbClr r="0" g="0" b="0"/>
+      </a:lnRef>
+      <a:fillRef idx="1">
+        <a:scrgbClr r="0" g="0" b="0"/>
+      </a:fillRef>
+      <a:effectRef idx="2">
+        <a:scrgbClr r="0" g="0" b="0"/>
+      </a:effectRef>
+      <a:fontRef idx="minor"/>
+    </dgm:style>
+  </dgm:styleLbl>
+  <dgm:styleLbl name="fgAcc3">
+    <dgm:scene3d>
+      <a:camera prst="orthographicFront"/>
+      <a:lightRig rig="threePt" dir="t"/>
+    </dgm:scene3d>
+    <dgm:sp3d/>
+    <dgm:txPr/>
+    <dgm:style>
+      <a:lnRef idx="1">
+        <a:scrgbClr r="0" g="0" b="0"/>
+      </a:lnRef>
+      <a:fillRef idx="1">
+        <a:scrgbClr r="0" g="0" b="0"/>
+      </a:fillRef>
+      <a:effectRef idx="2">
+        <a:scrgbClr r="0" g="0" b="0"/>
+      </a:effectRef>
+      <a:fontRef idx="minor"/>
+    </dgm:style>
+  </dgm:styleLbl>
+  <dgm:styleLbl name="fgAcc4">
+    <dgm:scene3d>
+      <a:camera prst="orthographicFront"/>
+      <a:lightRig rig="threePt" dir="t"/>
+    </dgm:scene3d>
+    <dgm:sp3d/>
+    <dgm:txPr/>
+    <dgm:style>
+      <a:lnRef idx="1">
+        <a:scrgbClr r="0" g="0" b="0"/>
+      </a:lnRef>
+      <a:fillRef idx="1">
+        <a:scrgbClr r="0" g="0" b="0"/>
+      </a:fillRef>
+      <a:effectRef idx="2">
+        <a:scrgbClr r="0" g="0" b="0"/>
+      </a:effectRef>
+      <a:fontRef idx="minor"/>
+    </dgm:style>
+  </dgm:styleLbl>
+  <dgm:styleLbl name="bgShp">
+    <dgm:scene3d>
+      <a:camera prst="orthographicFront"/>
+      <a:lightRig rig="threePt" dir="t"/>
+    </dgm:scene3d>
+    <dgm:sp3d/>
+    <dgm:txPr/>
+    <dgm:style>
+      <a:lnRef idx="0">
+        <a:scrgbClr r="0" g="0" b="0"/>
+      </a:lnRef>
+      <a:fillRef idx="1">
+        <a:scrgbClr r="0" g="0" b="0"/>
+      </a:fillRef>
+      <a:effectRef idx="2">
+        <a:scrgbClr r="0" g="0" b="0"/>
+      </a:effectRef>
+      <a:fontRef idx="minor"/>
+    </dgm:style>
+  </dgm:styleLbl>
+  <dgm:styleLbl name="dkBgShp">
+    <dgm:scene3d>
+      <a:camera prst="orthographicFront"/>
+      <a:lightRig rig="threePt" dir="t"/>
+    </dgm:scene3d>
+    <dgm:sp3d/>
+    <dgm:txPr/>
+    <dgm:style>
+      <a:lnRef idx="0">
+        <a:scrgbClr r="0" g="0" b="0"/>
+      </a:lnRef>
+      <a:fillRef idx="1">
+        <a:scrgbClr r="0" g="0" b="0"/>
+      </a:fillRef>
+      <a:effectRef idx="3">
+        <a:scrgbClr r="0" g="0" b="0"/>
+      </a:effectRef>
+      <a:fontRef idx="minor"/>
+    </dgm:style>
+  </dgm:styleLbl>
+  <dgm:styleLbl name="trBgShp">
+    <dgm:scene3d>
+      <a:camera prst="orthographicFront"/>
+      <a:lightRig rig="threePt" dir="t"/>
+    </dgm:scene3d>
+    <dgm:sp3d/>
+    <dgm:txPr/>
+    <dgm:style>
+      <a:lnRef idx="0">
+        <a:scrgbClr r="0" g="0" b="0"/>
+      </a:lnRef>
+      <a:fillRef idx="1">
+        <a:scrgbClr r="0" g="0" b="0"/>
+      </a:fillRef>
+      <a:effectRef idx="0">
+        <a:scrgbClr r="0" g="0" b="0"/>
+      </a:effectRef>
+      <a:fontRef idx="minor"/>
+    </dgm:style>
+  </dgm:styleLbl>
+  <dgm:styleLbl name="fgShp">
+    <dgm:scene3d>
+      <a:camera prst="orthographicFront"/>
+      <a:lightRig rig="threePt" dir="t"/>
+    </dgm:scene3d>
+    <dgm:sp3d/>
+    <dgm:txPr/>
+    <dgm:style>
+      <a:lnRef idx="0">
+        <a:scrgbClr r="0" g="0" b="0"/>
+      </a:lnRef>
+      <a:fillRef idx="3">
+        <a:scrgbClr r="0" g="0" b="0"/>
+      </a:fillRef>
+      <a:effectRef idx="3">
+        <a:scrgbClr r="0" g="0" b="0"/>
+      </a:effectRef>
+      <a:fontRef idx="minor"/>
+    </dgm:style>
+  </dgm:styleLbl>
+  <dgm:styleLbl name="revTx">
+    <dgm:scene3d>
+      <a:camera prst="orthographicFront"/>
+      <a:lightRig rig="threePt" dir="t"/>
+    </dgm:scene3d>
+    <dgm:sp3d/>
+    <dgm:txPr/>
+    <dgm:style>
+      <a:lnRef idx="0">
+        <a:scrgbClr r="0" g="0" b="0"/>
+      </a:lnRef>
+      <a:fillRef idx="0">
+        <a:scrgbClr r="0" g="0" b="0"/>
+      </a:fillRef>
+      <a:effectRef idx="0">
+        <a:scrgbClr r="0" g="0" b="0"/>
+      </a:effectRef>
+      <a:fontRef idx="minor"/>
+    </dgm:style>
+  </dgm:styleLbl>
+</dgm:styleDef>
+</file>
+
 <file path=ppt/notesMasters/notesMaster1.xml><?xml version="1.0" encoding="utf-8"?>
 <p:notesMaster xmlns:a="http://schemas.openxmlformats.org/drawingml/2006/main" xmlns:r="http://schemas.openxmlformats.org/officeDocument/2006/relationships" xmlns:p="http://schemas.openxmlformats.org/presentationml/2006/main">
   <p:cSld>
@@ -758,6 +6847,90 @@
 </file>
 
 <file path=ppt/notesSlides/notesSlide4.xml><?xml version="1.0" encoding="utf-8"?>
+<p:notes xmlns:a="http://schemas.openxmlformats.org/drawingml/2006/main" xmlns:r="http://schemas.openxmlformats.org/officeDocument/2006/relationships" xmlns:p="http://schemas.openxmlformats.org/presentationml/2006/main">
+  <p:cSld>
+    <p:spTree>
+      <p:nvGrpSpPr>
+        <p:cNvPr id="1" name=""/>
+        <p:cNvGrpSpPr/>
+        <p:nvPr/>
+      </p:nvGrpSpPr>
+      <p:grpSpPr>
+        <a:xfrm>
+          <a:off x="0" y="0"/>
+          <a:ext cx="0" cy="0"/>
+          <a:chOff x="0" y="0"/>
+          <a:chExt cx="0" cy="0"/>
+        </a:xfrm>
+      </p:grpSpPr>
+      <p:sp>
+        <p:nvSpPr>
+          <p:cNvPr id="2" name="מציין מיקום של תמונת שקופית 1"/>
+          <p:cNvSpPr>
+            <a:spLocks noGrp="1" noRot="1" noChangeAspect="1"/>
+          </p:cNvSpPr>
+          <p:nvPr>
+            <p:ph type="sldImg"/>
+          </p:nvPr>
+        </p:nvSpPr>
+        <p:spPr/>
+      </p:sp>
+      <p:sp>
+        <p:nvSpPr>
+          <p:cNvPr id="3" name="מציין מיקום של הערות 2"/>
+          <p:cNvSpPr>
+            <a:spLocks noGrp="1"/>
+          </p:cNvSpPr>
+          <p:nvPr>
+            <p:ph type="body" idx="1"/>
+          </p:nvPr>
+        </p:nvSpPr>
+        <p:spPr/>
+        <p:txBody>
+          <a:bodyPr/>
+          <a:lstStyle/>
+          <a:p>
+            <a:endParaRPr lang="en-US" dirty="0"/>
+          </a:p>
+        </p:txBody>
+      </p:sp>
+      <p:sp>
+        <p:nvSpPr>
+          <p:cNvPr id="4" name="מציין מיקום של מספר שקופית 3"/>
+          <p:cNvSpPr>
+            <a:spLocks noGrp="1"/>
+          </p:cNvSpPr>
+          <p:nvPr>
+            <p:ph type="sldNum" sz="quarter" idx="5"/>
+          </p:nvPr>
+        </p:nvSpPr>
+        <p:spPr/>
+        <p:txBody>
+          <a:bodyPr/>
+          <a:lstStyle/>
+          <a:p>
+            <a:fld id="{F088DBFF-C64D-4374-B24D-3FD9CC14944E}" type="slidenum">
+              <a:rPr lang="en-US" smtClean="0"/>
+              <a:t>6</a:t>
+            </a:fld>
+            <a:endParaRPr lang="en-US"/>
+          </a:p>
+        </p:txBody>
+      </p:sp>
+    </p:spTree>
+    <p:extLst>
+      <p:ext uri="{BB962C8B-B14F-4D97-AF65-F5344CB8AC3E}">
+        <p14:creationId xmlns:p14="http://schemas.microsoft.com/office/powerpoint/2010/main" val="3011653937"/>
+      </p:ext>
+    </p:extLst>
+  </p:cSld>
+  <p:clrMapOvr>
+    <a:masterClrMapping/>
+  </p:clrMapOvr>
+</p:notes>
+</file>
+
+<file path=ppt/notesSlides/notesSlide5.xml><?xml version="1.0" encoding="utf-8"?>
 <p:notes xmlns:a="http://schemas.openxmlformats.org/drawingml/2006/main" xmlns:r="http://schemas.openxmlformats.org/officeDocument/2006/relationships" xmlns:p="http://schemas.openxmlformats.org/presentationml/2006/main">
   <p:cSld>
     <p:spTree>
@@ -6000,9 +12173,16 @@
             <p:ph type="title"/>
           </p:nvPr>
         </p:nvSpPr>
-        <p:spPr/>
+        <p:spPr>
+          <a:xfrm>
+            <a:off x="838200" y="365125"/>
+            <a:ext cx="10515600" cy="1325563"/>
+          </a:xfrm>
+        </p:spPr>
         <p:txBody>
-          <a:bodyPr/>
+          <a:bodyPr anchor="ctr">
+            <a:normAutofit/>
+          </a:bodyPr>
           <a:lstStyle/>
           <a:p>
             <a:r>
@@ -6012,109 +12192,37 @@
           </a:p>
         </p:txBody>
       </p:sp>
-      <p:sp>
-        <p:nvSpPr>
-          <p:cNvPr id="7" name="מציין מיקום תוכן 6">
+      <p:graphicFrame>
+        <p:nvGraphicFramePr>
+          <p:cNvPr id="9" name="מציין מיקום תוכן 6">
             <a:extLst>
               <a:ext uri="{FF2B5EF4-FFF2-40B4-BE49-F238E27FC236}">
-                <a16:creationId xmlns:a16="http://schemas.microsoft.com/office/drawing/2014/main" id="{29817BC4-DFDF-CC3B-BA95-05C5963BADA3}"/>
+                <a16:creationId xmlns:a16="http://schemas.microsoft.com/office/drawing/2014/main" id="{AC4FC0B8-0DDC-4232-E114-9A872C262708}"/>
               </a:ext>
             </a:extLst>
           </p:cNvPr>
-          <p:cNvSpPr>
-            <a:spLocks noGrp="1"/>
-          </p:cNvSpPr>
+          <p:cNvGraphicFramePr>
+            <a:graphicFrameLocks noGrp="1"/>
+          </p:cNvGraphicFramePr>
           <p:nvPr>
             <p:ph idx="1"/>
+            <p:extLst>
+              <p:ext uri="{D42A27DB-BD31-4B8C-83A1-F6EECF244321}">
+                <p14:modId xmlns:p14="http://schemas.microsoft.com/office/powerpoint/2010/main" val="3025933223"/>
+              </p:ext>
+            </p:extLst>
           </p:nvPr>
-        </p:nvSpPr>
-        <p:spPr/>
-        <p:txBody>
-          <a:bodyPr/>
-          <a:lstStyle/>
-          <a:p>
-            <a:pPr marL="0" indent="0" algn="ctr">
-              <a:buNone/>
-            </a:pPr>
-            <a:r>
-              <a:rPr lang="he-IL" dirty="0"/>
-              <a:t> </a:t>
-            </a:r>
-            <a:r>
-              <a:rPr lang="he-IL" b="1" u="sng" dirty="0"/>
-              <a:t>אבטחה</a:t>
-            </a:r>
-          </a:p>
-          <a:p>
-            <a:pPr marL="0" indent="0" algn="ctr">
-              <a:buNone/>
-            </a:pPr>
-            <a:endParaRPr lang="he-IL" b="1" u="sng" dirty="0"/>
-          </a:p>
-          <a:p>
-            <a:pPr marL="0" indent="0" algn="ctr">
-              <a:buNone/>
-            </a:pPr>
-            <a:r>
-              <a:rPr lang="he-IL" sz="2000" dirty="0"/>
-              <a:t>הוספת ספרית </a:t>
-            </a:r>
-            <a:r>
-              <a:rPr lang="en-US" sz="2000" dirty="0"/>
-              <a:t>RSA</a:t>
-            </a:r>
-            <a:r>
-              <a:rPr lang="he-IL" sz="2000" dirty="0">
-                <a:latin typeface="Calibri" panose="020F0502020204030204" pitchFamily="34" charset="0"/>
-                <a:cs typeface="Calibri" panose="020F0502020204030204" pitchFamily="34" charset="0"/>
-              </a:rPr>
-              <a:t>2048</a:t>
-            </a:r>
-            <a:r>
-              <a:rPr lang="he-IL" sz="2000" dirty="0"/>
-              <a:t> - הכוללת יצירת מפתחות</a:t>
-            </a:r>
-            <a:r>
-              <a:rPr lang="en-US" sz="2000" dirty="0"/>
-              <a:t>,</a:t>
-            </a:r>
-            <a:r>
-              <a:rPr lang="he-IL" sz="2000" dirty="0"/>
-              <a:t> הצפנה ופיענוח </a:t>
-            </a:r>
-          </a:p>
-          <a:p>
-            <a:pPr marL="0" indent="0" algn="ctr">
-              <a:buNone/>
-            </a:pPr>
-            <a:endParaRPr lang="he-IL" sz="2000" dirty="0"/>
-          </a:p>
-          <a:p>
-            <a:pPr marL="0" indent="0" algn="ctr">
-              <a:buNone/>
-            </a:pPr>
-            <a:r>
-              <a:rPr lang="he-IL" sz="2000" dirty="0"/>
-              <a:t>שילוב ספריה זאת בקוד הקיים – בחילוף מפתחות הצפנה </a:t>
-            </a:r>
-          </a:p>
-          <a:p>
-            <a:pPr marL="0" indent="0" algn="ctr">
-              <a:buNone/>
-            </a:pPr>
-            <a:endParaRPr lang="he-IL" sz="2000" dirty="0"/>
-          </a:p>
-          <a:p>
-            <a:pPr marL="0" indent="0" algn="ctr">
-              <a:buNone/>
-            </a:pPr>
-            <a:r>
-              <a:rPr lang="he-IL" sz="2000" dirty="0"/>
-              <a:t>סיום השלד – פיקוח על מצב של קריסה וטיפול מתאים </a:t>
-            </a:r>
-          </a:p>
-        </p:txBody>
-      </p:sp>
+        </p:nvGraphicFramePr>
+        <p:xfrm>
+          <a:off x="838200" y="1825625"/>
+          <a:ext cx="10515600" cy="4351338"/>
+        </p:xfrm>
+        <a:graphic>
+          <a:graphicData uri="http://schemas.openxmlformats.org/drawingml/2006/diagram">
+            <dgm:relIds xmlns:dgm="http://schemas.openxmlformats.org/drawingml/2006/diagram" xmlns:r="http://schemas.openxmlformats.org/officeDocument/2006/relationships" r:dm="rId3" r:lo="rId4" r:qs="rId5" r:cs="rId6"/>
+          </a:graphicData>
+        </a:graphic>
+      </p:graphicFrame>
     </p:spTree>
     <p:extLst>
       <p:ext uri="{BB962C8B-B14F-4D97-AF65-F5344CB8AC3E}">
@@ -6155,7 +12263,12 @@
             <p:ph type="title"/>
           </p:nvPr>
         </p:nvSpPr>
-        <p:spPr/>
+        <p:spPr>
+          <a:xfrm>
+            <a:off x="838200" y="365125"/>
+            <a:ext cx="8030497" cy="1325563"/>
+          </a:xfrm>
+        </p:spPr>
         <p:txBody>
           <a:bodyPr/>
           <a:lstStyle/>
@@ -6237,7 +12350,12 @@
             <p:ph type="title"/>
           </p:nvPr>
         </p:nvSpPr>
-        <p:spPr/>
+        <p:spPr>
+          <a:xfrm>
+            <a:off x="838200" y="365125"/>
+            <a:ext cx="6231194" cy="1325563"/>
+          </a:xfrm>
+        </p:spPr>
         <p:txBody>
           <a:bodyPr/>
           <a:lstStyle/>
@@ -6268,39 +12386,39 @@
               <a:buNone/>
             </a:pPr>
             <a:r>
-              <a:rPr lang="he-IL" b="1" u="sng" dirty="0"/>
+              <a:rPr lang="he-IL" b="1" u="sng"/>
               <a:t>היו קצת פערים</a:t>
             </a:r>
-            <a:endParaRPr lang="he-IL" dirty="0"/>
+            <a:endParaRPr lang="he-IL"/>
           </a:p>
           <a:p>
             <a:pPr marL="0" indent="0">
               <a:buNone/>
             </a:pPr>
-            <a:endParaRPr lang="en-US" dirty="0"/>
+            <a:endParaRPr lang="en-US"/>
           </a:p>
           <a:p>
             <a:pPr marL="0" indent="0">
               <a:buNone/>
             </a:pPr>
             <a:r>
-              <a:rPr lang="he-IL" sz="2000" dirty="0"/>
+              <a:rPr lang="he-IL" sz="2000"/>
               <a:t>לאחר שה</a:t>
             </a:r>
             <a:r>
-              <a:rPr lang="en-US" sz="2000" dirty="0"/>
+              <a:rPr lang="en-US" sz="2000"/>
               <a:t>server </a:t>
             </a:r>
             <a:r>
-              <a:rPr lang="he-IL" sz="2000" dirty="0"/>
+              <a:rPr lang="he-IL" sz="2000"/>
               <a:t> מזהה קריסה הוא מטפל בזה בצורה לא טובה כל כך עם ה</a:t>
             </a:r>
             <a:r>
-              <a:rPr lang="en-US" sz="2000" dirty="0"/>
+              <a:rPr lang="en-US" sz="2000"/>
               <a:t>nodes </a:t>
             </a:r>
             <a:r>
-              <a:rPr lang="he-IL" sz="2000" dirty="0"/>
+              <a:rPr lang="he-IL" sz="2000"/>
               <a:t> ובגלל זה נכשל. </a:t>
             </a:r>
           </a:p>
@@ -6309,9 +12427,10 @@
               <a:buNone/>
             </a:pPr>
             <a:r>
-              <a:rPr lang="he-IL" sz="2000" dirty="0"/>
+              <a:rPr lang="he-IL" sz="2000"/>
               <a:t>לכן החלטנו לדחות את זה לספרינט החמישי שאז היה לנו יותר זמן לדבג את זה </a:t>
             </a:r>
+            <a:endParaRPr lang="he-IL" sz="2000" dirty="0"/>
           </a:p>
         </p:txBody>
       </p:sp>
@@ -6355,9 +12474,16 @@
             <p:ph type="title"/>
           </p:nvPr>
         </p:nvSpPr>
-        <p:spPr/>
+        <p:spPr>
+          <a:xfrm>
+            <a:off x="838200" y="365125"/>
+            <a:ext cx="6604819" cy="1325563"/>
+          </a:xfrm>
+        </p:spPr>
         <p:txBody>
-          <a:bodyPr/>
+          <a:bodyPr anchor="ctr">
+            <a:normAutofit/>
+          </a:bodyPr>
           <a:lstStyle/>
           <a:p>
             <a:r>
@@ -6367,121 +12493,37 @@
           </a:p>
         </p:txBody>
       </p:sp>
-      <p:sp>
-        <p:nvSpPr>
-          <p:cNvPr id="3" name="מציין מיקום תוכן 2"/>
-          <p:cNvSpPr>
-            <a:spLocks noGrp="1"/>
-          </p:cNvSpPr>
+      <p:graphicFrame>
+        <p:nvGraphicFramePr>
+          <p:cNvPr id="5" name="מציין מיקום תוכן 2">
+            <a:extLst>
+              <a:ext uri="{FF2B5EF4-FFF2-40B4-BE49-F238E27FC236}">
+                <a16:creationId xmlns:a16="http://schemas.microsoft.com/office/drawing/2014/main" id="{DFC3E9C5-28E8-DB6C-574A-0428E9F8CEC2}"/>
+              </a:ext>
+            </a:extLst>
+          </p:cNvPr>
+          <p:cNvGraphicFramePr>
+            <a:graphicFrameLocks noGrp="1"/>
+          </p:cNvGraphicFramePr>
           <p:nvPr>
             <p:ph idx="1"/>
+            <p:extLst>
+              <p:ext uri="{D42A27DB-BD31-4B8C-83A1-F6EECF244321}">
+                <p14:modId xmlns:p14="http://schemas.microsoft.com/office/powerpoint/2010/main" val="3396554164"/>
+              </p:ext>
+            </p:extLst>
           </p:nvPr>
-        </p:nvSpPr>
-        <p:spPr/>
-        <p:txBody>
-          <a:bodyPr/>
-          <a:lstStyle/>
-          <a:p>
-            <a:pPr marL="0" indent="0" algn="ctr">
-              <a:buNone/>
-            </a:pPr>
-            <a:r>
-              <a:rPr lang="he-IL" b="1" u="sng" dirty="0"/>
-              <a:t>שימור </a:t>
-            </a:r>
-          </a:p>
-          <a:p>
-            <a:pPr marL="0" indent="0" algn="ctr">
-              <a:buNone/>
-            </a:pPr>
-            <a:endParaRPr lang="he-IL" b="1" u="sng" dirty="0"/>
-          </a:p>
-          <a:p>
-            <a:pPr marL="0" indent="0" algn="ctr">
-              <a:buNone/>
-            </a:pPr>
-            <a:r>
-              <a:rPr lang="he-IL" sz="2000" dirty="0"/>
-              <a:t>להמשיך לעבוד כמו שאנחנו עובדים בשיתוף פעולה ככה שלשנינו היה ידע על כל הפרוייקט</a:t>
-            </a:r>
-          </a:p>
-          <a:p>
-            <a:pPr marL="0" indent="0" algn="ctr">
-              <a:buNone/>
-            </a:pPr>
-            <a:r>
-              <a:rPr lang="he-IL" sz="2000" dirty="0"/>
-              <a:t>חלוקת המשימות וניהול ה</a:t>
-            </a:r>
-            <a:r>
-              <a:rPr lang="en-US" sz="2000" dirty="0"/>
-              <a:t>git</a:t>
-            </a:r>
-            <a:r>
-              <a:rPr lang="he-IL" sz="2000" dirty="0"/>
-              <a:t> </a:t>
-            </a:r>
-          </a:p>
-          <a:p>
-            <a:pPr marL="0" indent="0" algn="ctr">
-              <a:buNone/>
-            </a:pPr>
-            <a:endParaRPr lang="he-IL" sz="2000" dirty="0"/>
-          </a:p>
-          <a:p>
-            <a:pPr marL="0" indent="0" algn="ctr">
-              <a:buNone/>
-            </a:pPr>
-            <a:r>
-              <a:rPr lang="he-IL" sz="2000" dirty="0"/>
-              <a:t>שיחות סטטוס ומעקב של שנינו על ההתקדמות </a:t>
-            </a:r>
-            <a:r>
-              <a:rPr lang="en-US" sz="2000" dirty="0"/>
-              <a:t>code </a:t>
-            </a:r>
-            <a:r>
-              <a:rPr lang="en-US" sz="2000" dirty="0" err="1"/>
-              <a:t>reviwe</a:t>
-            </a:r>
-            <a:r>
-              <a:rPr lang="en-US" sz="2000" dirty="0"/>
-              <a:t>)</a:t>
-            </a:r>
-            <a:r>
-              <a:rPr lang="he-IL" sz="2000" dirty="0"/>
-              <a:t>)</a:t>
-            </a:r>
-          </a:p>
-          <a:p>
-            <a:pPr marL="0" indent="0" algn="ctr">
-              <a:buNone/>
-            </a:pPr>
-            <a:r>
-              <a:rPr lang="he-IL" sz="2000" dirty="0"/>
-              <a:t> </a:t>
-            </a:r>
-          </a:p>
-          <a:p>
-            <a:pPr marL="0" indent="0" algn="ctr">
-              <a:buNone/>
-            </a:pPr>
-            <a:r>
-              <a:rPr lang="he-IL" sz="2000" dirty="0"/>
-              <a:t>הרצון לדעת לחפש ולמצוא העשרות לגבי הפרוייקט </a:t>
-            </a:r>
-          </a:p>
-          <a:p>
-            <a:endParaRPr lang="he-IL" dirty="0"/>
-          </a:p>
-          <a:p>
-            <a:pPr marL="0" indent="0">
-              <a:buNone/>
-            </a:pPr>
-            <a:endParaRPr lang="he-IL" dirty="0"/>
-          </a:p>
-        </p:txBody>
-      </p:sp>
+        </p:nvGraphicFramePr>
+        <p:xfrm>
+          <a:off x="838200" y="1825625"/>
+          <a:ext cx="10515600" cy="4351338"/>
+        </p:xfrm>
+        <a:graphic>
+          <a:graphicData uri="http://schemas.openxmlformats.org/drawingml/2006/diagram">
+            <dgm:relIds xmlns:dgm="http://schemas.openxmlformats.org/drawingml/2006/diagram" xmlns:r="http://schemas.openxmlformats.org/officeDocument/2006/relationships" r:dm="rId2" r:lo="rId3" r:qs="rId4" r:cs="rId5"/>
+          </a:graphicData>
+        </a:graphic>
+      </p:graphicFrame>
     </p:spTree>
     <p:extLst>
       <p:ext uri="{BB962C8B-B14F-4D97-AF65-F5344CB8AC3E}">
@@ -6522,7 +12564,12 @@
             <p:ph type="title"/>
           </p:nvPr>
         </p:nvSpPr>
-        <p:spPr/>
+        <p:spPr>
+          <a:xfrm>
+            <a:off x="838200" y="365125"/>
+            <a:ext cx="6565490" cy="1325563"/>
+          </a:xfrm>
+        </p:spPr>
         <p:txBody>
           <a:bodyPr/>
           <a:lstStyle/>

--- a/seconed_iteration.pptx
+++ b/seconed_iteration.pptx
@@ -8828,7 +8828,7 @@
           <a:p>
             <a:fld id="{03573BAD-26BF-45FC-A316-E1836D95B7B8}" type="datetimeFigureOut">
               <a:rPr lang="en-US" smtClean="0"/>
-              <a:t>1/6/2025</a:t>
+              <a:t>1/20/2025</a:t>
             </a:fld>
             <a:endParaRPr lang="en-US"/>
           </a:p>
@@ -9668,7 +9668,7 @@
           <a:p>
             <a:fld id="{ACE0332F-FCE7-43B8-8B44-ECBD436CDFD7}" type="datetimeFigureOut">
               <a:rPr lang="he-IL" smtClean="0"/>
-              <a:t>ו'/טבת/תשפ"ה</a:t>
+              <a:t>כ'/טבת/תשפ"ה</a:t>
             </a:fld>
             <a:endParaRPr lang="he-IL"/>
           </a:p>
@@ -9852,7 +9852,7 @@
           <a:p>
             <a:fld id="{ACE0332F-FCE7-43B8-8B44-ECBD436CDFD7}" type="datetimeFigureOut">
               <a:rPr lang="he-IL" smtClean="0"/>
-              <a:t>ו'/טבת/תשפ"ה</a:t>
+              <a:t>כ'/טבת/תשפ"ה</a:t>
             </a:fld>
             <a:endParaRPr lang="he-IL"/>
           </a:p>
@@ -10046,7 +10046,7 @@
           <a:p>
             <a:fld id="{ACE0332F-FCE7-43B8-8B44-ECBD436CDFD7}" type="datetimeFigureOut">
               <a:rPr lang="he-IL" smtClean="0"/>
-              <a:t>ו'/טבת/תשפ"ה</a:t>
+              <a:t>כ'/טבת/תשפ"ה</a:t>
             </a:fld>
             <a:endParaRPr lang="he-IL"/>
           </a:p>
@@ -10230,7 +10230,7 @@
           <a:p>
             <a:fld id="{ACE0332F-FCE7-43B8-8B44-ECBD436CDFD7}" type="datetimeFigureOut">
               <a:rPr lang="he-IL" smtClean="0"/>
-              <a:t>ו'/טבת/תשפ"ה</a:t>
+              <a:t>כ'/טבת/תשפ"ה</a:t>
             </a:fld>
             <a:endParaRPr lang="he-IL"/>
           </a:p>
@@ -10491,7 +10491,7 @@
           <a:p>
             <a:fld id="{ACE0332F-FCE7-43B8-8B44-ECBD436CDFD7}" type="datetimeFigureOut">
               <a:rPr lang="he-IL" smtClean="0"/>
-              <a:t>ו'/טבת/תשפ"ה</a:t>
+              <a:t>כ'/טבת/תשפ"ה</a:t>
             </a:fld>
             <a:endParaRPr lang="he-IL"/>
           </a:p>
@@ -10736,7 +10736,7 @@
           <a:p>
             <a:fld id="{ACE0332F-FCE7-43B8-8B44-ECBD436CDFD7}" type="datetimeFigureOut">
               <a:rPr lang="he-IL" smtClean="0"/>
-              <a:t>ו'/טבת/תשפ"ה</a:t>
+              <a:t>כ'/טבת/תשפ"ה</a:t>
             </a:fld>
             <a:endParaRPr lang="he-IL"/>
           </a:p>
@@ -11116,7 +11116,7 @@
           <a:p>
             <a:fld id="{ACE0332F-FCE7-43B8-8B44-ECBD436CDFD7}" type="datetimeFigureOut">
               <a:rPr lang="he-IL" smtClean="0"/>
-              <a:t>ו'/טבת/תשפ"ה</a:t>
+              <a:t>כ'/טבת/תשפ"ה</a:t>
             </a:fld>
             <a:endParaRPr lang="he-IL"/>
           </a:p>
@@ -11249,7 +11249,7 @@
           <a:p>
             <a:fld id="{ACE0332F-FCE7-43B8-8B44-ECBD436CDFD7}" type="datetimeFigureOut">
               <a:rPr lang="he-IL" smtClean="0"/>
-              <a:t>ו'/טבת/תשפ"ה</a:t>
+              <a:t>כ'/טבת/תשפ"ה</a:t>
             </a:fld>
             <a:endParaRPr lang="he-IL"/>
           </a:p>
@@ -11360,7 +11360,7 @@
           <a:p>
             <a:fld id="{ACE0332F-FCE7-43B8-8B44-ECBD436CDFD7}" type="datetimeFigureOut">
               <a:rPr lang="he-IL" smtClean="0"/>
-              <a:t>ו'/טבת/תשפ"ה</a:t>
+              <a:t>כ'/טבת/תשפ"ה</a:t>
             </a:fld>
             <a:endParaRPr lang="he-IL"/>
           </a:p>
@@ -11651,7 +11651,7 @@
           <a:p>
             <a:fld id="{ACE0332F-FCE7-43B8-8B44-ECBD436CDFD7}" type="datetimeFigureOut">
               <a:rPr lang="he-IL" smtClean="0"/>
-              <a:t>ו'/טבת/תשפ"ה</a:t>
+              <a:t>כ'/טבת/תשפ"ה</a:t>
             </a:fld>
             <a:endParaRPr lang="he-IL"/>
           </a:p>
@@ -11919,7 +11919,7 @@
           <a:p>
             <a:fld id="{ACE0332F-FCE7-43B8-8B44-ECBD436CDFD7}" type="datetimeFigureOut">
               <a:rPr lang="he-IL" smtClean="0"/>
-              <a:t>ו'/טבת/תשפ"ה</a:t>
+              <a:t>כ'/טבת/תשפ"ה</a:t>
             </a:fld>
             <a:endParaRPr lang="he-IL"/>
           </a:p>
@@ -14467,10 +14467,10 @@
       </p:sp>
       <p:pic>
         <p:nvPicPr>
-          <p:cNvPr id="7" name="תמונה 6" descr="תמונה שמכילה ירק, בצל&#10;&#10;התיאור נוצר באופן אוטומטי">
+          <p:cNvPr id="5" name="Picture 4" descr="A logo with a circle and rings around it&#10;&#10;Description automatically generated">
             <a:extLst>
               <a:ext uri="{FF2B5EF4-FFF2-40B4-BE49-F238E27FC236}">
-                <a16:creationId xmlns:a16="http://schemas.microsoft.com/office/drawing/2014/main" id="{9403E0CE-3E47-BF06-2603-41D7AC996B37}"/>
+                <a16:creationId xmlns:a16="http://schemas.microsoft.com/office/drawing/2014/main" id="{AD61D411-C0AA-73DC-7046-02701BE09083}"/>
               </a:ext>
             </a:extLst>
           </p:cNvPr>
@@ -14481,20 +14481,20 @@
         </p:nvPicPr>
         <p:blipFill>
           <a:blip r:embed="rId3">
-            <a:alphaModFix amt="50000"/>
             <a:extLst>
               <a:ext uri="{28A0092B-C50C-407E-A947-70E740481C1C}">
                 <a14:useLocalDpi xmlns:a14="http://schemas.microsoft.com/office/drawing/2010/main" val="0"/>
               </a:ext>
             </a:extLst>
           </a:blip>
-          <a:srcRect r="2223" b="1"/>
-          <a:stretch/>
+          <a:stretch>
+            <a:fillRect/>
+          </a:stretch>
         </p:blipFill>
         <p:spPr>
           <a:xfrm>
-            <a:off x="20" y="1"/>
-            <a:ext cx="12191980" cy="6857999"/>
+            <a:off x="0" y="0"/>
+            <a:ext cx="12192000" cy="6857999"/>
           </a:xfrm>
           <a:prstGeom prst="rect">
             <a:avLst/>
@@ -14503,50 +14503,38 @@
       </p:pic>
       <p:sp>
         <p:nvSpPr>
-          <p:cNvPr id="2" name="כותרת 1"/>
-          <p:cNvSpPr>
-            <a:spLocks noGrp="1"/>
-          </p:cNvSpPr>
-          <p:nvPr>
-            <p:ph type="ctrTitle"/>
-          </p:nvPr>
+          <p:cNvPr id="9" name="TextBox 8">
+            <a:extLst>
+              <a:ext uri="{FF2B5EF4-FFF2-40B4-BE49-F238E27FC236}">
+                <a16:creationId xmlns:a16="http://schemas.microsoft.com/office/drawing/2014/main" id="{36F89CA0-77AE-51C8-5D1C-740B00F6CE44}"/>
+              </a:ext>
+            </a:extLst>
+          </p:cNvPr>
+          <p:cNvSpPr txBox="1"/>
+          <p:nvPr/>
         </p:nvSpPr>
         <p:spPr>
           <a:xfrm>
-            <a:off x="1524000" y="2910348"/>
-            <a:ext cx="9144000" cy="1112532"/>
+            <a:off x="4085863" y="5701255"/>
+            <a:ext cx="3784921" cy="954107"/>
           </a:xfrm>
+          <a:prstGeom prst="rect">
+            <a:avLst/>
+          </a:prstGeom>
+          <a:noFill/>
         </p:spPr>
         <p:txBody>
-          <a:bodyPr>
-            <a:normAutofit/>
+          <a:bodyPr wrap="square" rtlCol="1">
+            <a:spAutoFit/>
           </a:bodyPr>
           <a:lstStyle/>
           <a:p>
+            <a:pPr algn="ctr"/>
             <a:r>
-              <a:rPr lang="he-IL" dirty="0">
-                <a:solidFill>
-                  <a:srgbClr val="FFFFFF"/>
-                </a:solidFill>
-              </a:rPr>
-              <a:t>הצגת ספרינט </a:t>
+              <a:rPr lang="en-US" sz="2800" dirty="0"/>
+              <a:t>Presentors Liam &amp; Gavriel</a:t>
             </a:r>
-            <a:r>
-              <a:rPr lang="en-US" dirty="0">
-                <a:solidFill>
-                  <a:srgbClr val="FFFFFF"/>
-                </a:solidFill>
-              </a:rPr>
-              <a:t>II</a:t>
-            </a:r>
-            <a:r>
-              <a:rPr lang="he-IL" dirty="0">
-                <a:solidFill>
-                  <a:srgbClr val="FFFFFF"/>
-                </a:solidFill>
-              </a:rPr>
-              <a:t> </a:t>
-            </a:r>
+            <a:endParaRPr lang="he-IL" sz="2800" dirty="0"/>
           </a:p>
         </p:txBody>
       </p:sp>
@@ -14560,98 +14548,6 @@
   <p:clrMapOvr>
     <a:masterClrMapping/>
   </p:clrMapOvr>
-  <p:timing>
-    <p:tnLst>
-      <p:par>
-        <p:cTn id="1" dur="indefinite" restart="never" nodeType="tmRoot">
-          <p:childTnLst>
-            <p:seq concurrent="1" nextAc="seek">
-              <p:cTn id="2" dur="indefinite" nodeType="mainSeq">
-                <p:childTnLst>
-                  <p:par>
-                    <p:cTn id="3" fill="hold">
-                      <p:stCondLst>
-                        <p:cond delay="indefinite"/>
-                        <p:cond evt="onBegin" delay="0">
-                          <p:tn val="2"/>
-                        </p:cond>
-                      </p:stCondLst>
-                      <p:childTnLst>
-                        <p:par>
-                          <p:cTn id="4" fill="hold">
-                            <p:stCondLst>
-                              <p:cond delay="0"/>
-                            </p:stCondLst>
-                            <p:childTnLst>
-                              <p:par>
-                                <p:cTn id="5" presetID="10" presetClass="entr" presetSubtype="0" fill="hold" grpId="0" nodeType="withEffect">
-                                  <p:stCondLst>
-                                    <p:cond delay="1000"/>
-                                  </p:stCondLst>
-                                  <p:iterate type="lt">
-                                    <p:tmPct val="10000"/>
-                                  </p:iterate>
-                                  <p:childTnLst>
-                                    <p:set>
-                                      <p:cBhvr>
-                                        <p:cTn id="6" dur="1" fill="hold">
-                                          <p:stCondLst>
-                                            <p:cond delay="0"/>
-                                          </p:stCondLst>
-                                        </p:cTn>
-                                        <p:tgtEl>
-                                          <p:spTgt spid="2"/>
-                                        </p:tgtEl>
-                                        <p:attrNameLst>
-                                          <p:attrName>style.visibility</p:attrName>
-                                        </p:attrNameLst>
-                                      </p:cBhvr>
-                                      <p:to>
-                                        <p:strVal val="visible"/>
-                                      </p:to>
-                                    </p:set>
-                                    <p:animEffect transition="in" filter="fade">
-                                      <p:cBhvr>
-                                        <p:cTn id="7" dur="400"/>
-                                        <p:tgtEl>
-                                          <p:spTgt spid="2"/>
-                                        </p:tgtEl>
-                                      </p:cBhvr>
-                                    </p:animEffect>
-                                  </p:childTnLst>
-                                </p:cTn>
-                              </p:par>
-                            </p:childTnLst>
-                          </p:cTn>
-                        </p:par>
-                      </p:childTnLst>
-                    </p:cTn>
-                  </p:par>
-                </p:childTnLst>
-              </p:cTn>
-              <p:prevCondLst>
-                <p:cond evt="onPrev" delay="0">
-                  <p:tgtEl>
-                    <p:sldTgt/>
-                  </p:tgtEl>
-                </p:cond>
-              </p:prevCondLst>
-              <p:nextCondLst>
-                <p:cond evt="onNext" delay="0">
-                  <p:tgtEl>
-                    <p:sldTgt/>
-                  </p:tgtEl>
-                </p:cond>
-              </p:nextCondLst>
-            </p:seq>
-          </p:childTnLst>
-        </p:cTn>
-      </p:par>
-    </p:tnLst>
-    <p:bldLst>
-      <p:bldP spid="2" grpId="0"/>
-    </p:bldLst>
-  </p:timing>
 </p:sld>
 </file>
 
